--- a/ビギナー向け相居飛車講座.pptx
+++ b/ビギナー向け相居飛車講座.pptx
@@ -5,7 +5,7 @@
     <p:sldMasterId id="2147483648" r:id="rId1"/>
   </p:sldMasterIdLst>
   <p:notesMasterIdLst>
-    <p:notesMasterId r:id="rId24"/>
+    <p:notesMasterId r:id="rId26"/>
   </p:notesMasterIdLst>
   <p:sldIdLst>
     <p:sldId id="256" r:id="rId2"/>
@@ -14,22 +14,24 @@
     <p:sldId id="271" r:id="rId5"/>
     <p:sldId id="259" r:id="rId6"/>
     <p:sldId id="260" r:id="rId7"/>
-    <p:sldId id="270" r:id="rId8"/>
-    <p:sldId id="258" r:id="rId9"/>
-    <p:sldId id="272" r:id="rId10"/>
-    <p:sldId id="267" r:id="rId11"/>
-    <p:sldId id="273" r:id="rId12"/>
-    <p:sldId id="274" r:id="rId13"/>
-    <p:sldId id="275" r:id="rId14"/>
-    <p:sldId id="276" r:id="rId15"/>
-    <p:sldId id="277" r:id="rId16"/>
-    <p:sldId id="279" r:id="rId17"/>
-    <p:sldId id="280" r:id="rId18"/>
-    <p:sldId id="282" r:id="rId19"/>
-    <p:sldId id="281" r:id="rId20"/>
-    <p:sldId id="283" r:id="rId21"/>
-    <p:sldId id="278" r:id="rId22"/>
-    <p:sldId id="265" r:id="rId23"/>
+    <p:sldId id="285" r:id="rId8"/>
+    <p:sldId id="270" r:id="rId9"/>
+    <p:sldId id="258" r:id="rId10"/>
+    <p:sldId id="272" r:id="rId11"/>
+    <p:sldId id="267" r:id="rId12"/>
+    <p:sldId id="273" r:id="rId13"/>
+    <p:sldId id="274" r:id="rId14"/>
+    <p:sldId id="275" r:id="rId15"/>
+    <p:sldId id="286" r:id="rId16"/>
+    <p:sldId id="276" r:id="rId17"/>
+    <p:sldId id="277" r:id="rId18"/>
+    <p:sldId id="279" r:id="rId19"/>
+    <p:sldId id="280" r:id="rId20"/>
+    <p:sldId id="282" r:id="rId21"/>
+    <p:sldId id="281" r:id="rId22"/>
+    <p:sldId id="283" r:id="rId23"/>
+    <p:sldId id="278" r:id="rId24"/>
+    <p:sldId id="265" r:id="rId25"/>
   </p:sldIdLst>
   <p:sldSz cx="9144000" cy="6858000" type="screen4x3"/>
   <p:notesSz cx="6858000" cy="9144000"/>
@@ -3155,6 +3157,753 @@
 </file>
 
 <file path=ppt/diagrams/colors13.xml><?xml version="1.0" encoding="utf-8"?>
+<dgm:colorsDef xmlns:dgm="http://schemas.openxmlformats.org/drawingml/2006/diagram" xmlns:a="http://schemas.openxmlformats.org/drawingml/2006/main" uniqueId="urn:microsoft.com/office/officeart/2005/8/colors/accent1_2">
+  <dgm:title val=""/>
+  <dgm:desc val=""/>
+  <dgm:catLst>
+    <dgm:cat type="accent1" pri="11200"/>
+  </dgm:catLst>
+  <dgm:styleLbl name="node0">
+    <dgm:fillClrLst meth="repeat">
+      <a:schemeClr val="accent1"/>
+    </dgm:fillClrLst>
+    <dgm:linClrLst meth="repeat">
+      <a:schemeClr val="lt1"/>
+    </dgm:linClrLst>
+    <dgm:effectClrLst/>
+    <dgm:txLinClrLst/>
+    <dgm:txFillClrLst/>
+    <dgm:txEffectClrLst/>
+  </dgm:styleLbl>
+  <dgm:styleLbl name="alignNode1">
+    <dgm:fillClrLst meth="repeat">
+      <a:schemeClr val="accent1"/>
+    </dgm:fillClrLst>
+    <dgm:linClrLst meth="repeat">
+      <a:schemeClr val="accent1"/>
+    </dgm:linClrLst>
+    <dgm:effectClrLst/>
+    <dgm:txLinClrLst/>
+    <dgm:txFillClrLst/>
+    <dgm:txEffectClrLst/>
+  </dgm:styleLbl>
+  <dgm:styleLbl name="node1">
+    <dgm:fillClrLst meth="repeat">
+      <a:schemeClr val="accent1"/>
+    </dgm:fillClrLst>
+    <dgm:linClrLst meth="repeat">
+      <a:schemeClr val="lt1"/>
+    </dgm:linClrLst>
+    <dgm:effectClrLst/>
+    <dgm:txLinClrLst/>
+    <dgm:txFillClrLst/>
+    <dgm:txEffectClrLst/>
+  </dgm:styleLbl>
+  <dgm:styleLbl name="lnNode1">
+    <dgm:fillClrLst meth="repeat">
+      <a:schemeClr val="accent1"/>
+    </dgm:fillClrLst>
+    <dgm:linClrLst meth="repeat">
+      <a:schemeClr val="lt1"/>
+    </dgm:linClrLst>
+    <dgm:effectClrLst/>
+    <dgm:txLinClrLst/>
+    <dgm:txFillClrLst/>
+    <dgm:txEffectClrLst/>
+  </dgm:styleLbl>
+  <dgm:styleLbl name="vennNode1">
+    <dgm:fillClrLst meth="repeat">
+      <a:schemeClr val="accent1">
+        <a:alpha val="50000"/>
+      </a:schemeClr>
+    </dgm:fillClrLst>
+    <dgm:linClrLst meth="repeat">
+      <a:schemeClr val="lt1"/>
+    </dgm:linClrLst>
+    <dgm:effectClrLst/>
+    <dgm:txLinClrLst/>
+    <dgm:txFillClrLst/>
+    <dgm:txEffectClrLst/>
+  </dgm:styleLbl>
+  <dgm:styleLbl name="node2">
+    <dgm:fillClrLst meth="repeat">
+      <a:schemeClr val="accent1"/>
+    </dgm:fillClrLst>
+    <dgm:linClrLst meth="repeat">
+      <a:schemeClr val="lt1"/>
+    </dgm:linClrLst>
+    <dgm:effectClrLst/>
+    <dgm:txLinClrLst/>
+    <dgm:txFillClrLst/>
+    <dgm:txEffectClrLst/>
+  </dgm:styleLbl>
+  <dgm:styleLbl name="node3">
+    <dgm:fillClrLst meth="repeat">
+      <a:schemeClr val="accent1"/>
+    </dgm:fillClrLst>
+    <dgm:linClrLst meth="repeat">
+      <a:schemeClr val="lt1"/>
+    </dgm:linClrLst>
+    <dgm:effectClrLst/>
+    <dgm:txLinClrLst/>
+    <dgm:txFillClrLst/>
+    <dgm:txEffectClrLst/>
+  </dgm:styleLbl>
+  <dgm:styleLbl name="node4">
+    <dgm:fillClrLst meth="repeat">
+      <a:schemeClr val="accent1"/>
+    </dgm:fillClrLst>
+    <dgm:linClrLst meth="repeat">
+      <a:schemeClr val="lt1"/>
+    </dgm:linClrLst>
+    <dgm:effectClrLst/>
+    <dgm:txLinClrLst/>
+    <dgm:txFillClrLst/>
+    <dgm:txEffectClrLst/>
+  </dgm:styleLbl>
+  <dgm:styleLbl name="fgImgPlace1">
+    <dgm:fillClrLst meth="repeat">
+      <a:schemeClr val="accent1">
+        <a:tint val="50000"/>
+      </a:schemeClr>
+    </dgm:fillClrLst>
+    <dgm:linClrLst meth="repeat">
+      <a:schemeClr val="lt1"/>
+    </dgm:linClrLst>
+    <dgm:effectClrLst/>
+    <dgm:txLinClrLst/>
+    <dgm:txFillClrLst meth="repeat">
+      <a:schemeClr val="lt1"/>
+    </dgm:txFillClrLst>
+    <dgm:txEffectClrLst/>
+  </dgm:styleLbl>
+  <dgm:styleLbl name="alignImgPlace1">
+    <dgm:fillClrLst meth="repeat">
+      <a:schemeClr val="accent1">
+        <a:tint val="50000"/>
+      </a:schemeClr>
+    </dgm:fillClrLst>
+    <dgm:linClrLst meth="repeat">
+      <a:schemeClr val="lt1"/>
+    </dgm:linClrLst>
+    <dgm:effectClrLst/>
+    <dgm:txLinClrLst/>
+    <dgm:txFillClrLst meth="repeat">
+      <a:schemeClr val="lt1"/>
+    </dgm:txFillClrLst>
+    <dgm:txEffectClrLst/>
+  </dgm:styleLbl>
+  <dgm:styleLbl name="bgImgPlace1">
+    <dgm:fillClrLst meth="repeat">
+      <a:schemeClr val="accent1">
+        <a:tint val="50000"/>
+      </a:schemeClr>
+    </dgm:fillClrLst>
+    <dgm:linClrLst meth="repeat">
+      <a:schemeClr val="lt1"/>
+    </dgm:linClrLst>
+    <dgm:effectClrLst/>
+    <dgm:txLinClrLst/>
+    <dgm:txFillClrLst meth="repeat">
+      <a:schemeClr val="lt1"/>
+    </dgm:txFillClrLst>
+    <dgm:txEffectClrLst/>
+  </dgm:styleLbl>
+  <dgm:styleLbl name="sibTrans2D1">
+    <dgm:fillClrLst meth="repeat">
+      <a:schemeClr val="accent1">
+        <a:tint val="60000"/>
+      </a:schemeClr>
+    </dgm:fillClrLst>
+    <dgm:linClrLst meth="repeat">
+      <a:schemeClr val="accent1">
+        <a:tint val="60000"/>
+      </a:schemeClr>
+    </dgm:linClrLst>
+    <dgm:effectClrLst/>
+    <dgm:txLinClrLst/>
+    <dgm:txFillClrLst/>
+    <dgm:txEffectClrLst/>
+  </dgm:styleLbl>
+  <dgm:styleLbl name="fgSibTrans2D1">
+    <dgm:fillClrLst meth="repeat">
+      <a:schemeClr val="accent1">
+        <a:tint val="60000"/>
+      </a:schemeClr>
+    </dgm:fillClrLst>
+    <dgm:linClrLst meth="repeat">
+      <a:schemeClr val="accent1">
+        <a:tint val="60000"/>
+      </a:schemeClr>
+    </dgm:linClrLst>
+    <dgm:effectClrLst/>
+    <dgm:txLinClrLst/>
+    <dgm:txFillClrLst/>
+    <dgm:txEffectClrLst/>
+  </dgm:styleLbl>
+  <dgm:styleLbl name="bgSibTrans2D1">
+    <dgm:fillClrLst meth="repeat">
+      <a:schemeClr val="accent1">
+        <a:tint val="60000"/>
+      </a:schemeClr>
+    </dgm:fillClrLst>
+    <dgm:linClrLst meth="repeat">
+      <a:schemeClr val="accent1">
+        <a:tint val="60000"/>
+      </a:schemeClr>
+    </dgm:linClrLst>
+    <dgm:effectClrLst/>
+    <dgm:txLinClrLst/>
+    <dgm:txFillClrLst/>
+    <dgm:txEffectClrLst/>
+  </dgm:styleLbl>
+  <dgm:styleLbl name="sibTrans1D1">
+    <dgm:fillClrLst meth="repeat">
+      <a:schemeClr val="accent1"/>
+    </dgm:fillClrLst>
+    <dgm:linClrLst meth="repeat">
+      <a:schemeClr val="accent1"/>
+    </dgm:linClrLst>
+    <dgm:effectClrLst/>
+    <dgm:txLinClrLst/>
+    <dgm:txFillClrLst meth="repeat">
+      <a:schemeClr val="tx1"/>
+    </dgm:txFillClrLst>
+    <dgm:txEffectClrLst/>
+  </dgm:styleLbl>
+  <dgm:styleLbl name="callout">
+    <dgm:fillClrLst meth="repeat">
+      <a:schemeClr val="accent1"/>
+    </dgm:fillClrLst>
+    <dgm:linClrLst meth="repeat">
+      <a:schemeClr val="accent1">
+        <a:tint val="50000"/>
+      </a:schemeClr>
+    </dgm:linClrLst>
+    <dgm:effectClrLst/>
+    <dgm:txLinClrLst/>
+    <dgm:txFillClrLst meth="repeat">
+      <a:schemeClr val="tx1"/>
+    </dgm:txFillClrLst>
+    <dgm:txEffectClrLst/>
+  </dgm:styleLbl>
+  <dgm:styleLbl name="asst0">
+    <dgm:fillClrLst meth="repeat">
+      <a:schemeClr val="accent1"/>
+    </dgm:fillClrLst>
+    <dgm:linClrLst meth="repeat">
+      <a:schemeClr val="lt1"/>
+    </dgm:linClrLst>
+    <dgm:effectClrLst/>
+    <dgm:txLinClrLst/>
+    <dgm:txFillClrLst/>
+    <dgm:txEffectClrLst/>
+  </dgm:styleLbl>
+  <dgm:styleLbl name="asst1">
+    <dgm:fillClrLst meth="repeat">
+      <a:schemeClr val="accent1"/>
+    </dgm:fillClrLst>
+    <dgm:linClrLst meth="repeat">
+      <a:schemeClr val="lt1"/>
+    </dgm:linClrLst>
+    <dgm:effectClrLst/>
+    <dgm:txLinClrLst/>
+    <dgm:txFillClrLst/>
+    <dgm:txEffectClrLst/>
+  </dgm:styleLbl>
+  <dgm:styleLbl name="asst2">
+    <dgm:fillClrLst meth="repeat">
+      <a:schemeClr val="accent1"/>
+    </dgm:fillClrLst>
+    <dgm:linClrLst meth="repeat">
+      <a:schemeClr val="lt1"/>
+    </dgm:linClrLst>
+    <dgm:effectClrLst/>
+    <dgm:txLinClrLst/>
+    <dgm:txFillClrLst/>
+    <dgm:txEffectClrLst/>
+  </dgm:styleLbl>
+  <dgm:styleLbl name="asst3">
+    <dgm:fillClrLst meth="repeat">
+      <a:schemeClr val="accent1"/>
+    </dgm:fillClrLst>
+    <dgm:linClrLst meth="repeat">
+      <a:schemeClr val="lt1"/>
+    </dgm:linClrLst>
+    <dgm:effectClrLst/>
+    <dgm:txLinClrLst/>
+    <dgm:txFillClrLst/>
+    <dgm:txEffectClrLst/>
+  </dgm:styleLbl>
+  <dgm:styleLbl name="asst4">
+    <dgm:fillClrLst meth="repeat">
+      <a:schemeClr val="accent1"/>
+    </dgm:fillClrLst>
+    <dgm:linClrLst meth="repeat">
+      <a:schemeClr val="lt1"/>
+    </dgm:linClrLst>
+    <dgm:effectClrLst/>
+    <dgm:txLinClrLst/>
+    <dgm:txFillClrLst/>
+    <dgm:txEffectClrLst/>
+  </dgm:styleLbl>
+  <dgm:styleLbl name="parChTrans2D1">
+    <dgm:fillClrLst meth="repeat">
+      <a:schemeClr val="accent1">
+        <a:tint val="60000"/>
+      </a:schemeClr>
+    </dgm:fillClrLst>
+    <dgm:linClrLst meth="repeat">
+      <a:schemeClr val="accent1">
+        <a:tint val="60000"/>
+      </a:schemeClr>
+    </dgm:linClrLst>
+    <dgm:effectClrLst/>
+    <dgm:txLinClrLst/>
+    <dgm:txFillClrLst meth="repeat">
+      <a:schemeClr val="lt1"/>
+    </dgm:txFillClrLst>
+    <dgm:txEffectClrLst/>
+  </dgm:styleLbl>
+  <dgm:styleLbl name="parChTrans2D2">
+    <dgm:fillClrLst meth="repeat">
+      <a:schemeClr val="accent1"/>
+    </dgm:fillClrLst>
+    <dgm:linClrLst meth="repeat">
+      <a:schemeClr val="accent1"/>
+    </dgm:linClrLst>
+    <dgm:effectClrLst/>
+    <dgm:txLinClrLst/>
+    <dgm:txFillClrLst meth="repeat">
+      <a:schemeClr val="lt1"/>
+    </dgm:txFillClrLst>
+    <dgm:txEffectClrLst/>
+  </dgm:styleLbl>
+  <dgm:styleLbl name="parChTrans2D3">
+    <dgm:fillClrLst meth="repeat">
+      <a:schemeClr val="accent1"/>
+    </dgm:fillClrLst>
+    <dgm:linClrLst meth="repeat">
+      <a:schemeClr val="accent1"/>
+    </dgm:linClrLst>
+    <dgm:effectClrLst/>
+    <dgm:txLinClrLst/>
+    <dgm:txFillClrLst meth="repeat">
+      <a:schemeClr val="lt1"/>
+    </dgm:txFillClrLst>
+    <dgm:txEffectClrLst/>
+  </dgm:styleLbl>
+  <dgm:styleLbl name="parChTrans2D4">
+    <dgm:fillClrLst meth="repeat">
+      <a:schemeClr val="accent1"/>
+    </dgm:fillClrLst>
+    <dgm:linClrLst meth="repeat">
+      <a:schemeClr val="accent1"/>
+    </dgm:linClrLst>
+    <dgm:effectClrLst/>
+    <dgm:txLinClrLst/>
+    <dgm:txFillClrLst meth="repeat">
+      <a:schemeClr val="lt1"/>
+    </dgm:txFillClrLst>
+    <dgm:txEffectClrLst/>
+  </dgm:styleLbl>
+  <dgm:styleLbl name="parChTrans1D1">
+    <dgm:fillClrLst meth="repeat">
+      <a:schemeClr val="accent1"/>
+    </dgm:fillClrLst>
+    <dgm:linClrLst meth="repeat">
+      <a:schemeClr val="accent1">
+        <a:shade val="60000"/>
+      </a:schemeClr>
+    </dgm:linClrLst>
+    <dgm:effectClrLst/>
+    <dgm:txLinClrLst/>
+    <dgm:txFillClrLst meth="repeat">
+      <a:schemeClr val="tx1"/>
+    </dgm:txFillClrLst>
+    <dgm:txEffectClrLst/>
+  </dgm:styleLbl>
+  <dgm:styleLbl name="parChTrans1D2">
+    <dgm:fillClrLst meth="repeat">
+      <a:schemeClr val="accent1"/>
+    </dgm:fillClrLst>
+    <dgm:linClrLst meth="repeat">
+      <a:schemeClr val="accent1">
+        <a:shade val="60000"/>
+      </a:schemeClr>
+    </dgm:linClrLst>
+    <dgm:effectClrLst/>
+    <dgm:txLinClrLst/>
+    <dgm:txFillClrLst meth="repeat">
+      <a:schemeClr val="tx1"/>
+    </dgm:txFillClrLst>
+    <dgm:txEffectClrLst/>
+  </dgm:styleLbl>
+  <dgm:styleLbl name="parChTrans1D3">
+    <dgm:fillClrLst meth="repeat">
+      <a:schemeClr val="accent1"/>
+    </dgm:fillClrLst>
+    <dgm:linClrLst meth="repeat">
+      <a:schemeClr val="accent1">
+        <a:shade val="80000"/>
+      </a:schemeClr>
+    </dgm:linClrLst>
+    <dgm:effectClrLst/>
+    <dgm:txLinClrLst/>
+    <dgm:txFillClrLst meth="repeat">
+      <a:schemeClr val="tx1"/>
+    </dgm:txFillClrLst>
+    <dgm:txEffectClrLst/>
+  </dgm:styleLbl>
+  <dgm:styleLbl name="parChTrans1D4">
+    <dgm:fillClrLst meth="repeat">
+      <a:schemeClr val="accent1"/>
+    </dgm:fillClrLst>
+    <dgm:linClrLst meth="repeat">
+      <a:schemeClr val="accent1">
+        <a:shade val="80000"/>
+      </a:schemeClr>
+    </dgm:linClrLst>
+    <dgm:effectClrLst/>
+    <dgm:txLinClrLst/>
+    <dgm:txFillClrLst meth="repeat">
+      <a:schemeClr val="tx1"/>
+    </dgm:txFillClrLst>
+    <dgm:txEffectClrLst/>
+  </dgm:styleLbl>
+  <dgm:styleLbl name="fgAcc1">
+    <dgm:fillClrLst meth="repeat">
+      <a:schemeClr val="lt1">
+        <a:alpha val="90000"/>
+      </a:schemeClr>
+    </dgm:fillClrLst>
+    <dgm:linClrLst meth="repeat">
+      <a:schemeClr val="accent1"/>
+    </dgm:linClrLst>
+    <dgm:effectClrLst/>
+    <dgm:txLinClrLst/>
+    <dgm:txFillClrLst meth="repeat">
+      <a:schemeClr val="dk1"/>
+    </dgm:txFillClrLst>
+    <dgm:txEffectClrLst/>
+  </dgm:styleLbl>
+  <dgm:styleLbl name="conFgAcc1">
+    <dgm:fillClrLst meth="repeat">
+      <a:schemeClr val="lt1">
+        <a:alpha val="90000"/>
+      </a:schemeClr>
+    </dgm:fillClrLst>
+    <dgm:linClrLst meth="repeat">
+      <a:schemeClr val="accent1"/>
+    </dgm:linClrLst>
+    <dgm:effectClrLst/>
+    <dgm:txLinClrLst/>
+    <dgm:txFillClrLst meth="repeat">
+      <a:schemeClr val="dk1"/>
+    </dgm:txFillClrLst>
+    <dgm:txEffectClrLst/>
+  </dgm:styleLbl>
+  <dgm:styleLbl name="alignAcc1">
+    <dgm:fillClrLst meth="repeat">
+      <a:schemeClr val="lt1">
+        <a:alpha val="90000"/>
+      </a:schemeClr>
+    </dgm:fillClrLst>
+    <dgm:linClrLst meth="repeat">
+      <a:schemeClr val="accent1"/>
+    </dgm:linClrLst>
+    <dgm:effectClrLst/>
+    <dgm:txLinClrLst/>
+    <dgm:txFillClrLst meth="repeat">
+      <a:schemeClr val="dk1"/>
+    </dgm:txFillClrLst>
+    <dgm:txEffectClrLst/>
+  </dgm:styleLbl>
+  <dgm:styleLbl name="trAlignAcc1">
+    <dgm:fillClrLst meth="repeat">
+      <a:schemeClr val="lt1">
+        <a:alpha val="40000"/>
+      </a:schemeClr>
+    </dgm:fillClrLst>
+    <dgm:linClrLst meth="repeat">
+      <a:schemeClr val="accent1"/>
+    </dgm:linClrLst>
+    <dgm:effectClrLst/>
+    <dgm:txLinClrLst/>
+    <dgm:txFillClrLst meth="repeat">
+      <a:schemeClr val="dk1"/>
+    </dgm:txFillClrLst>
+    <dgm:txEffectClrLst/>
+  </dgm:styleLbl>
+  <dgm:styleLbl name="bgAcc1">
+    <dgm:fillClrLst meth="repeat">
+      <a:schemeClr val="lt1">
+        <a:alpha val="90000"/>
+      </a:schemeClr>
+    </dgm:fillClrLst>
+    <dgm:linClrLst meth="repeat">
+      <a:schemeClr val="accent1"/>
+    </dgm:linClrLst>
+    <dgm:effectClrLst/>
+    <dgm:txLinClrLst/>
+    <dgm:txFillClrLst meth="repeat">
+      <a:schemeClr val="dk1"/>
+    </dgm:txFillClrLst>
+    <dgm:txEffectClrLst/>
+  </dgm:styleLbl>
+  <dgm:styleLbl name="solidFgAcc1">
+    <dgm:fillClrLst meth="repeat">
+      <a:schemeClr val="lt1"/>
+    </dgm:fillClrLst>
+    <dgm:linClrLst meth="repeat">
+      <a:schemeClr val="accent1"/>
+    </dgm:linClrLst>
+    <dgm:effectClrLst/>
+    <dgm:txLinClrLst/>
+    <dgm:txFillClrLst meth="repeat">
+      <a:schemeClr val="dk1"/>
+    </dgm:txFillClrLst>
+    <dgm:txEffectClrLst/>
+  </dgm:styleLbl>
+  <dgm:styleLbl name="solidAlignAcc1">
+    <dgm:fillClrLst meth="repeat">
+      <a:schemeClr val="lt1"/>
+    </dgm:fillClrLst>
+    <dgm:linClrLst meth="repeat">
+      <a:schemeClr val="accent1"/>
+    </dgm:linClrLst>
+    <dgm:effectClrLst/>
+    <dgm:txLinClrLst/>
+    <dgm:txFillClrLst meth="repeat">
+      <a:schemeClr val="dk1"/>
+    </dgm:txFillClrLst>
+    <dgm:txEffectClrLst/>
+  </dgm:styleLbl>
+  <dgm:styleLbl name="solidBgAcc1">
+    <dgm:fillClrLst meth="repeat">
+      <a:schemeClr val="lt1"/>
+    </dgm:fillClrLst>
+    <dgm:linClrLst meth="repeat">
+      <a:schemeClr val="accent1"/>
+    </dgm:linClrLst>
+    <dgm:effectClrLst/>
+    <dgm:txLinClrLst/>
+    <dgm:txFillClrLst meth="repeat">
+      <a:schemeClr val="dk1"/>
+    </dgm:txFillClrLst>
+    <dgm:txEffectClrLst/>
+  </dgm:styleLbl>
+  <dgm:styleLbl name="fgAccFollowNode1">
+    <dgm:fillClrLst meth="repeat">
+      <a:schemeClr val="accent1">
+        <a:alpha val="90000"/>
+        <a:tint val="40000"/>
+      </a:schemeClr>
+    </dgm:fillClrLst>
+    <dgm:linClrLst meth="repeat">
+      <a:schemeClr val="accent1">
+        <a:alpha val="90000"/>
+        <a:tint val="40000"/>
+      </a:schemeClr>
+    </dgm:linClrLst>
+    <dgm:effectClrLst/>
+    <dgm:txLinClrLst/>
+    <dgm:txFillClrLst meth="repeat">
+      <a:schemeClr val="dk1"/>
+    </dgm:txFillClrLst>
+    <dgm:txEffectClrLst/>
+  </dgm:styleLbl>
+  <dgm:styleLbl name="alignAccFollowNode1">
+    <dgm:fillClrLst meth="repeat">
+      <a:schemeClr val="accent1">
+        <a:alpha val="90000"/>
+        <a:tint val="40000"/>
+      </a:schemeClr>
+    </dgm:fillClrLst>
+    <dgm:linClrLst meth="repeat">
+      <a:schemeClr val="accent1">
+        <a:alpha val="90000"/>
+        <a:tint val="40000"/>
+      </a:schemeClr>
+    </dgm:linClrLst>
+    <dgm:effectClrLst/>
+    <dgm:txLinClrLst/>
+    <dgm:txFillClrLst meth="repeat">
+      <a:schemeClr val="dk1"/>
+    </dgm:txFillClrLst>
+    <dgm:txEffectClrLst/>
+  </dgm:styleLbl>
+  <dgm:styleLbl name="bgAccFollowNode1">
+    <dgm:fillClrLst meth="repeat">
+      <a:schemeClr val="accent1">
+        <a:alpha val="90000"/>
+        <a:tint val="40000"/>
+      </a:schemeClr>
+    </dgm:fillClrLst>
+    <dgm:linClrLst meth="repeat">
+      <a:schemeClr val="accent1">
+        <a:alpha val="90000"/>
+        <a:tint val="40000"/>
+      </a:schemeClr>
+    </dgm:linClrLst>
+    <dgm:effectClrLst/>
+    <dgm:txLinClrLst/>
+    <dgm:txFillClrLst meth="repeat">
+      <a:schemeClr val="dk1"/>
+    </dgm:txFillClrLst>
+    <dgm:txEffectClrLst/>
+  </dgm:styleLbl>
+  <dgm:styleLbl name="fgAcc0">
+    <dgm:fillClrLst meth="repeat">
+      <a:schemeClr val="lt1">
+        <a:alpha val="90000"/>
+      </a:schemeClr>
+    </dgm:fillClrLst>
+    <dgm:linClrLst meth="repeat">
+      <a:schemeClr val="accent1"/>
+    </dgm:linClrLst>
+    <dgm:effectClrLst/>
+    <dgm:txLinClrLst/>
+    <dgm:txFillClrLst meth="repeat">
+      <a:schemeClr val="dk1"/>
+    </dgm:txFillClrLst>
+    <dgm:txEffectClrLst/>
+  </dgm:styleLbl>
+  <dgm:styleLbl name="fgAcc2">
+    <dgm:fillClrLst meth="repeat">
+      <a:schemeClr val="lt1">
+        <a:alpha val="90000"/>
+      </a:schemeClr>
+    </dgm:fillClrLst>
+    <dgm:linClrLst meth="repeat">
+      <a:schemeClr val="accent1"/>
+    </dgm:linClrLst>
+    <dgm:effectClrLst/>
+    <dgm:txLinClrLst/>
+    <dgm:txFillClrLst meth="repeat">
+      <a:schemeClr val="dk1"/>
+    </dgm:txFillClrLst>
+    <dgm:txEffectClrLst/>
+  </dgm:styleLbl>
+  <dgm:styleLbl name="fgAcc3">
+    <dgm:fillClrLst meth="repeat">
+      <a:schemeClr val="lt1">
+        <a:alpha val="90000"/>
+      </a:schemeClr>
+    </dgm:fillClrLst>
+    <dgm:linClrLst meth="repeat">
+      <a:schemeClr val="accent1"/>
+    </dgm:linClrLst>
+    <dgm:effectClrLst/>
+    <dgm:txLinClrLst/>
+    <dgm:txFillClrLst meth="repeat">
+      <a:schemeClr val="dk1"/>
+    </dgm:txFillClrLst>
+    <dgm:txEffectClrLst/>
+  </dgm:styleLbl>
+  <dgm:styleLbl name="fgAcc4">
+    <dgm:fillClrLst meth="repeat">
+      <a:schemeClr val="lt1">
+        <a:alpha val="90000"/>
+      </a:schemeClr>
+    </dgm:fillClrLst>
+    <dgm:linClrLst meth="repeat">
+      <a:schemeClr val="accent1"/>
+    </dgm:linClrLst>
+    <dgm:effectClrLst/>
+    <dgm:txLinClrLst/>
+    <dgm:txFillClrLst meth="repeat">
+      <a:schemeClr val="dk1"/>
+    </dgm:txFillClrLst>
+    <dgm:txEffectClrLst/>
+  </dgm:styleLbl>
+  <dgm:styleLbl name="bgShp">
+    <dgm:fillClrLst meth="repeat">
+      <a:schemeClr val="accent1">
+        <a:tint val="40000"/>
+      </a:schemeClr>
+    </dgm:fillClrLst>
+    <dgm:linClrLst meth="repeat">
+      <a:schemeClr val="accent1"/>
+    </dgm:linClrLst>
+    <dgm:effectClrLst/>
+    <dgm:txLinClrLst/>
+    <dgm:txFillClrLst meth="repeat">
+      <a:schemeClr val="dk1"/>
+    </dgm:txFillClrLst>
+    <dgm:txEffectClrLst/>
+  </dgm:styleLbl>
+  <dgm:styleLbl name="dkBgShp">
+    <dgm:fillClrLst meth="repeat">
+      <a:schemeClr val="accent1">
+        <a:shade val="80000"/>
+      </a:schemeClr>
+    </dgm:fillClrLst>
+    <dgm:linClrLst meth="repeat">
+      <a:schemeClr val="accent1"/>
+    </dgm:linClrLst>
+    <dgm:effectClrLst/>
+    <dgm:txLinClrLst/>
+    <dgm:txFillClrLst meth="repeat">
+      <a:schemeClr val="lt1"/>
+    </dgm:txFillClrLst>
+    <dgm:txEffectClrLst/>
+  </dgm:styleLbl>
+  <dgm:styleLbl name="trBgShp">
+    <dgm:fillClrLst meth="repeat">
+      <a:schemeClr val="accent1">
+        <a:tint val="50000"/>
+        <a:alpha val="40000"/>
+      </a:schemeClr>
+    </dgm:fillClrLst>
+    <dgm:linClrLst meth="repeat">
+      <a:schemeClr val="accent1"/>
+    </dgm:linClrLst>
+    <dgm:effectClrLst/>
+    <dgm:txLinClrLst/>
+    <dgm:txFillClrLst meth="repeat">
+      <a:schemeClr val="lt1"/>
+    </dgm:txFillClrLst>
+    <dgm:txEffectClrLst/>
+  </dgm:styleLbl>
+  <dgm:styleLbl name="fgShp">
+    <dgm:fillClrLst meth="repeat">
+      <a:schemeClr val="accent1">
+        <a:tint val="60000"/>
+      </a:schemeClr>
+    </dgm:fillClrLst>
+    <dgm:linClrLst meth="repeat">
+      <a:schemeClr val="lt1"/>
+    </dgm:linClrLst>
+    <dgm:effectClrLst/>
+    <dgm:txLinClrLst/>
+    <dgm:txFillClrLst meth="repeat">
+      <a:schemeClr val="dk1"/>
+    </dgm:txFillClrLst>
+    <dgm:txEffectClrLst/>
+  </dgm:styleLbl>
+  <dgm:styleLbl name="revTx">
+    <dgm:fillClrLst meth="repeat">
+      <a:schemeClr val="lt1">
+        <a:alpha val="0"/>
+      </a:schemeClr>
+    </dgm:fillClrLst>
+    <dgm:linClrLst meth="repeat">
+      <a:schemeClr val="dk1">
+        <a:alpha val="0"/>
+      </a:schemeClr>
+    </dgm:linClrLst>
+    <dgm:effectClrLst/>
+    <dgm:txLinClrLst/>
+    <dgm:txFillClrLst meth="repeat">
+      <a:schemeClr val="tx1"/>
+    </dgm:txFillClrLst>
+    <dgm:txEffectClrLst/>
+  </dgm:styleLbl>
+</dgm:colorsDef>
+</file>
+
+<file path=ppt/diagrams/colors14.xml><?xml version="1.0" encoding="utf-8"?>
 <dgm:colorsDef xmlns:dgm="http://schemas.openxmlformats.org/drawingml/2006/diagram" xmlns:a="http://schemas.openxmlformats.org/drawingml/2006/main" uniqueId="urn:microsoft.com/office/officeart/2005/8/colors/accent1_2">
   <dgm:title val=""/>
   <dgm:desc val=""/>
@@ -10833,6 +11582,123 @@
       <dgm:prSet/>
       <dgm:spPr>
         <a:solidFill>
+          <a:srgbClr val="FF5050"/>
+        </a:solidFill>
+      </dgm:spPr>
+      <dgm:t>
+        <a:bodyPr/>
+        <a:lstStyle/>
+        <a:p>
+          <a:pPr algn="ctr" rtl="0"/>
+          <a:r>
+            <a:rPr lang="ja-JP" altLang="en-US" dirty="0" smtClean="0">
+              <a:latin typeface="メイリオ" pitchFamily="50" charset="-128"/>
+              <a:ea typeface="メイリオ" pitchFamily="50" charset="-128"/>
+              <a:cs typeface="メイリオ" pitchFamily="50" charset="-128"/>
+            </a:rPr>
+            <a:t>横歩取り</a:t>
+          </a:r>
+          <a:endParaRPr lang="ja-JP" dirty="0">
+            <a:latin typeface="メイリオ" pitchFamily="50" charset="-128"/>
+            <a:ea typeface="メイリオ" pitchFamily="50" charset="-128"/>
+            <a:cs typeface="メイリオ" pitchFamily="50" charset="-128"/>
+          </a:endParaRPr>
+        </a:p>
+      </dgm:t>
+    </dgm:pt>
+    <dgm:pt modelId="{A7B9AAC1-0212-45FD-9E5B-5C68A3735F8F}" type="parTrans" cxnId="{5E57A0B8-13BB-4142-890D-F43F0783EA8E}">
+      <dgm:prSet/>
+      <dgm:spPr/>
+      <dgm:t>
+        <a:bodyPr/>
+        <a:lstStyle/>
+        <a:p>
+          <a:endParaRPr kumimoji="1" lang="ja-JP" altLang="en-US"/>
+        </a:p>
+      </dgm:t>
+    </dgm:pt>
+    <dgm:pt modelId="{15D638C7-A27C-478B-AEC5-2A86066CF80F}" type="sibTrans" cxnId="{5E57A0B8-13BB-4142-890D-F43F0783EA8E}">
+      <dgm:prSet/>
+      <dgm:spPr/>
+      <dgm:t>
+        <a:bodyPr/>
+        <a:lstStyle/>
+        <a:p>
+          <a:endParaRPr kumimoji="1" lang="ja-JP" altLang="en-US"/>
+        </a:p>
+      </dgm:t>
+    </dgm:pt>
+    <dgm:pt modelId="{0E6543A5-AD31-4F27-A9B8-B69DF07FED9D}" type="pres">
+      <dgm:prSet presAssocID="{0CEB959E-1304-418B-9229-540C8AC47A72}" presName="linear" presStyleCnt="0">
+        <dgm:presLayoutVars>
+          <dgm:animLvl val="lvl"/>
+          <dgm:resizeHandles val="exact"/>
+        </dgm:presLayoutVars>
+      </dgm:prSet>
+      <dgm:spPr/>
+      <dgm:t>
+        <a:bodyPr/>
+        <a:lstStyle/>
+        <a:p>
+          <a:endParaRPr kumimoji="1" lang="ja-JP" altLang="en-US"/>
+        </a:p>
+      </dgm:t>
+    </dgm:pt>
+    <dgm:pt modelId="{5DBDA703-2B86-4AE8-9026-B3C9E9988CA6}" type="pres">
+      <dgm:prSet presAssocID="{61CD0B15-8302-4B97-9A1C-A599457088BE}" presName="parentText" presStyleLbl="node1" presStyleIdx="0" presStyleCnt="1">
+        <dgm:presLayoutVars>
+          <dgm:chMax val="0"/>
+          <dgm:bulletEnabled val="1"/>
+        </dgm:presLayoutVars>
+      </dgm:prSet>
+      <dgm:spPr>
+        <a:prstGeom prst="rect">
+          <a:avLst/>
+        </a:prstGeom>
+      </dgm:spPr>
+      <dgm:t>
+        <a:bodyPr/>
+        <a:lstStyle/>
+        <a:p>
+          <a:endParaRPr kumimoji="1" lang="ja-JP" altLang="en-US"/>
+        </a:p>
+      </dgm:t>
+    </dgm:pt>
+  </dgm:ptLst>
+  <dgm:cxnLst>
+    <dgm:cxn modelId="{5E57A0B8-13BB-4142-890D-F43F0783EA8E}" srcId="{0CEB959E-1304-418B-9229-540C8AC47A72}" destId="{61CD0B15-8302-4B97-9A1C-A599457088BE}" srcOrd="0" destOrd="0" parTransId="{A7B9AAC1-0212-45FD-9E5B-5C68A3735F8F}" sibTransId="{15D638C7-A27C-478B-AEC5-2A86066CF80F}"/>
+    <dgm:cxn modelId="{02E72023-5316-497A-809E-C08D0F0B1E3D}" type="presOf" srcId="{61CD0B15-8302-4B97-9A1C-A599457088BE}" destId="{5DBDA703-2B86-4AE8-9026-B3C9E9988CA6}" srcOrd="0" destOrd="0" presId="urn:microsoft.com/office/officeart/2005/8/layout/vList2"/>
+    <dgm:cxn modelId="{2F5FD267-91EF-4A84-B015-810F825502D8}" type="presOf" srcId="{0CEB959E-1304-418B-9229-540C8AC47A72}" destId="{0E6543A5-AD31-4F27-A9B8-B69DF07FED9D}" srcOrd="0" destOrd="0" presId="urn:microsoft.com/office/officeart/2005/8/layout/vList2"/>
+    <dgm:cxn modelId="{6F56B025-FC24-441E-8C7E-BFAEC7786CD1}" type="presParOf" srcId="{0E6543A5-AD31-4F27-A9B8-B69DF07FED9D}" destId="{5DBDA703-2B86-4AE8-9026-B3C9E9988CA6}" srcOrd="0" destOrd="0" presId="urn:microsoft.com/office/officeart/2005/8/layout/vList2"/>
+  </dgm:cxnLst>
+  <dgm:bg/>
+  <dgm:whole/>
+  <dgm:extLst>
+    <a:ext uri="http://schemas.microsoft.com/office/drawing/2008/diagram">
+      <dsp:dataModelExt xmlns:dsp="http://schemas.microsoft.com/office/drawing/2008/diagram" relId="rId6" minVer="http://schemas.openxmlformats.org/drawingml/2006/diagram"/>
+    </a:ext>
+  </dgm:extLst>
+</dgm:dataModel>
+</file>
+
+<file path=ppt/diagrams/data11.xml><?xml version="1.0" encoding="utf-8"?>
+<dgm:dataModel xmlns:dgm="http://schemas.openxmlformats.org/drawingml/2006/diagram" xmlns:a="http://schemas.openxmlformats.org/drawingml/2006/main">
+  <dgm:ptLst>
+    <dgm:pt modelId="{0CEB959E-1304-418B-9229-540C8AC47A72}" type="doc">
+      <dgm:prSet loTypeId="urn:microsoft.com/office/officeart/2005/8/layout/vList2" loCatId="list" qsTypeId="urn:microsoft.com/office/officeart/2005/8/quickstyle/simple1" qsCatId="simple" csTypeId="urn:microsoft.com/office/officeart/2005/8/colors/accent1_2" csCatId="accent1" phldr="1"/>
+      <dgm:spPr/>
+      <dgm:t>
+        <a:bodyPr/>
+        <a:lstStyle/>
+        <a:p>
+          <a:endParaRPr kumimoji="1" lang="ja-JP" altLang="en-US"/>
+        </a:p>
+      </dgm:t>
+    </dgm:pt>
+    <dgm:pt modelId="{61CD0B15-8302-4B97-9A1C-A599457088BE}">
+      <dgm:prSet/>
+      <dgm:spPr>
+        <a:solidFill>
           <a:srgbClr val="FFC000"/>
         </a:solidFill>
       </dgm:spPr>
@@ -10932,7 +11798,7 @@
 </dgm:dataModel>
 </file>
 
-<file path=ppt/diagrams/data11.xml><?xml version="1.0" encoding="utf-8"?>
+<file path=ppt/diagrams/data12.xml><?xml version="1.0" encoding="utf-8"?>
 <dgm:dataModel xmlns:dgm="http://schemas.openxmlformats.org/drawingml/2006/diagram" xmlns:a="http://schemas.openxmlformats.org/drawingml/2006/main">
   <dgm:ptLst>
     <dgm:pt modelId="{FC697BED-2DB3-4450-94DF-1E73125D4377}" type="doc">
@@ -11068,7 +11934,7 @@
 </dgm:dataModel>
 </file>
 
-<file path=ppt/diagrams/data12.xml><?xml version="1.0" encoding="utf-8"?>
+<file path=ppt/diagrams/data13.xml><?xml version="1.0" encoding="utf-8"?>
 <dgm:dataModel xmlns:dgm="http://schemas.openxmlformats.org/drawingml/2006/diagram" xmlns:a="http://schemas.openxmlformats.org/drawingml/2006/main">
   <dgm:ptLst>
     <dgm:pt modelId="{E1492CFC-EE3E-44E1-A06F-9D851160F4E8}" type="doc">
@@ -11196,7 +12062,7 @@
 </dgm:dataModel>
 </file>
 
-<file path=ppt/diagrams/data13.xml><?xml version="1.0" encoding="utf-8"?>
+<file path=ppt/diagrams/data14.xml><?xml version="1.0" encoding="utf-8"?>
 <dgm:dataModel xmlns:dgm="http://schemas.openxmlformats.org/drawingml/2006/diagram" xmlns:a="http://schemas.openxmlformats.org/drawingml/2006/main">
   <dgm:ptLst>
     <dgm:pt modelId="{3BE07927-5438-4410-B32A-BAF01FCE097B}" type="doc">
@@ -12155,6 +13021,150 @@
 <file path=ppt/diagrams/data7.xml><?xml version="1.0" encoding="utf-8"?>
 <dgm:dataModel xmlns:dgm="http://schemas.openxmlformats.org/drawingml/2006/diagram" xmlns:a="http://schemas.openxmlformats.org/drawingml/2006/main">
   <dgm:ptLst>
+    <dgm:pt modelId="{6CA8A42C-56A1-421C-97E7-79D55F963120}" type="doc">
+      <dgm:prSet loTypeId="urn:microsoft.com/office/officeart/2005/8/layout/matrix2" loCatId="matrix" qsTypeId="urn:microsoft.com/office/officeart/2005/8/quickstyle/simple1" qsCatId="simple" csTypeId="urn:microsoft.com/office/officeart/2005/8/colors/accent1_2" csCatId="accent1" phldr="1"/>
+      <dgm:spPr/>
+      <dgm:t>
+        <a:bodyPr/>
+        <a:lstStyle/>
+        <a:p>
+          <a:endParaRPr kumimoji="1" lang="ja-JP" altLang="en-US"/>
+        </a:p>
+      </dgm:t>
+    </dgm:pt>
+    <dgm:pt modelId="{1BAA0700-3103-4B7E-A0DA-5CEBD7433942}">
+      <dgm:prSet phldrT="[テキスト]" phldr="1"/>
+      <dgm:spPr>
+        <a:noFill/>
+      </dgm:spPr>
+      <dgm:t>
+        <a:bodyPr/>
+        <a:lstStyle/>
+        <a:p>
+          <a:endParaRPr kumimoji="1" lang="ja-JP" altLang="en-US" dirty="0"/>
+        </a:p>
+      </dgm:t>
+    </dgm:pt>
+    <dgm:pt modelId="{73F4EB74-8941-4E9C-902D-9503B03A1E0D}" type="sibTrans" cxnId="{94101A71-8B11-4ADB-B162-4022685BEDBD}">
+      <dgm:prSet/>
+      <dgm:spPr/>
+      <dgm:t>
+        <a:bodyPr/>
+        <a:lstStyle/>
+        <a:p>
+          <a:endParaRPr kumimoji="1" lang="ja-JP" altLang="en-US"/>
+        </a:p>
+      </dgm:t>
+    </dgm:pt>
+    <dgm:pt modelId="{66712BD7-810E-493F-BDA7-5A319210AE90}" type="parTrans" cxnId="{94101A71-8B11-4ADB-B162-4022685BEDBD}">
+      <dgm:prSet/>
+      <dgm:spPr/>
+      <dgm:t>
+        <a:bodyPr/>
+        <a:lstStyle/>
+        <a:p>
+          <a:endParaRPr kumimoji="1" lang="ja-JP" altLang="en-US"/>
+        </a:p>
+      </dgm:t>
+    </dgm:pt>
+    <dgm:pt modelId="{E7AC81AE-F438-48A5-B555-9128C1553A32}" type="pres">
+      <dgm:prSet presAssocID="{6CA8A42C-56A1-421C-97E7-79D55F963120}" presName="matrix" presStyleCnt="0">
+        <dgm:presLayoutVars>
+          <dgm:chMax val="1"/>
+          <dgm:dir/>
+          <dgm:resizeHandles val="exact"/>
+        </dgm:presLayoutVars>
+      </dgm:prSet>
+      <dgm:spPr/>
+    </dgm:pt>
+    <dgm:pt modelId="{1C62423F-9EF8-4BE6-8B6B-7AECE85286C2}" type="pres">
+      <dgm:prSet presAssocID="{6CA8A42C-56A1-421C-97E7-79D55F963120}" presName="axisShape" presStyleLbl="bgShp" presStyleIdx="0" presStyleCnt="1"/>
+      <dgm:spPr/>
+    </dgm:pt>
+    <dgm:pt modelId="{60F6B24B-4B38-4470-B714-C6BAC0533705}" type="pres">
+      <dgm:prSet presAssocID="{6CA8A42C-56A1-421C-97E7-79D55F963120}" presName="rect1" presStyleLbl="node1" presStyleIdx="0" presStyleCnt="4">
+        <dgm:presLayoutVars>
+          <dgm:chMax val="0"/>
+          <dgm:chPref val="0"/>
+          <dgm:bulletEnabled val="1"/>
+        </dgm:presLayoutVars>
+      </dgm:prSet>
+      <dgm:spPr/>
+      <dgm:t>
+        <a:bodyPr/>
+        <a:lstStyle/>
+        <a:p>
+          <a:endParaRPr kumimoji="1" lang="ja-JP" altLang="en-US"/>
+        </a:p>
+      </dgm:t>
+    </dgm:pt>
+    <dgm:pt modelId="{D26A6DD3-7A5F-4E92-95E0-DA3EED77C11E}" type="pres">
+      <dgm:prSet presAssocID="{6CA8A42C-56A1-421C-97E7-79D55F963120}" presName="rect2" presStyleLbl="node1" presStyleIdx="1" presStyleCnt="4">
+        <dgm:presLayoutVars>
+          <dgm:chMax val="0"/>
+          <dgm:chPref val="0"/>
+          <dgm:bulletEnabled val="1"/>
+        </dgm:presLayoutVars>
+      </dgm:prSet>
+      <dgm:spPr>
+        <a:noFill/>
+      </dgm:spPr>
+      <dgm:t>
+        <a:bodyPr/>
+        <a:lstStyle/>
+        <a:p>
+          <a:endParaRPr kumimoji="1" lang="ja-JP" altLang="en-US"/>
+        </a:p>
+      </dgm:t>
+    </dgm:pt>
+    <dgm:pt modelId="{477FC170-1127-482E-B826-81C5ADD24910}" type="pres">
+      <dgm:prSet presAssocID="{6CA8A42C-56A1-421C-97E7-79D55F963120}" presName="rect3" presStyleLbl="node1" presStyleIdx="2" presStyleCnt="4">
+        <dgm:presLayoutVars>
+          <dgm:chMax val="0"/>
+          <dgm:chPref val="0"/>
+          <dgm:bulletEnabled val="1"/>
+        </dgm:presLayoutVars>
+      </dgm:prSet>
+      <dgm:spPr>
+        <a:noFill/>
+      </dgm:spPr>
+    </dgm:pt>
+    <dgm:pt modelId="{5C07518D-3252-4FC2-B0DD-9150E047EE47}" type="pres">
+      <dgm:prSet presAssocID="{6CA8A42C-56A1-421C-97E7-79D55F963120}" presName="rect4" presStyleLbl="node1" presStyleIdx="3" presStyleCnt="4">
+        <dgm:presLayoutVars>
+          <dgm:chMax val="0"/>
+          <dgm:chPref val="0"/>
+          <dgm:bulletEnabled val="1"/>
+        </dgm:presLayoutVars>
+      </dgm:prSet>
+      <dgm:spPr>
+        <a:noFill/>
+      </dgm:spPr>
+    </dgm:pt>
+  </dgm:ptLst>
+  <dgm:cxnLst>
+    <dgm:cxn modelId="{F6ED3B64-7D2E-4BA5-BBE7-819BD6930910}" type="presOf" srcId="{6CA8A42C-56A1-421C-97E7-79D55F963120}" destId="{E7AC81AE-F438-48A5-B555-9128C1553A32}" srcOrd="0" destOrd="0" presId="urn:microsoft.com/office/officeart/2005/8/layout/matrix2"/>
+    <dgm:cxn modelId="{F2F53CA4-96D9-4535-BA7B-38E43C856877}" type="presOf" srcId="{1BAA0700-3103-4B7E-A0DA-5CEBD7433942}" destId="{60F6B24B-4B38-4470-B714-C6BAC0533705}" srcOrd="0" destOrd="0" presId="urn:microsoft.com/office/officeart/2005/8/layout/matrix2"/>
+    <dgm:cxn modelId="{94101A71-8B11-4ADB-B162-4022685BEDBD}" srcId="{6CA8A42C-56A1-421C-97E7-79D55F963120}" destId="{1BAA0700-3103-4B7E-A0DA-5CEBD7433942}" srcOrd="0" destOrd="0" parTransId="{66712BD7-810E-493F-BDA7-5A319210AE90}" sibTransId="{73F4EB74-8941-4E9C-902D-9503B03A1E0D}"/>
+    <dgm:cxn modelId="{4812A460-BA51-49E4-8C46-188CA5664D77}" type="presParOf" srcId="{E7AC81AE-F438-48A5-B555-9128C1553A32}" destId="{1C62423F-9EF8-4BE6-8B6B-7AECE85286C2}" srcOrd="0" destOrd="0" presId="urn:microsoft.com/office/officeart/2005/8/layout/matrix2"/>
+    <dgm:cxn modelId="{C9381725-FE98-40E5-B210-7AE266F82B7B}" type="presParOf" srcId="{E7AC81AE-F438-48A5-B555-9128C1553A32}" destId="{60F6B24B-4B38-4470-B714-C6BAC0533705}" srcOrd="1" destOrd="0" presId="urn:microsoft.com/office/officeart/2005/8/layout/matrix2"/>
+    <dgm:cxn modelId="{F7ADEAB9-DB9C-45C3-85D4-3963DE9F0981}" type="presParOf" srcId="{E7AC81AE-F438-48A5-B555-9128C1553A32}" destId="{D26A6DD3-7A5F-4E92-95E0-DA3EED77C11E}" srcOrd="2" destOrd="0" presId="urn:microsoft.com/office/officeart/2005/8/layout/matrix2"/>
+    <dgm:cxn modelId="{71C9520F-1682-49E9-84DC-ECCE1511D587}" type="presParOf" srcId="{E7AC81AE-F438-48A5-B555-9128C1553A32}" destId="{477FC170-1127-482E-B826-81C5ADD24910}" srcOrd="3" destOrd="0" presId="urn:microsoft.com/office/officeart/2005/8/layout/matrix2"/>
+    <dgm:cxn modelId="{7CE17A93-188D-448B-B1A0-A927B4AC9990}" type="presParOf" srcId="{E7AC81AE-F438-48A5-B555-9128C1553A32}" destId="{5C07518D-3252-4FC2-B0DD-9150E047EE47}" srcOrd="4" destOrd="0" presId="urn:microsoft.com/office/officeart/2005/8/layout/matrix2"/>
+  </dgm:cxnLst>
+  <dgm:bg/>
+  <dgm:whole/>
+  <dgm:extLst>
+    <a:ext uri="http://schemas.microsoft.com/office/drawing/2008/diagram">
+      <dsp:dataModelExt xmlns:dsp="http://schemas.microsoft.com/office/drawing/2008/diagram" relId="rId6" minVer="http://schemas.openxmlformats.org/drawingml/2006/diagram"/>
+    </a:ext>
+  </dgm:extLst>
+</dgm:dataModel>
+</file>
+
+<file path=ppt/diagrams/data8.xml><?xml version="1.0" encoding="utf-8"?>
+<dgm:dataModel xmlns:dgm="http://schemas.openxmlformats.org/drawingml/2006/diagram" xmlns:a="http://schemas.openxmlformats.org/drawingml/2006/main">
+  <dgm:ptLst>
     <dgm:pt modelId="{0CEB959E-1304-418B-9229-540C8AC47A72}" type="doc">
       <dgm:prSet loTypeId="urn:microsoft.com/office/officeart/2005/8/layout/vList2" loCatId="list" qsTypeId="urn:microsoft.com/office/officeart/2005/8/quickstyle/simple1" qsCatId="simple" csTypeId="urn:microsoft.com/office/officeart/2005/8/colors/accent1_2" csCatId="accent1" phldr="1"/>
       <dgm:spPr/>
@@ -12272,7 +13282,7 @@
 </dgm:dataModel>
 </file>
 
-<file path=ppt/diagrams/data8.xml><?xml version="1.0" encoding="utf-8"?>
+<file path=ppt/diagrams/data9.xml><?xml version="1.0" encoding="utf-8"?>
 <dgm:dataModel xmlns:dgm="http://schemas.openxmlformats.org/drawingml/2006/diagram" xmlns:a="http://schemas.openxmlformats.org/drawingml/2006/main">
   <dgm:ptLst>
     <dgm:pt modelId="{0CEB959E-1304-418B-9229-540C8AC47A72}" type="doc">
@@ -12378,123 +13388,6 @@
     <dgm:cxn modelId="{C6A9D5AA-37E2-41BC-AF05-3EED83DD4BE5}" type="presOf" srcId="{0CEB959E-1304-418B-9229-540C8AC47A72}" destId="{0E6543A5-AD31-4F27-A9B8-B69DF07FED9D}" srcOrd="0" destOrd="0" presId="urn:microsoft.com/office/officeart/2005/8/layout/vList2"/>
     <dgm:cxn modelId="{83A0C0EB-E022-4F8E-8CE4-8C372885AE15}" type="presOf" srcId="{61CD0B15-8302-4B97-9A1C-A599457088BE}" destId="{5DBDA703-2B86-4AE8-9026-B3C9E9988CA6}" srcOrd="0" destOrd="0" presId="urn:microsoft.com/office/officeart/2005/8/layout/vList2"/>
     <dgm:cxn modelId="{C0E856E9-7102-43C0-9034-907B9C3401B5}" type="presParOf" srcId="{0E6543A5-AD31-4F27-A9B8-B69DF07FED9D}" destId="{5DBDA703-2B86-4AE8-9026-B3C9E9988CA6}" srcOrd="0" destOrd="0" presId="urn:microsoft.com/office/officeart/2005/8/layout/vList2"/>
-  </dgm:cxnLst>
-  <dgm:bg/>
-  <dgm:whole/>
-  <dgm:extLst>
-    <a:ext uri="http://schemas.microsoft.com/office/drawing/2008/diagram">
-      <dsp:dataModelExt xmlns:dsp="http://schemas.microsoft.com/office/drawing/2008/diagram" relId="rId6" minVer="http://schemas.openxmlformats.org/drawingml/2006/diagram"/>
-    </a:ext>
-  </dgm:extLst>
-</dgm:dataModel>
-</file>
-
-<file path=ppt/diagrams/data9.xml><?xml version="1.0" encoding="utf-8"?>
-<dgm:dataModel xmlns:dgm="http://schemas.openxmlformats.org/drawingml/2006/diagram" xmlns:a="http://schemas.openxmlformats.org/drawingml/2006/main">
-  <dgm:ptLst>
-    <dgm:pt modelId="{0CEB959E-1304-418B-9229-540C8AC47A72}" type="doc">
-      <dgm:prSet loTypeId="urn:microsoft.com/office/officeart/2005/8/layout/vList2" loCatId="list" qsTypeId="urn:microsoft.com/office/officeart/2005/8/quickstyle/simple1" qsCatId="simple" csTypeId="urn:microsoft.com/office/officeart/2005/8/colors/accent1_2" csCatId="accent1" phldr="1"/>
-      <dgm:spPr/>
-      <dgm:t>
-        <a:bodyPr/>
-        <a:lstStyle/>
-        <a:p>
-          <a:endParaRPr kumimoji="1" lang="ja-JP" altLang="en-US"/>
-        </a:p>
-      </dgm:t>
-    </dgm:pt>
-    <dgm:pt modelId="{61CD0B15-8302-4B97-9A1C-A599457088BE}">
-      <dgm:prSet/>
-      <dgm:spPr>
-        <a:solidFill>
-          <a:srgbClr val="FF5050"/>
-        </a:solidFill>
-      </dgm:spPr>
-      <dgm:t>
-        <a:bodyPr/>
-        <a:lstStyle/>
-        <a:p>
-          <a:pPr algn="ctr" rtl="0"/>
-          <a:r>
-            <a:rPr lang="ja-JP" altLang="en-US" dirty="0" smtClean="0">
-              <a:latin typeface="メイリオ" pitchFamily="50" charset="-128"/>
-              <a:ea typeface="メイリオ" pitchFamily="50" charset="-128"/>
-              <a:cs typeface="メイリオ" pitchFamily="50" charset="-128"/>
-            </a:rPr>
-            <a:t>横歩取り</a:t>
-          </a:r>
-          <a:endParaRPr lang="ja-JP" dirty="0">
-            <a:latin typeface="メイリオ" pitchFamily="50" charset="-128"/>
-            <a:ea typeface="メイリオ" pitchFamily="50" charset="-128"/>
-            <a:cs typeface="メイリオ" pitchFamily="50" charset="-128"/>
-          </a:endParaRPr>
-        </a:p>
-      </dgm:t>
-    </dgm:pt>
-    <dgm:pt modelId="{A7B9AAC1-0212-45FD-9E5B-5C68A3735F8F}" type="parTrans" cxnId="{5E57A0B8-13BB-4142-890D-F43F0783EA8E}">
-      <dgm:prSet/>
-      <dgm:spPr/>
-      <dgm:t>
-        <a:bodyPr/>
-        <a:lstStyle/>
-        <a:p>
-          <a:endParaRPr kumimoji="1" lang="ja-JP" altLang="en-US"/>
-        </a:p>
-      </dgm:t>
-    </dgm:pt>
-    <dgm:pt modelId="{15D638C7-A27C-478B-AEC5-2A86066CF80F}" type="sibTrans" cxnId="{5E57A0B8-13BB-4142-890D-F43F0783EA8E}">
-      <dgm:prSet/>
-      <dgm:spPr/>
-      <dgm:t>
-        <a:bodyPr/>
-        <a:lstStyle/>
-        <a:p>
-          <a:endParaRPr kumimoji="1" lang="ja-JP" altLang="en-US"/>
-        </a:p>
-      </dgm:t>
-    </dgm:pt>
-    <dgm:pt modelId="{0E6543A5-AD31-4F27-A9B8-B69DF07FED9D}" type="pres">
-      <dgm:prSet presAssocID="{0CEB959E-1304-418B-9229-540C8AC47A72}" presName="linear" presStyleCnt="0">
-        <dgm:presLayoutVars>
-          <dgm:animLvl val="lvl"/>
-          <dgm:resizeHandles val="exact"/>
-        </dgm:presLayoutVars>
-      </dgm:prSet>
-      <dgm:spPr/>
-      <dgm:t>
-        <a:bodyPr/>
-        <a:lstStyle/>
-        <a:p>
-          <a:endParaRPr kumimoji="1" lang="ja-JP" altLang="en-US"/>
-        </a:p>
-      </dgm:t>
-    </dgm:pt>
-    <dgm:pt modelId="{5DBDA703-2B86-4AE8-9026-B3C9E9988CA6}" type="pres">
-      <dgm:prSet presAssocID="{61CD0B15-8302-4B97-9A1C-A599457088BE}" presName="parentText" presStyleLbl="node1" presStyleIdx="0" presStyleCnt="1">
-        <dgm:presLayoutVars>
-          <dgm:chMax val="0"/>
-          <dgm:bulletEnabled val="1"/>
-        </dgm:presLayoutVars>
-      </dgm:prSet>
-      <dgm:spPr>
-        <a:prstGeom prst="rect">
-          <a:avLst/>
-        </a:prstGeom>
-      </dgm:spPr>
-      <dgm:t>
-        <a:bodyPr/>
-        <a:lstStyle/>
-        <a:p>
-          <a:endParaRPr kumimoji="1" lang="ja-JP" altLang="en-US"/>
-        </a:p>
-      </dgm:t>
-    </dgm:pt>
-  </dgm:ptLst>
-  <dgm:cxnLst>
-    <dgm:cxn modelId="{5E57A0B8-13BB-4142-890D-F43F0783EA8E}" srcId="{0CEB959E-1304-418B-9229-540C8AC47A72}" destId="{61CD0B15-8302-4B97-9A1C-A599457088BE}" srcOrd="0" destOrd="0" parTransId="{A7B9AAC1-0212-45FD-9E5B-5C68A3735F8F}" sibTransId="{15D638C7-A27C-478B-AEC5-2A86066CF80F}"/>
-    <dgm:cxn modelId="{02E72023-5316-497A-809E-C08D0F0B1E3D}" type="presOf" srcId="{61CD0B15-8302-4B97-9A1C-A599457088BE}" destId="{5DBDA703-2B86-4AE8-9026-B3C9E9988CA6}" srcOrd="0" destOrd="0" presId="urn:microsoft.com/office/officeart/2005/8/layout/vList2"/>
-    <dgm:cxn modelId="{2F5FD267-91EF-4A84-B015-810F825502D8}" type="presOf" srcId="{0CEB959E-1304-418B-9229-540C8AC47A72}" destId="{0E6543A5-AD31-4F27-A9B8-B69DF07FED9D}" srcOrd="0" destOrd="0" presId="urn:microsoft.com/office/officeart/2005/8/layout/vList2"/>
-    <dgm:cxn modelId="{6F56B025-FC24-441E-8C7E-BFAEC7786CD1}" type="presParOf" srcId="{0E6543A5-AD31-4F27-A9B8-B69DF07FED9D}" destId="{5DBDA703-2B86-4AE8-9026-B3C9E9988CA6}" srcOrd="0" destOrd="0" presId="urn:microsoft.com/office/officeart/2005/8/layout/vList2"/>
   </dgm:cxnLst>
   <dgm:bg/>
   <dgm:whole/>
@@ -13198,6 +14091,98 @@
           <a:avLst/>
         </a:prstGeom>
         <a:solidFill>
+          <a:srgbClr val="FF5050"/>
+        </a:solidFill>
+        <a:ln w="25400" cap="flat" cmpd="sng" algn="ctr">
+          <a:solidFill>
+            <a:schemeClr val="lt1">
+              <a:hueOff val="0"/>
+              <a:satOff val="0"/>
+              <a:lumOff val="0"/>
+              <a:alphaOff val="0"/>
+            </a:schemeClr>
+          </a:solidFill>
+          <a:prstDash val="solid"/>
+        </a:ln>
+        <a:effectLst/>
+      </dsp:spPr>
+      <dsp:style>
+        <a:lnRef idx="2">
+          <a:scrgbClr r="0" g="0" b="0"/>
+        </a:lnRef>
+        <a:fillRef idx="1">
+          <a:scrgbClr r="0" g="0" b="0"/>
+        </a:fillRef>
+        <a:effectRef idx="0">
+          <a:scrgbClr r="0" g="0" b="0"/>
+        </a:effectRef>
+        <a:fontRef idx="minor">
+          <a:schemeClr val="lt1"/>
+        </a:fontRef>
+      </dsp:style>
+      <dsp:txBody>
+        <a:bodyPr spcFirstLastPara="0" vert="horz" wrap="square" lIns="140970" tIns="140970" rIns="140970" bIns="140970" numCol="1" spcCol="1270" anchor="ctr" anchorCtr="0">
+          <a:noAutofit/>
+        </a:bodyPr>
+        <a:lstStyle/>
+        <a:p>
+          <a:pPr lvl="0" algn="ctr" defTabSz="1644650" rtl="0">
+            <a:lnSpc>
+              <a:spcPct val="90000"/>
+            </a:lnSpc>
+            <a:spcBef>
+              <a:spcPct val="0"/>
+            </a:spcBef>
+            <a:spcAft>
+              <a:spcPct val="35000"/>
+            </a:spcAft>
+          </a:pPr>
+          <a:r>
+            <a:rPr lang="ja-JP" altLang="en-US" sz="3700" kern="1200" dirty="0" smtClean="0">
+              <a:latin typeface="メイリオ" pitchFamily="50" charset="-128"/>
+              <a:ea typeface="メイリオ" pitchFamily="50" charset="-128"/>
+              <a:cs typeface="メイリオ" pitchFamily="50" charset="-128"/>
+            </a:rPr>
+            <a:t>横歩取り</a:t>
+          </a:r>
+          <a:endParaRPr lang="ja-JP" sz="3700" kern="1200" dirty="0">
+            <a:latin typeface="メイリオ" pitchFamily="50" charset="-128"/>
+            <a:ea typeface="メイリオ" pitchFamily="50" charset="-128"/>
+            <a:cs typeface="メイリオ" pitchFamily="50" charset="-128"/>
+          </a:endParaRPr>
+        </a:p>
+      </dsp:txBody>
+      <dsp:txXfrm>
+        <a:off x="0" y="8729"/>
+        <a:ext cx="8229600" cy="1125540"/>
+      </dsp:txXfrm>
+    </dsp:sp>
+  </dsp:spTree>
+</dsp:drawing>
+</file>
+
+<file path=ppt/diagrams/drawing11.xml><?xml version="1.0" encoding="utf-8"?>
+<dsp:drawing xmlns:dgm="http://schemas.openxmlformats.org/drawingml/2006/diagram" xmlns:dsp="http://schemas.microsoft.com/office/drawing/2008/diagram" xmlns:a="http://schemas.openxmlformats.org/drawingml/2006/main">
+  <dsp:spTree>
+    <dsp:nvGrpSpPr>
+      <dsp:cNvPr id="0" name=""/>
+      <dsp:cNvGrpSpPr/>
+    </dsp:nvGrpSpPr>
+    <dsp:grpSpPr/>
+    <dsp:sp modelId="{5DBDA703-2B86-4AE8-9026-B3C9E9988CA6}">
+      <dsp:nvSpPr>
+        <dsp:cNvPr id="0" name=""/>
+        <dsp:cNvSpPr/>
+      </dsp:nvSpPr>
+      <dsp:spPr>
+        <a:xfrm>
+          <a:off x="0" y="8729"/>
+          <a:ext cx="8229600" cy="1125540"/>
+        </a:xfrm>
+        <a:prstGeom prst="rect">
+          <a:avLst/>
+        </a:prstGeom>
+        <a:solidFill>
           <a:srgbClr val="FFC000"/>
         </a:solidFill>
         <a:ln w="25400" cap="flat" cmpd="sng" algn="ctr">
@@ -13268,117 +14253,6 @@
 </dsp:drawing>
 </file>
 
-<file path=ppt/diagrams/drawing11.xml><?xml version="1.0" encoding="utf-8"?>
-<dsp:drawing xmlns:dgm="http://schemas.openxmlformats.org/drawingml/2006/diagram" xmlns:dsp="http://schemas.microsoft.com/office/drawing/2008/diagram" xmlns:a="http://schemas.openxmlformats.org/drawingml/2006/main">
-  <dsp:spTree>
-    <dsp:nvGrpSpPr>
-      <dsp:cNvPr id="0" name=""/>
-      <dsp:cNvGrpSpPr/>
-    </dsp:nvGrpSpPr>
-    <dsp:grpSpPr/>
-    <dsp:sp modelId="{6F9B8423-2EED-4F87-81BF-3DC6FB107586}">
-      <dsp:nvSpPr>
-        <dsp:cNvPr id="0" name=""/>
-        <dsp:cNvSpPr/>
-      </dsp:nvSpPr>
-      <dsp:spPr>
-        <a:xfrm>
-          <a:off x="0" y="8729"/>
-          <a:ext cx="8229600" cy="1125540"/>
-        </a:xfrm>
-        <a:prstGeom prst="rect">
-          <a:avLst/>
-        </a:prstGeom>
-        <a:solidFill>
-          <a:schemeClr val="tx1">
-            <a:lumMod val="50000"/>
-            <a:lumOff val="50000"/>
-          </a:schemeClr>
-        </a:solidFill>
-        <a:ln w="25400" cap="flat" cmpd="sng" algn="ctr">
-          <a:solidFill>
-            <a:schemeClr val="lt1">
-              <a:hueOff val="0"/>
-              <a:satOff val="0"/>
-              <a:lumOff val="0"/>
-              <a:alphaOff val="0"/>
-            </a:schemeClr>
-          </a:solidFill>
-          <a:prstDash val="solid"/>
-        </a:ln>
-        <a:effectLst/>
-      </dsp:spPr>
-      <dsp:style>
-        <a:lnRef idx="2">
-          <a:scrgbClr r="0" g="0" b="0"/>
-        </a:lnRef>
-        <a:fillRef idx="1">
-          <a:scrgbClr r="0" g="0" b="0"/>
-        </a:fillRef>
-        <a:effectRef idx="0">
-          <a:scrgbClr r="0" g="0" b="0"/>
-        </a:effectRef>
-        <a:fontRef idx="minor">
-          <a:schemeClr val="lt1"/>
-        </a:fontRef>
-      </dsp:style>
-      <dsp:txBody>
-        <a:bodyPr spcFirstLastPara="0" vert="horz" wrap="square" lIns="140970" tIns="140970" rIns="140970" bIns="140970" numCol="1" spcCol="1270" anchor="ctr" anchorCtr="0">
-          <a:noAutofit/>
-        </a:bodyPr>
-        <a:lstStyle/>
-        <a:p>
-          <a:pPr lvl="0" algn="ctr" defTabSz="1644650" rtl="0">
-            <a:lnSpc>
-              <a:spcPct val="90000"/>
-            </a:lnSpc>
-            <a:spcBef>
-              <a:spcPct val="0"/>
-            </a:spcBef>
-            <a:spcAft>
-              <a:spcPct val="35000"/>
-            </a:spcAft>
-          </a:pPr>
-          <a:r>
-            <a:rPr kumimoji="1" lang="ja-JP" sz="3700" kern="1200" dirty="0" smtClean="0">
-              <a:latin typeface="メイリオ" pitchFamily="50" charset="-128"/>
-              <a:ea typeface="メイリオ" pitchFamily="50" charset="-128"/>
-              <a:cs typeface="メイリオ" pitchFamily="50" charset="-128"/>
-            </a:rPr>
-            <a:t>先手の</a:t>
-          </a:r>
-          <a:r>
-            <a:rPr kumimoji="1" lang="ja-JP" altLang="en-US" sz="3700" kern="1200" dirty="0" smtClean="0">
-              <a:latin typeface="メイリオ" pitchFamily="50" charset="-128"/>
-              <a:ea typeface="メイリオ" pitchFamily="50" charset="-128"/>
-              <a:cs typeface="メイリオ" pitchFamily="50" charset="-128"/>
-            </a:rPr>
-            <a:t>戦法</a:t>
-          </a:r>
-          <a:r>
-            <a:rPr kumimoji="1" lang="ja-JP" sz="3700" kern="1200" dirty="0" smtClean="0">
-              <a:latin typeface="メイリオ" pitchFamily="50" charset="-128"/>
-              <a:ea typeface="メイリオ" pitchFamily="50" charset="-128"/>
-              <a:cs typeface="メイリオ" pitchFamily="50" charset="-128"/>
-            </a:rPr>
-            <a:t>選択</a:t>
-          </a:r>
-          <a:endParaRPr lang="ja-JP" sz="3700" kern="1200" dirty="0">
-            <a:latin typeface="メイリオ" pitchFamily="50" charset="-128"/>
-            <a:ea typeface="メイリオ" pitchFamily="50" charset="-128"/>
-            <a:cs typeface="メイリオ" pitchFamily="50" charset="-128"/>
-          </a:endParaRPr>
-        </a:p>
-      </dsp:txBody>
-      <dsp:txXfrm>
-        <a:off x="0" y="8729"/>
-        <a:ext cx="8229600" cy="1125540"/>
-      </dsp:txXfrm>
-    </dsp:sp>
-  </dsp:spTree>
-</dsp:drawing>
-</file>
-
 <file path=ppt/diagrams/drawing12.xml><?xml version="1.0" encoding="utf-8"?>
 <dsp:drawing xmlns:dgm="http://schemas.openxmlformats.org/drawingml/2006/diagram" xmlns:dsp="http://schemas.microsoft.com/office/drawing/2008/diagram" xmlns:a="http://schemas.openxmlformats.org/drawingml/2006/main">
   <dsp:spTree>
@@ -13387,97 +14261,6 @@
       <dsp:cNvGrpSpPr/>
     </dsp:nvGrpSpPr>
     <dsp:grpSpPr/>
-    <dsp:sp modelId="{71703759-DBE8-4FA5-83B0-6086F14750E8}">
-      <dsp:nvSpPr>
-        <dsp:cNvPr id="0" name=""/>
-        <dsp:cNvSpPr/>
-      </dsp:nvSpPr>
-      <dsp:spPr>
-        <a:xfrm>
-          <a:off x="0" y="470"/>
-          <a:ext cx="4040188" cy="638820"/>
-        </a:xfrm>
-        <a:prstGeom prst="rect">
-          <a:avLst/>
-        </a:prstGeom>
-        <a:solidFill>
-          <a:schemeClr val="tx1">
-            <a:lumMod val="50000"/>
-            <a:lumOff val="50000"/>
-          </a:schemeClr>
-        </a:solidFill>
-        <a:ln w="25400" cap="flat" cmpd="sng" algn="ctr">
-          <a:solidFill>
-            <a:schemeClr val="lt1">
-              <a:hueOff val="0"/>
-              <a:satOff val="0"/>
-              <a:lumOff val="0"/>
-              <a:alphaOff val="0"/>
-            </a:schemeClr>
-          </a:solidFill>
-          <a:prstDash val="solid"/>
-        </a:ln>
-        <a:effectLst/>
-      </dsp:spPr>
-      <dsp:style>
-        <a:lnRef idx="2">
-          <a:scrgbClr r="0" g="0" b="0"/>
-        </a:lnRef>
-        <a:fillRef idx="1">
-          <a:scrgbClr r="0" g="0" b="0"/>
-        </a:fillRef>
-        <a:effectRef idx="0">
-          <a:scrgbClr r="0" g="0" b="0"/>
-        </a:effectRef>
-        <a:fontRef idx="minor">
-          <a:schemeClr val="lt1"/>
-        </a:fontRef>
-      </dsp:style>
-      <dsp:txBody>
-        <a:bodyPr spcFirstLastPara="0" vert="horz" wrap="square" lIns="80010" tIns="80010" rIns="80010" bIns="80010" numCol="1" spcCol="1270" anchor="ctr" anchorCtr="0">
-          <a:noAutofit/>
-        </a:bodyPr>
-        <a:lstStyle/>
-        <a:p>
-          <a:pPr lvl="0" algn="ctr" defTabSz="933450" rtl="0">
-            <a:lnSpc>
-              <a:spcPct val="90000"/>
-            </a:lnSpc>
-            <a:spcBef>
-              <a:spcPct val="0"/>
-            </a:spcBef>
-            <a:spcAft>
-              <a:spcPct val="35000"/>
-            </a:spcAft>
-          </a:pPr>
-          <a:r>
-            <a:rPr kumimoji="1" lang="en-US" sz="2100" b="1" kern="1200" dirty="0" smtClean="0">
-              <a:latin typeface="メイリオ" pitchFamily="50" charset="-128"/>
-              <a:ea typeface="メイリオ" pitchFamily="50" charset="-128"/>
-              <a:cs typeface="メイリオ" pitchFamily="50" charset="-128"/>
-            </a:rPr>
-            <a:t>7</a:t>
-          </a:r>
-          <a:r>
-            <a:rPr kumimoji="1" lang="ja-JP" sz="2100" b="1" kern="1200" dirty="0" smtClean="0">
-              <a:latin typeface="メイリオ" pitchFamily="50" charset="-128"/>
-              <a:ea typeface="メイリオ" pitchFamily="50" charset="-128"/>
-              <a:cs typeface="メイリオ" pitchFamily="50" charset="-128"/>
-            </a:rPr>
-            <a:t>六歩</a:t>
-          </a:r>
-          <a:endParaRPr lang="ja-JP" sz="2100" kern="1200" dirty="0">
-            <a:latin typeface="メイリオ" pitchFamily="50" charset="-128"/>
-            <a:ea typeface="メイリオ" pitchFamily="50" charset="-128"/>
-            <a:cs typeface="メイリオ" pitchFamily="50" charset="-128"/>
-          </a:endParaRPr>
-        </a:p>
-      </dsp:txBody>
-      <dsp:txXfrm>
-        <a:off x="0" y="470"/>
-        <a:ext cx="4040188" cy="638820"/>
-      </dsp:txXfrm>
-    </dsp:sp>
   </dsp:spTree>
 </dsp:drawing>
 </file>
@@ -13490,97 +14273,18 @@
       <dsp:cNvGrpSpPr/>
     </dsp:nvGrpSpPr>
     <dsp:grpSpPr/>
-    <dsp:sp modelId="{79C13960-6CD1-417F-B9EF-AD59A62DF907}">
-      <dsp:nvSpPr>
-        <dsp:cNvPr id="0" name=""/>
-        <dsp:cNvSpPr/>
-      </dsp:nvSpPr>
-      <dsp:spPr>
-        <a:xfrm>
-          <a:off x="0" y="470"/>
-          <a:ext cx="4041775" cy="638820"/>
-        </a:xfrm>
-        <a:prstGeom prst="rect">
-          <a:avLst/>
-        </a:prstGeom>
-        <a:solidFill>
-          <a:schemeClr val="tx1">
-            <a:lumMod val="50000"/>
-            <a:lumOff val="50000"/>
-          </a:schemeClr>
-        </a:solidFill>
-        <a:ln w="25400" cap="flat" cmpd="sng" algn="ctr">
-          <a:solidFill>
-            <a:schemeClr val="lt1">
-              <a:hueOff val="0"/>
-              <a:satOff val="0"/>
-              <a:lumOff val="0"/>
-              <a:alphaOff val="0"/>
-            </a:schemeClr>
-          </a:solidFill>
-          <a:prstDash val="solid"/>
-        </a:ln>
-        <a:effectLst/>
-      </dsp:spPr>
-      <dsp:style>
-        <a:lnRef idx="2">
-          <a:scrgbClr r="0" g="0" b="0"/>
-        </a:lnRef>
-        <a:fillRef idx="1">
-          <a:scrgbClr r="0" g="0" b="0"/>
-        </a:fillRef>
-        <a:effectRef idx="0">
-          <a:scrgbClr r="0" g="0" b="0"/>
-        </a:effectRef>
-        <a:fontRef idx="minor">
-          <a:schemeClr val="lt1"/>
-        </a:fontRef>
-      </dsp:style>
-      <dsp:txBody>
-        <a:bodyPr spcFirstLastPara="0" vert="horz" wrap="square" lIns="80010" tIns="80010" rIns="80010" bIns="80010" numCol="1" spcCol="1270" anchor="ctr" anchorCtr="0">
-          <a:noAutofit/>
-        </a:bodyPr>
-        <a:lstStyle/>
-        <a:p>
-          <a:pPr lvl="0" algn="ctr" defTabSz="933450" rtl="0">
-            <a:lnSpc>
-              <a:spcPct val="90000"/>
-            </a:lnSpc>
-            <a:spcBef>
-              <a:spcPct val="0"/>
-            </a:spcBef>
-            <a:spcAft>
-              <a:spcPct val="35000"/>
-            </a:spcAft>
-          </a:pPr>
-          <a:r>
-            <a:rPr kumimoji="1" lang="en-US" sz="2100" b="1" kern="1200" dirty="0" smtClean="0">
-              <a:latin typeface="メイリオ" pitchFamily="50" charset="-128"/>
-              <a:ea typeface="メイリオ" pitchFamily="50" charset="-128"/>
-              <a:cs typeface="メイリオ" pitchFamily="50" charset="-128"/>
-            </a:rPr>
-            <a:t>2</a:t>
-          </a:r>
-          <a:r>
-            <a:rPr kumimoji="1" lang="ja-JP" sz="2100" b="1" kern="1200" dirty="0" smtClean="0">
-              <a:latin typeface="メイリオ" pitchFamily="50" charset="-128"/>
-              <a:ea typeface="メイリオ" pitchFamily="50" charset="-128"/>
-              <a:cs typeface="メイリオ" pitchFamily="50" charset="-128"/>
-            </a:rPr>
-            <a:t>六歩</a:t>
-          </a:r>
-          <a:endParaRPr lang="ja-JP" sz="2100" kern="1200" dirty="0">
-            <a:latin typeface="メイリオ" pitchFamily="50" charset="-128"/>
-            <a:ea typeface="メイリオ" pitchFamily="50" charset="-128"/>
-            <a:cs typeface="メイリオ" pitchFamily="50" charset="-128"/>
-          </a:endParaRPr>
-        </a:p>
-      </dsp:txBody>
-      <dsp:txXfrm>
-        <a:off x="0" y="470"/>
-        <a:ext cx="4041775" cy="638820"/>
-      </dsp:txXfrm>
-    </dsp:sp>
+  </dsp:spTree>
+</dsp:drawing>
+</file>
+
+<file path=ppt/diagrams/drawing14.xml><?xml version="1.0" encoding="utf-8"?>
+<dsp:drawing xmlns:dgm="http://schemas.openxmlformats.org/drawingml/2006/diagram" xmlns:dsp="http://schemas.microsoft.com/office/drawing/2008/diagram" xmlns:a="http://schemas.openxmlformats.org/drawingml/2006/main">
+  <dsp:spTree>
+    <dsp:nvGrpSpPr>
+      <dsp:cNvPr id="0" name=""/>
+      <dsp:cNvGrpSpPr/>
+    </dsp:nvGrpSpPr>
+    <dsp:grpSpPr/>
   </dsp:spTree>
 </dsp:drawing>
 </file>
@@ -14322,6 +15026,254 @@
       <dsp:cNvGrpSpPr/>
     </dsp:nvGrpSpPr>
     <dsp:grpSpPr/>
+    <dsp:sp modelId="{1C62423F-9EF8-4BE6-8B6B-7AECE85286C2}">
+      <dsp:nvSpPr>
+        <dsp:cNvPr id="0" name=""/>
+        <dsp:cNvSpPr/>
+      </dsp:nvSpPr>
+      <dsp:spPr>
+        <a:xfrm>
+          <a:off x="1440159" y="0"/>
+          <a:ext cx="4248472" cy="4248472"/>
+        </a:xfrm>
+        <a:prstGeom prst="quadArrow">
+          <a:avLst>
+            <a:gd name="adj1" fmla="val 2000"/>
+            <a:gd name="adj2" fmla="val 4000"/>
+            <a:gd name="adj3" fmla="val 5000"/>
+          </a:avLst>
+        </a:prstGeom>
+        <a:solidFill>
+          <a:schemeClr val="accent1">
+            <a:tint val="40000"/>
+            <a:hueOff val="0"/>
+            <a:satOff val="0"/>
+            <a:lumOff val="0"/>
+            <a:alphaOff val="0"/>
+          </a:schemeClr>
+        </a:solidFill>
+        <a:ln>
+          <a:noFill/>
+        </a:ln>
+        <a:effectLst/>
+      </dsp:spPr>
+      <dsp:style>
+        <a:lnRef idx="0">
+          <a:scrgbClr r="0" g="0" b="0"/>
+        </a:lnRef>
+        <a:fillRef idx="1">
+          <a:scrgbClr r="0" g="0" b="0"/>
+        </a:fillRef>
+        <a:effectRef idx="0">
+          <a:scrgbClr r="0" g="0" b="0"/>
+        </a:effectRef>
+        <a:fontRef idx="minor"/>
+      </dsp:style>
+    </dsp:sp>
+    <dsp:sp modelId="{60F6B24B-4B38-4470-B714-C6BAC0533705}">
+      <dsp:nvSpPr>
+        <dsp:cNvPr id="0" name=""/>
+        <dsp:cNvSpPr/>
+      </dsp:nvSpPr>
+      <dsp:spPr>
+        <a:xfrm>
+          <a:off x="1716310" y="276150"/>
+          <a:ext cx="1699388" cy="1699388"/>
+        </a:xfrm>
+        <a:prstGeom prst="roundRect">
+          <a:avLst/>
+        </a:prstGeom>
+        <a:noFill/>
+        <a:ln w="25400" cap="flat" cmpd="sng" algn="ctr">
+          <a:solidFill>
+            <a:schemeClr val="lt1">
+              <a:hueOff val="0"/>
+              <a:satOff val="0"/>
+              <a:lumOff val="0"/>
+              <a:alphaOff val="0"/>
+            </a:schemeClr>
+          </a:solidFill>
+          <a:prstDash val="solid"/>
+        </a:ln>
+        <a:effectLst/>
+      </dsp:spPr>
+      <dsp:style>
+        <a:lnRef idx="2">
+          <a:scrgbClr r="0" g="0" b="0"/>
+        </a:lnRef>
+        <a:fillRef idx="1">
+          <a:scrgbClr r="0" g="0" b="0"/>
+        </a:fillRef>
+        <a:effectRef idx="0">
+          <a:scrgbClr r="0" g="0" b="0"/>
+        </a:effectRef>
+        <a:fontRef idx="minor">
+          <a:schemeClr val="lt1"/>
+        </a:fontRef>
+      </dsp:style>
+      <dsp:txBody>
+        <a:bodyPr spcFirstLastPara="0" vert="horz" wrap="square" lIns="99060" tIns="99060" rIns="99060" bIns="99060" numCol="1" spcCol="1270" anchor="ctr" anchorCtr="0">
+          <a:noAutofit/>
+        </a:bodyPr>
+        <a:lstStyle/>
+        <a:p>
+          <a:pPr lvl="0" algn="ctr" defTabSz="1155700">
+            <a:lnSpc>
+              <a:spcPct val="90000"/>
+            </a:lnSpc>
+            <a:spcBef>
+              <a:spcPct val="0"/>
+            </a:spcBef>
+            <a:spcAft>
+              <a:spcPct val="35000"/>
+            </a:spcAft>
+          </a:pPr>
+          <a:endParaRPr kumimoji="1" lang="ja-JP" altLang="en-US" sz="2600" kern="1200" dirty="0"/>
+        </a:p>
+      </dsp:txBody>
+      <dsp:txXfrm>
+        <a:off x="1799267" y="359107"/>
+        <a:ext cx="1533474" cy="1533474"/>
+      </dsp:txXfrm>
+    </dsp:sp>
+    <dsp:sp modelId="{D26A6DD3-7A5F-4E92-95E0-DA3EED77C11E}">
+      <dsp:nvSpPr>
+        <dsp:cNvPr id="0" name=""/>
+        <dsp:cNvSpPr/>
+      </dsp:nvSpPr>
+      <dsp:spPr>
+        <a:xfrm>
+          <a:off x="3713092" y="276150"/>
+          <a:ext cx="1699388" cy="1699388"/>
+        </a:xfrm>
+        <a:prstGeom prst="roundRect">
+          <a:avLst/>
+        </a:prstGeom>
+        <a:noFill/>
+        <a:ln w="25400" cap="flat" cmpd="sng" algn="ctr">
+          <a:solidFill>
+            <a:schemeClr val="lt1">
+              <a:hueOff val="0"/>
+              <a:satOff val="0"/>
+              <a:lumOff val="0"/>
+              <a:alphaOff val="0"/>
+            </a:schemeClr>
+          </a:solidFill>
+          <a:prstDash val="solid"/>
+        </a:ln>
+        <a:effectLst/>
+      </dsp:spPr>
+      <dsp:style>
+        <a:lnRef idx="2">
+          <a:scrgbClr r="0" g="0" b="0"/>
+        </a:lnRef>
+        <a:fillRef idx="1">
+          <a:scrgbClr r="0" g="0" b="0"/>
+        </a:fillRef>
+        <a:effectRef idx="0">
+          <a:scrgbClr r="0" g="0" b="0"/>
+        </a:effectRef>
+        <a:fontRef idx="minor">
+          <a:schemeClr val="lt1"/>
+        </a:fontRef>
+      </dsp:style>
+    </dsp:sp>
+    <dsp:sp modelId="{477FC170-1127-482E-B826-81C5ADD24910}">
+      <dsp:nvSpPr>
+        <dsp:cNvPr id="0" name=""/>
+        <dsp:cNvSpPr/>
+      </dsp:nvSpPr>
+      <dsp:spPr>
+        <a:xfrm>
+          <a:off x="1716310" y="2272932"/>
+          <a:ext cx="1699388" cy="1699388"/>
+        </a:xfrm>
+        <a:prstGeom prst="roundRect">
+          <a:avLst/>
+        </a:prstGeom>
+        <a:noFill/>
+        <a:ln w="25400" cap="flat" cmpd="sng" algn="ctr">
+          <a:solidFill>
+            <a:schemeClr val="lt1">
+              <a:hueOff val="0"/>
+              <a:satOff val="0"/>
+              <a:lumOff val="0"/>
+              <a:alphaOff val="0"/>
+            </a:schemeClr>
+          </a:solidFill>
+          <a:prstDash val="solid"/>
+        </a:ln>
+        <a:effectLst/>
+      </dsp:spPr>
+      <dsp:style>
+        <a:lnRef idx="2">
+          <a:scrgbClr r="0" g="0" b="0"/>
+        </a:lnRef>
+        <a:fillRef idx="1">
+          <a:scrgbClr r="0" g="0" b="0"/>
+        </a:fillRef>
+        <a:effectRef idx="0">
+          <a:scrgbClr r="0" g="0" b="0"/>
+        </a:effectRef>
+        <a:fontRef idx="minor">
+          <a:schemeClr val="lt1"/>
+        </a:fontRef>
+      </dsp:style>
+    </dsp:sp>
+    <dsp:sp modelId="{5C07518D-3252-4FC2-B0DD-9150E047EE47}">
+      <dsp:nvSpPr>
+        <dsp:cNvPr id="0" name=""/>
+        <dsp:cNvSpPr/>
+      </dsp:nvSpPr>
+      <dsp:spPr>
+        <a:xfrm>
+          <a:off x="3713092" y="2272932"/>
+          <a:ext cx="1699388" cy="1699388"/>
+        </a:xfrm>
+        <a:prstGeom prst="roundRect">
+          <a:avLst/>
+        </a:prstGeom>
+        <a:noFill/>
+        <a:ln w="25400" cap="flat" cmpd="sng" algn="ctr">
+          <a:solidFill>
+            <a:schemeClr val="lt1">
+              <a:hueOff val="0"/>
+              <a:satOff val="0"/>
+              <a:lumOff val="0"/>
+              <a:alphaOff val="0"/>
+            </a:schemeClr>
+          </a:solidFill>
+          <a:prstDash val="solid"/>
+        </a:ln>
+        <a:effectLst/>
+      </dsp:spPr>
+      <dsp:style>
+        <a:lnRef idx="2">
+          <a:scrgbClr r="0" g="0" b="0"/>
+        </a:lnRef>
+        <a:fillRef idx="1">
+          <a:scrgbClr r="0" g="0" b="0"/>
+        </a:fillRef>
+        <a:effectRef idx="0">
+          <a:scrgbClr r="0" g="0" b="0"/>
+        </a:effectRef>
+        <a:fontRef idx="minor">
+          <a:schemeClr val="lt1"/>
+        </a:fontRef>
+      </dsp:style>
+    </dsp:sp>
+  </dsp:spTree>
+</dsp:drawing>
+</file>
+
+<file path=ppt/diagrams/drawing8.xml><?xml version="1.0" encoding="utf-8"?>
+<dsp:drawing xmlns:dgm="http://schemas.openxmlformats.org/drawingml/2006/diagram" xmlns:dsp="http://schemas.microsoft.com/office/drawing/2008/diagram" xmlns:a="http://schemas.openxmlformats.org/drawingml/2006/main">
+  <dsp:spTree>
+    <dsp:nvGrpSpPr>
+      <dsp:cNvPr id="0" name=""/>
+      <dsp:cNvGrpSpPr/>
+    </dsp:nvGrpSpPr>
+    <dsp:grpSpPr/>
     <dsp:sp modelId="{5DBDA703-2B86-4AE8-9026-B3C9E9988CA6}">
       <dsp:nvSpPr>
         <dsp:cNvPr id="0" name=""/>
@@ -14409,7 +15361,7 @@
 </dsp:drawing>
 </file>
 
-<file path=ppt/diagrams/drawing8.xml><?xml version="1.0" encoding="utf-8"?>
+<file path=ppt/diagrams/drawing9.xml><?xml version="1.0" encoding="utf-8"?>
 <dsp:drawing xmlns:dgm="http://schemas.openxmlformats.org/drawingml/2006/diagram" xmlns:dsp="http://schemas.microsoft.com/office/drawing/2008/diagram" xmlns:a="http://schemas.openxmlformats.org/drawingml/2006/main">
   <dsp:spTree>
     <dsp:nvGrpSpPr>
@@ -14484,98 +15436,6 @@
               <a:cs typeface="メイリオ" pitchFamily="50" charset="-128"/>
             </a:rPr>
             <a:t>後手一手損角換わり</a:t>
-          </a:r>
-          <a:endParaRPr lang="ja-JP" sz="3700" kern="1200" dirty="0">
-            <a:latin typeface="メイリオ" pitchFamily="50" charset="-128"/>
-            <a:ea typeface="メイリオ" pitchFamily="50" charset="-128"/>
-            <a:cs typeface="メイリオ" pitchFamily="50" charset="-128"/>
-          </a:endParaRPr>
-        </a:p>
-      </dsp:txBody>
-      <dsp:txXfrm>
-        <a:off x="0" y="8729"/>
-        <a:ext cx="8229600" cy="1125540"/>
-      </dsp:txXfrm>
-    </dsp:sp>
-  </dsp:spTree>
-</dsp:drawing>
-</file>
-
-<file path=ppt/diagrams/drawing9.xml><?xml version="1.0" encoding="utf-8"?>
-<dsp:drawing xmlns:dgm="http://schemas.openxmlformats.org/drawingml/2006/diagram" xmlns:dsp="http://schemas.microsoft.com/office/drawing/2008/diagram" xmlns:a="http://schemas.openxmlformats.org/drawingml/2006/main">
-  <dsp:spTree>
-    <dsp:nvGrpSpPr>
-      <dsp:cNvPr id="0" name=""/>
-      <dsp:cNvGrpSpPr/>
-    </dsp:nvGrpSpPr>
-    <dsp:grpSpPr/>
-    <dsp:sp modelId="{5DBDA703-2B86-4AE8-9026-B3C9E9988CA6}">
-      <dsp:nvSpPr>
-        <dsp:cNvPr id="0" name=""/>
-        <dsp:cNvSpPr/>
-      </dsp:nvSpPr>
-      <dsp:spPr>
-        <a:xfrm>
-          <a:off x="0" y="8729"/>
-          <a:ext cx="8229600" cy="1125540"/>
-        </a:xfrm>
-        <a:prstGeom prst="rect">
-          <a:avLst/>
-        </a:prstGeom>
-        <a:solidFill>
-          <a:srgbClr val="FF5050"/>
-        </a:solidFill>
-        <a:ln w="25400" cap="flat" cmpd="sng" algn="ctr">
-          <a:solidFill>
-            <a:schemeClr val="lt1">
-              <a:hueOff val="0"/>
-              <a:satOff val="0"/>
-              <a:lumOff val="0"/>
-              <a:alphaOff val="0"/>
-            </a:schemeClr>
-          </a:solidFill>
-          <a:prstDash val="solid"/>
-        </a:ln>
-        <a:effectLst/>
-      </dsp:spPr>
-      <dsp:style>
-        <a:lnRef idx="2">
-          <a:scrgbClr r="0" g="0" b="0"/>
-        </a:lnRef>
-        <a:fillRef idx="1">
-          <a:scrgbClr r="0" g="0" b="0"/>
-        </a:fillRef>
-        <a:effectRef idx="0">
-          <a:scrgbClr r="0" g="0" b="0"/>
-        </a:effectRef>
-        <a:fontRef idx="minor">
-          <a:schemeClr val="lt1"/>
-        </a:fontRef>
-      </dsp:style>
-      <dsp:txBody>
-        <a:bodyPr spcFirstLastPara="0" vert="horz" wrap="square" lIns="140970" tIns="140970" rIns="140970" bIns="140970" numCol="1" spcCol="1270" anchor="ctr" anchorCtr="0">
-          <a:noAutofit/>
-        </a:bodyPr>
-        <a:lstStyle/>
-        <a:p>
-          <a:pPr lvl="0" algn="ctr" defTabSz="1644650" rtl="0">
-            <a:lnSpc>
-              <a:spcPct val="90000"/>
-            </a:lnSpc>
-            <a:spcBef>
-              <a:spcPct val="0"/>
-            </a:spcBef>
-            <a:spcAft>
-              <a:spcPct val="35000"/>
-            </a:spcAft>
-          </a:pPr>
-          <a:r>
-            <a:rPr lang="ja-JP" altLang="en-US" sz="3700" kern="1200" dirty="0" smtClean="0">
-              <a:latin typeface="メイリオ" pitchFamily="50" charset="-128"/>
-              <a:ea typeface="メイリオ" pitchFamily="50" charset="-128"/>
-              <a:cs typeface="メイリオ" pitchFamily="50" charset="-128"/>
-            </a:rPr>
-            <a:t>横歩取り</a:t>
           </a:r>
           <a:endParaRPr lang="ja-JP" sz="3700" kern="1200" dirty="0">
             <a:latin typeface="メイリオ" pitchFamily="50" charset="-128"/>
@@ -15242,6 +16102,173 @@
 </file>
 
 <file path=ppt/diagrams/layout13.xml><?xml version="1.0" encoding="utf-8"?>
+<dgm:layoutDef xmlns:dgm="http://schemas.openxmlformats.org/drawingml/2006/diagram" xmlns:a="http://schemas.openxmlformats.org/drawingml/2006/main" uniqueId="urn:microsoft.com/office/officeart/2005/8/layout/vList2">
+  <dgm:title val=""/>
+  <dgm:desc val=""/>
+  <dgm:catLst>
+    <dgm:cat type="list" pri="3000"/>
+    <dgm:cat type="convert" pri="1000"/>
+  </dgm:catLst>
+  <dgm:sampData>
+    <dgm:dataModel>
+      <dgm:ptLst>
+        <dgm:pt modelId="0" type="doc"/>
+        <dgm:pt modelId="1">
+          <dgm:prSet phldr="1"/>
+        </dgm:pt>
+        <dgm:pt modelId="11">
+          <dgm:prSet phldr="1"/>
+        </dgm:pt>
+        <dgm:pt modelId="2">
+          <dgm:prSet phldr="1"/>
+        </dgm:pt>
+        <dgm:pt modelId="21">
+          <dgm:prSet phldr="1"/>
+        </dgm:pt>
+      </dgm:ptLst>
+      <dgm:cxnLst>
+        <dgm:cxn modelId="4" srcId="0" destId="1" srcOrd="0" destOrd="0"/>
+        <dgm:cxn modelId="5" srcId="0" destId="2" srcOrd="1" destOrd="0"/>
+        <dgm:cxn modelId="12" srcId="1" destId="11" srcOrd="0" destOrd="0"/>
+        <dgm:cxn modelId="23" srcId="2" destId="21" srcOrd="0" destOrd="0"/>
+      </dgm:cxnLst>
+      <dgm:bg/>
+      <dgm:whole/>
+    </dgm:dataModel>
+  </dgm:sampData>
+  <dgm:styleData>
+    <dgm:dataModel>
+      <dgm:ptLst>
+        <dgm:pt modelId="0" type="doc"/>
+        <dgm:pt modelId="1"/>
+        <dgm:pt modelId="2"/>
+      </dgm:ptLst>
+      <dgm:cxnLst>
+        <dgm:cxn modelId="3" srcId="0" destId="1" srcOrd="0" destOrd="0"/>
+        <dgm:cxn modelId="4" srcId="0" destId="2" srcOrd="1" destOrd="0"/>
+      </dgm:cxnLst>
+      <dgm:bg/>
+      <dgm:whole/>
+    </dgm:dataModel>
+  </dgm:styleData>
+  <dgm:clrData>
+    <dgm:dataModel>
+      <dgm:ptLst>
+        <dgm:pt modelId="0" type="doc"/>
+        <dgm:pt modelId="1"/>
+        <dgm:pt modelId="2"/>
+        <dgm:pt modelId="3"/>
+        <dgm:pt modelId="4"/>
+      </dgm:ptLst>
+      <dgm:cxnLst>
+        <dgm:cxn modelId="5" srcId="0" destId="1" srcOrd="0" destOrd="0"/>
+        <dgm:cxn modelId="6" srcId="0" destId="2" srcOrd="1" destOrd="0"/>
+        <dgm:cxn modelId="7" srcId="0" destId="3" srcOrd="2" destOrd="0"/>
+        <dgm:cxn modelId="8" srcId="0" destId="4" srcOrd="3" destOrd="0"/>
+      </dgm:cxnLst>
+      <dgm:bg/>
+      <dgm:whole/>
+    </dgm:dataModel>
+  </dgm:clrData>
+  <dgm:layoutNode name="linear">
+    <dgm:varLst>
+      <dgm:animLvl val="lvl"/>
+      <dgm:resizeHandles val="exact"/>
+    </dgm:varLst>
+    <dgm:alg type="lin">
+      <dgm:param type="linDir" val="fromT"/>
+      <dgm:param type="vertAlign" val="mid"/>
+    </dgm:alg>
+    <dgm:shape xmlns:r="http://schemas.openxmlformats.org/officeDocument/2006/relationships" r:blip="">
+      <dgm:adjLst/>
+    </dgm:shape>
+    <dgm:presOf/>
+    <dgm:constrLst>
+      <dgm:constr type="w" for="ch" forName="parentText" refType="w"/>
+      <dgm:constr type="h" for="ch" forName="parentText" refType="primFontSz" refFor="ch" refForName="parentText" fact="0.52"/>
+      <dgm:constr type="w" for="ch" forName="childText" refType="w"/>
+      <dgm:constr type="h" for="ch" forName="childText" refType="primFontSz" refFor="ch" refForName="parentText" fact="0.46"/>
+      <dgm:constr type="h" for="ch" forName="parentText" op="equ"/>
+      <dgm:constr type="primFontSz" for="ch" forName="parentText" op="equ" val="65"/>
+      <dgm:constr type="primFontSz" for="ch" forName="childText" refType="primFontSz" refFor="ch" refForName="parentText" op="equ"/>
+      <dgm:constr type="h" for="ch" forName="spacer" refType="primFontSz" refFor="ch" refForName="parentText" fact="0.08"/>
+    </dgm:constrLst>
+    <dgm:ruleLst>
+      <dgm:rule type="primFontSz" for="ch" forName="parentText" val="5" fact="NaN" max="NaN"/>
+    </dgm:ruleLst>
+    <dgm:forEach name="Name0" axis="ch" ptType="node">
+      <dgm:layoutNode name="parentText" styleLbl="node1">
+        <dgm:varLst>
+          <dgm:chMax val="0"/>
+          <dgm:bulletEnabled val="1"/>
+        </dgm:varLst>
+        <dgm:alg type="tx">
+          <dgm:param type="parTxLTRAlign" val="l"/>
+          <dgm:param type="parTxRTLAlign" val="r"/>
+        </dgm:alg>
+        <dgm:shape xmlns:r="http://schemas.openxmlformats.org/officeDocument/2006/relationships" type="roundRect" r:blip="">
+          <dgm:adjLst/>
+        </dgm:shape>
+        <dgm:presOf axis="self"/>
+        <dgm:constrLst>
+          <dgm:constr type="tMarg" refType="primFontSz" fact="0.3"/>
+          <dgm:constr type="bMarg" refType="primFontSz" fact="0.3"/>
+          <dgm:constr type="lMarg" refType="primFontSz" fact="0.3"/>
+          <dgm:constr type="rMarg" refType="primFontSz" fact="0.3"/>
+        </dgm:constrLst>
+        <dgm:ruleLst>
+          <dgm:rule type="h" val="INF" fact="NaN" max="NaN"/>
+        </dgm:ruleLst>
+      </dgm:layoutNode>
+      <dgm:choose name="Name1">
+        <dgm:if name="Name2" axis="ch" ptType="node" func="cnt" op="gte" val="1">
+          <dgm:layoutNode name="childText" styleLbl="revTx">
+            <dgm:varLst>
+              <dgm:bulletEnabled val="1"/>
+            </dgm:varLst>
+            <dgm:alg type="tx">
+              <dgm:param type="stBulletLvl" val="1"/>
+              <dgm:param type="lnSpAfChP" val="20"/>
+            </dgm:alg>
+            <dgm:shape xmlns:r="http://schemas.openxmlformats.org/officeDocument/2006/relationships" type="rect" r:blip="">
+              <dgm:adjLst/>
+            </dgm:shape>
+            <dgm:presOf axis="des" ptType="node"/>
+            <dgm:constrLst>
+              <dgm:constr type="tMarg" refType="primFontSz" fact="0.1"/>
+              <dgm:constr type="bMarg" refType="primFontSz" fact="0.1"/>
+              <dgm:constr type="lMarg" refType="w" fact="0.09"/>
+            </dgm:constrLst>
+            <dgm:ruleLst>
+              <dgm:rule type="h" val="INF" fact="NaN" max="NaN"/>
+            </dgm:ruleLst>
+          </dgm:layoutNode>
+        </dgm:if>
+        <dgm:else name="Name3">
+          <dgm:choose name="Name4">
+            <dgm:if name="Name5" axis="par ch" ptType="doc node" func="cnt" op="gte" val="2">
+              <dgm:forEach name="Name6" axis="followSib" ptType="sibTrans" cnt="1">
+                <dgm:layoutNode name="spacer">
+                  <dgm:alg type="sp"/>
+                  <dgm:shape xmlns:r="http://schemas.openxmlformats.org/officeDocument/2006/relationships" r:blip="">
+                    <dgm:adjLst/>
+                  </dgm:shape>
+                  <dgm:presOf/>
+                  <dgm:constrLst/>
+                  <dgm:ruleLst/>
+                </dgm:layoutNode>
+              </dgm:forEach>
+            </dgm:if>
+            <dgm:else name="Name7"/>
+          </dgm:choose>
+        </dgm:else>
+      </dgm:choose>
+    </dgm:forEach>
+  </dgm:layoutNode>
+</dgm:layoutDef>
+</file>
+
+<file path=ppt/diagrams/layout14.xml><?xml version="1.0" encoding="utf-8"?>
 <dgm:layoutDef xmlns:dgm="http://schemas.openxmlformats.org/drawingml/2006/diagram" xmlns:a="http://schemas.openxmlformats.org/drawingml/2006/main" uniqueId="urn:microsoft.com/office/officeart/2005/8/layout/vList2">
   <dgm:title val=""/>
   <dgm:desc val=""/>
@@ -16224,12 +17251,11 @@
 </file>
 
 <file path=ppt/diagrams/layout7.xml><?xml version="1.0" encoding="utf-8"?>
-<dgm:layoutDef xmlns:dgm="http://schemas.openxmlformats.org/drawingml/2006/diagram" xmlns:a="http://schemas.openxmlformats.org/drawingml/2006/main" uniqueId="urn:microsoft.com/office/officeart/2005/8/layout/vList2">
+<dgm:layoutDef xmlns:dgm="http://schemas.openxmlformats.org/drawingml/2006/diagram" xmlns:a="http://schemas.openxmlformats.org/drawingml/2006/main" uniqueId="urn:microsoft.com/office/officeart/2005/8/layout/matrix2">
   <dgm:title val=""/>
   <dgm:desc val=""/>
   <dgm:catLst>
-    <dgm:cat type="list" pri="3000"/>
-    <dgm:cat type="convert" pri="1000"/>
+    <dgm:cat type="matrix" pri="3000"/>
   </dgm:catLst>
   <dgm:sampData>
     <dgm:dataModel>
@@ -16238,154 +17264,204 @@
         <dgm:pt modelId="1">
           <dgm:prSet phldr="1"/>
         </dgm:pt>
-        <dgm:pt modelId="11">
-          <dgm:prSet phldr="1"/>
-        </dgm:pt>
         <dgm:pt modelId="2">
           <dgm:prSet phldr="1"/>
         </dgm:pt>
-        <dgm:pt modelId="21">
+        <dgm:pt modelId="3">
+          <dgm:prSet phldr="1"/>
+        </dgm:pt>
+        <dgm:pt modelId="4">
           <dgm:prSet phldr="1"/>
         </dgm:pt>
       </dgm:ptLst>
       <dgm:cxnLst>
-        <dgm:cxn modelId="4" srcId="0" destId="1" srcOrd="0" destOrd="0"/>
-        <dgm:cxn modelId="5" srcId="0" destId="2" srcOrd="1" destOrd="0"/>
-        <dgm:cxn modelId="12" srcId="1" destId="11" srcOrd="0" destOrd="0"/>
-        <dgm:cxn modelId="23" srcId="2" destId="21" srcOrd="0" destOrd="0"/>
+        <dgm:cxn modelId="5" srcId="0" destId="1" srcOrd="0" destOrd="0"/>
+        <dgm:cxn modelId="6" srcId="0" destId="2" srcOrd="1" destOrd="0"/>
+        <dgm:cxn modelId="7" srcId="0" destId="3" srcOrd="0" destOrd="0"/>
+        <dgm:cxn modelId="8" srcId="0" destId="4" srcOrd="1" destOrd="0"/>
       </dgm:cxnLst>
       <dgm:bg/>
       <dgm:whole/>
     </dgm:dataModel>
   </dgm:sampData>
-  <dgm:styleData>
+  <dgm:styleData useDef="1">
     <dgm:dataModel>
-      <dgm:ptLst>
-        <dgm:pt modelId="0" type="doc"/>
-        <dgm:pt modelId="1"/>
-        <dgm:pt modelId="2"/>
-      </dgm:ptLst>
-      <dgm:cxnLst>
-        <dgm:cxn modelId="3" srcId="0" destId="1" srcOrd="0" destOrd="0"/>
-        <dgm:cxn modelId="4" srcId="0" destId="2" srcOrd="1" destOrd="0"/>
-      </dgm:cxnLst>
+      <dgm:ptLst/>
       <dgm:bg/>
       <dgm:whole/>
     </dgm:dataModel>
   </dgm:styleData>
-  <dgm:clrData>
+  <dgm:clrData useDef="1">
     <dgm:dataModel>
-      <dgm:ptLst>
-        <dgm:pt modelId="0" type="doc"/>
-        <dgm:pt modelId="1"/>
-        <dgm:pt modelId="2"/>
-        <dgm:pt modelId="3"/>
-        <dgm:pt modelId="4"/>
-      </dgm:ptLst>
-      <dgm:cxnLst>
-        <dgm:cxn modelId="5" srcId="0" destId="1" srcOrd="0" destOrd="0"/>
-        <dgm:cxn modelId="6" srcId="0" destId="2" srcOrd="1" destOrd="0"/>
-        <dgm:cxn modelId="7" srcId="0" destId="3" srcOrd="2" destOrd="0"/>
-        <dgm:cxn modelId="8" srcId="0" destId="4" srcOrd="3" destOrd="0"/>
-      </dgm:cxnLst>
+      <dgm:ptLst/>
       <dgm:bg/>
       <dgm:whole/>
     </dgm:dataModel>
   </dgm:clrData>
-  <dgm:layoutNode name="linear">
+  <dgm:layoutNode name="matrix">
     <dgm:varLst>
-      <dgm:animLvl val="lvl"/>
+      <dgm:chMax val="1"/>
+      <dgm:dir/>
       <dgm:resizeHandles val="exact"/>
     </dgm:varLst>
-    <dgm:alg type="lin">
-      <dgm:param type="linDir" val="fromT"/>
-      <dgm:param type="vertAlign" val="mid"/>
+    <dgm:alg type="composite">
+      <dgm:param type="ar" val="1"/>
     </dgm:alg>
     <dgm:shape xmlns:r="http://schemas.openxmlformats.org/officeDocument/2006/relationships" r:blip="">
       <dgm:adjLst/>
     </dgm:shape>
     <dgm:presOf/>
-    <dgm:constrLst>
-      <dgm:constr type="w" for="ch" forName="parentText" refType="w"/>
-      <dgm:constr type="h" for="ch" forName="parentText" refType="primFontSz" refFor="ch" refForName="parentText" fact="0.52"/>
-      <dgm:constr type="w" for="ch" forName="childText" refType="w"/>
-      <dgm:constr type="h" for="ch" forName="childText" refType="primFontSz" refFor="ch" refForName="parentText" fact="0.46"/>
-      <dgm:constr type="h" for="ch" forName="parentText" op="equ"/>
-      <dgm:constr type="primFontSz" for="ch" forName="parentText" op="equ" val="65"/>
-      <dgm:constr type="primFontSz" for="ch" forName="childText" refType="primFontSz" refFor="ch" refForName="parentText" op="equ"/>
-      <dgm:constr type="h" for="ch" forName="spacer" refType="primFontSz" refFor="ch" refForName="parentText" fact="0.08"/>
-    </dgm:constrLst>
-    <dgm:ruleLst>
-      <dgm:rule type="primFontSz" for="ch" forName="parentText" val="5" fact="NaN" max="NaN"/>
-    </dgm:ruleLst>
-    <dgm:forEach name="Name0" axis="ch" ptType="node">
-      <dgm:layoutNode name="parentText" styleLbl="node1">
-        <dgm:varLst>
-          <dgm:chMax val="0"/>
-          <dgm:bulletEnabled val="1"/>
-        </dgm:varLst>
-        <dgm:alg type="tx">
-          <dgm:param type="parTxLTRAlign" val="l"/>
-          <dgm:param type="parTxRTLAlign" val="r"/>
-        </dgm:alg>
-        <dgm:shape xmlns:r="http://schemas.openxmlformats.org/officeDocument/2006/relationships" type="roundRect" r:blip="">
-          <dgm:adjLst/>
-        </dgm:shape>
-        <dgm:presOf axis="self"/>
+    <dgm:choose name="Name0">
+      <dgm:if name="Name1" func="var" arg="dir" op="equ" val="norm">
         <dgm:constrLst>
-          <dgm:constr type="tMarg" refType="primFontSz" fact="0.3"/>
-          <dgm:constr type="bMarg" refType="primFontSz" fact="0.3"/>
-          <dgm:constr type="lMarg" refType="primFontSz" fact="0.3"/>
-          <dgm:constr type="rMarg" refType="primFontSz" fact="0.3"/>
+          <dgm:constr type="primFontSz" for="ch" ptType="node" op="equ" val="65"/>
+          <dgm:constr type="w" for="ch" forName="axisShape" refType="w"/>
+          <dgm:constr type="h" for="ch" forName="axisShape" refType="h"/>
+          <dgm:constr type="w" for="ch" forName="rect1" refType="w" fact="0.4"/>
+          <dgm:constr type="h" for="ch" forName="rect1" refType="w" fact="0.4"/>
+          <dgm:constr type="l" for="ch" forName="rect1" refType="w" fact="0.065"/>
+          <dgm:constr type="t" for="ch" forName="rect1" refType="h" fact="0.065"/>
+          <dgm:constr type="w" for="ch" forName="rect2" refType="w" fact="0.4"/>
+          <dgm:constr type="h" for="ch" forName="rect2" refType="h" fact="0.4"/>
+          <dgm:constr type="r" for="ch" forName="rect2" refType="w" fact="0.935"/>
+          <dgm:constr type="t" for="ch" forName="rect2" refType="h" fact="0.065"/>
+          <dgm:constr type="w" for="ch" forName="rect3" refType="w" fact="0.4"/>
+          <dgm:constr type="h" for="ch" forName="rect3" refType="w" fact="0.4"/>
+          <dgm:constr type="l" for="ch" forName="rect3" refType="w" fact="0.065"/>
+          <dgm:constr type="b" for="ch" forName="rect3" refType="h" fact="0.935"/>
+          <dgm:constr type="w" for="ch" forName="rect4" refType="w" fact="0.4"/>
+          <dgm:constr type="h" for="ch" forName="rect4" refType="h" fact="0.4"/>
+          <dgm:constr type="r" for="ch" forName="rect4" refType="w" fact="0.935"/>
+          <dgm:constr type="b" for="ch" forName="rect4" refType="h" fact="0.935"/>
         </dgm:constrLst>
-        <dgm:ruleLst>
-          <dgm:rule type="h" val="INF" fact="NaN" max="NaN"/>
-        </dgm:ruleLst>
-      </dgm:layoutNode>
-      <dgm:choose name="Name1">
-        <dgm:if name="Name2" axis="ch" ptType="node" func="cnt" op="gte" val="1">
-          <dgm:layoutNode name="childText" styleLbl="revTx">
-            <dgm:varLst>
-              <dgm:bulletEnabled val="1"/>
-            </dgm:varLst>
-            <dgm:alg type="tx">
-              <dgm:param type="stBulletLvl" val="1"/>
-              <dgm:param type="lnSpAfChP" val="20"/>
-            </dgm:alg>
-            <dgm:shape xmlns:r="http://schemas.openxmlformats.org/officeDocument/2006/relationships" type="rect" r:blip="">
-              <dgm:adjLst/>
-            </dgm:shape>
-            <dgm:presOf axis="des" ptType="node"/>
-            <dgm:constrLst>
-              <dgm:constr type="tMarg" refType="primFontSz" fact="0.1"/>
-              <dgm:constr type="bMarg" refType="primFontSz" fact="0.1"/>
-              <dgm:constr type="lMarg" refType="w" fact="0.09"/>
-            </dgm:constrLst>
-            <dgm:ruleLst>
-              <dgm:rule type="h" val="INF" fact="NaN" max="NaN"/>
-            </dgm:ruleLst>
-          </dgm:layoutNode>
-        </dgm:if>
-        <dgm:else name="Name3">
-          <dgm:choose name="Name4">
-            <dgm:if name="Name5" axis="par ch" ptType="doc node" func="cnt" op="gte" val="2">
-              <dgm:forEach name="Name6" axis="followSib" ptType="sibTrans" cnt="1">
-                <dgm:layoutNode name="spacer">
-                  <dgm:alg type="sp"/>
-                  <dgm:shape xmlns:r="http://schemas.openxmlformats.org/officeDocument/2006/relationships" r:blip="">
-                    <dgm:adjLst/>
-                  </dgm:shape>
-                  <dgm:presOf/>
-                  <dgm:constrLst/>
-                  <dgm:ruleLst/>
-                </dgm:layoutNode>
-              </dgm:forEach>
-            </dgm:if>
-            <dgm:else name="Name7"/>
-          </dgm:choose>
-        </dgm:else>
-      </dgm:choose>
-    </dgm:forEach>
+      </dgm:if>
+      <dgm:else name="Name2">
+        <dgm:constrLst>
+          <dgm:constr type="primFontSz" for="ch" ptType="node" op="equ" val="65"/>
+          <dgm:constr type="w" for="ch" forName="axisShape" refType="w"/>
+          <dgm:constr type="h" for="ch" forName="axisShape" refType="h"/>
+          <dgm:constr type="w" for="ch" forName="rect1" refType="w" fact="0.4"/>
+          <dgm:constr type="h" for="ch" forName="rect1" refType="w" fact="0.4"/>
+          <dgm:constr type="r" for="ch" forName="rect1" refType="w" fact="0.935"/>
+          <dgm:constr type="t" for="ch" forName="rect1" refType="h" fact="0.065"/>
+          <dgm:constr type="w" for="ch" forName="rect2" refType="w" fact="0.4"/>
+          <dgm:constr type="h" for="ch" forName="rect2" refType="h" fact="0.4"/>
+          <dgm:constr type="l" for="ch" forName="rect2" refType="w" fact="0.065"/>
+          <dgm:constr type="t" for="ch" forName="rect2" refType="h" fact="0.065"/>
+          <dgm:constr type="w" for="ch" forName="rect3" refType="w" fact="0.4"/>
+          <dgm:constr type="h" for="ch" forName="rect3" refType="w" fact="0.4"/>
+          <dgm:constr type="r" for="ch" forName="rect3" refType="w" fact="0.935"/>
+          <dgm:constr type="b" for="ch" forName="rect3" refType="h" fact="0.935"/>
+          <dgm:constr type="w" for="ch" forName="rect4" refType="w" fact="0.4"/>
+          <dgm:constr type="h" for="ch" forName="rect4" refType="h" fact="0.4"/>
+          <dgm:constr type="l" for="ch" forName="rect4" refType="w" fact="0.065"/>
+          <dgm:constr type="b" for="ch" forName="rect4" refType="h" fact="0.935"/>
+        </dgm:constrLst>
+      </dgm:else>
+    </dgm:choose>
+    <dgm:ruleLst/>
+    <dgm:choose name="Name3">
+      <dgm:if name="Name4" axis="ch" ptType="node" func="cnt" op="gte" val="1">
+        <dgm:layoutNode name="axisShape" styleLbl="bgShp">
+          <dgm:alg type="sp"/>
+          <dgm:shape xmlns:r="http://schemas.openxmlformats.org/officeDocument/2006/relationships" type="quadArrow" r:blip="">
+            <dgm:adjLst>
+              <dgm:adj idx="1" val="0.02"/>
+              <dgm:adj idx="2" val="0.04"/>
+              <dgm:adj idx="3" val="0.05"/>
+            </dgm:adjLst>
+          </dgm:shape>
+          <dgm:presOf/>
+          <dgm:constrLst/>
+          <dgm:ruleLst/>
+        </dgm:layoutNode>
+        <dgm:layoutNode name="rect1">
+          <dgm:varLst>
+            <dgm:chMax val="0"/>
+            <dgm:chPref val="0"/>
+            <dgm:bulletEnabled val="1"/>
+          </dgm:varLst>
+          <dgm:alg type="tx"/>
+          <dgm:shape xmlns:r="http://schemas.openxmlformats.org/officeDocument/2006/relationships" type="roundRect" r:blip="">
+            <dgm:adjLst/>
+          </dgm:shape>
+          <dgm:presOf axis="ch desOrSelf" ptType="node node" st="1 1" cnt="1 0"/>
+          <dgm:constrLst>
+            <dgm:constr type="tMarg" refType="primFontSz" fact="0.3"/>
+            <dgm:constr type="bMarg" refType="primFontSz" fact="0.3"/>
+            <dgm:constr type="lMarg" refType="primFontSz" fact="0.3"/>
+            <dgm:constr type="rMarg" refType="primFontSz" fact="0.3"/>
+          </dgm:constrLst>
+          <dgm:ruleLst>
+            <dgm:rule type="primFontSz" val="5" fact="NaN" max="NaN"/>
+          </dgm:ruleLst>
+        </dgm:layoutNode>
+        <dgm:layoutNode name="rect2">
+          <dgm:varLst>
+            <dgm:chMax val="0"/>
+            <dgm:chPref val="0"/>
+            <dgm:bulletEnabled val="1"/>
+          </dgm:varLst>
+          <dgm:alg type="tx"/>
+          <dgm:shape xmlns:r="http://schemas.openxmlformats.org/officeDocument/2006/relationships" type="roundRect" r:blip="">
+            <dgm:adjLst/>
+          </dgm:shape>
+          <dgm:presOf axis="ch desOrSelf" ptType="node node" st="2 1" cnt="1 0"/>
+          <dgm:constrLst>
+            <dgm:constr type="tMarg" refType="primFontSz" fact="0.3"/>
+            <dgm:constr type="bMarg" refType="primFontSz" fact="0.3"/>
+            <dgm:constr type="lMarg" refType="primFontSz" fact="0.3"/>
+            <dgm:constr type="rMarg" refType="primFontSz" fact="0.3"/>
+          </dgm:constrLst>
+          <dgm:ruleLst>
+            <dgm:rule type="primFontSz" val="5" fact="NaN" max="NaN"/>
+          </dgm:ruleLst>
+        </dgm:layoutNode>
+        <dgm:layoutNode name="rect3">
+          <dgm:varLst>
+            <dgm:chMax val="0"/>
+            <dgm:chPref val="0"/>
+            <dgm:bulletEnabled val="1"/>
+          </dgm:varLst>
+          <dgm:alg type="tx"/>
+          <dgm:shape xmlns:r="http://schemas.openxmlformats.org/officeDocument/2006/relationships" type="roundRect" r:blip="">
+            <dgm:adjLst/>
+          </dgm:shape>
+          <dgm:presOf axis="ch desOrSelf" ptType="node node" st="3 1" cnt="1 0"/>
+          <dgm:constrLst>
+            <dgm:constr type="tMarg" refType="primFontSz" fact="0.3"/>
+            <dgm:constr type="bMarg" refType="primFontSz" fact="0.3"/>
+            <dgm:constr type="lMarg" refType="primFontSz" fact="0.3"/>
+            <dgm:constr type="rMarg" refType="primFontSz" fact="0.3"/>
+          </dgm:constrLst>
+          <dgm:ruleLst>
+            <dgm:rule type="primFontSz" val="5" fact="NaN" max="NaN"/>
+          </dgm:ruleLst>
+        </dgm:layoutNode>
+        <dgm:layoutNode name="rect4">
+          <dgm:varLst>
+            <dgm:chMax val="0"/>
+            <dgm:chPref val="0"/>
+            <dgm:bulletEnabled val="1"/>
+          </dgm:varLst>
+          <dgm:alg type="tx"/>
+          <dgm:shape xmlns:r="http://schemas.openxmlformats.org/officeDocument/2006/relationships" type="roundRect" r:blip="">
+            <dgm:adjLst/>
+          </dgm:shape>
+          <dgm:presOf axis="ch desOrSelf" ptType="node node" st="4 1" cnt="1 0"/>
+          <dgm:constrLst>
+            <dgm:constr type="tMarg" refType="primFontSz" fact="0.3"/>
+            <dgm:constr type="bMarg" refType="primFontSz" fact="0.3"/>
+            <dgm:constr type="lMarg" refType="primFontSz" fact="0.3"/>
+            <dgm:constr type="rMarg" refType="primFontSz" fact="0.3"/>
+          </dgm:constrLst>
+          <dgm:ruleLst>
+            <dgm:rule type="primFontSz" val="5" fact="NaN" max="NaN"/>
+          </dgm:ruleLst>
+        </dgm:layoutNode>
+      </dgm:if>
+      <dgm:else name="Name5"/>
+    </dgm:choose>
   </dgm:layoutNode>
 </dgm:layoutDef>
 </file>
@@ -21894,6 +22970,1040 @@
 </dgm:styleDef>
 </file>
 
+<file path=ppt/diagrams/quickStyle14.xml><?xml version="1.0" encoding="utf-8"?>
+<dgm:styleDef xmlns:dgm="http://schemas.openxmlformats.org/drawingml/2006/diagram" xmlns:a="http://schemas.openxmlformats.org/drawingml/2006/main" uniqueId="urn:microsoft.com/office/officeart/2005/8/quickstyle/simple1">
+  <dgm:title val=""/>
+  <dgm:desc val=""/>
+  <dgm:catLst>
+    <dgm:cat type="simple" pri="10100"/>
+  </dgm:catLst>
+  <dgm:scene3d>
+    <a:camera prst="orthographicFront"/>
+    <a:lightRig rig="threePt" dir="t"/>
+  </dgm:scene3d>
+  <dgm:styleLbl name="node0">
+    <dgm:scene3d>
+      <a:camera prst="orthographicFront"/>
+      <a:lightRig rig="threePt" dir="t"/>
+    </dgm:scene3d>
+    <dgm:sp3d/>
+    <dgm:txPr/>
+    <dgm:style>
+      <a:lnRef idx="2">
+        <a:scrgbClr r="0" g="0" b="0"/>
+      </a:lnRef>
+      <a:fillRef idx="1">
+        <a:scrgbClr r="0" g="0" b="0"/>
+      </a:fillRef>
+      <a:effectRef idx="0">
+        <a:scrgbClr r="0" g="0" b="0"/>
+      </a:effectRef>
+      <a:fontRef idx="minor">
+        <a:schemeClr val="lt1"/>
+      </a:fontRef>
+    </dgm:style>
+  </dgm:styleLbl>
+  <dgm:styleLbl name="lnNode1">
+    <dgm:scene3d>
+      <a:camera prst="orthographicFront"/>
+      <a:lightRig rig="threePt" dir="t"/>
+    </dgm:scene3d>
+    <dgm:sp3d/>
+    <dgm:txPr/>
+    <dgm:style>
+      <a:lnRef idx="2">
+        <a:scrgbClr r="0" g="0" b="0"/>
+      </a:lnRef>
+      <a:fillRef idx="1">
+        <a:scrgbClr r="0" g="0" b="0"/>
+      </a:fillRef>
+      <a:effectRef idx="0">
+        <a:scrgbClr r="0" g="0" b="0"/>
+      </a:effectRef>
+      <a:fontRef idx="minor">
+        <a:schemeClr val="lt1"/>
+      </a:fontRef>
+    </dgm:style>
+  </dgm:styleLbl>
+  <dgm:styleLbl name="vennNode1">
+    <dgm:scene3d>
+      <a:camera prst="orthographicFront"/>
+      <a:lightRig rig="threePt" dir="t"/>
+    </dgm:scene3d>
+    <dgm:sp3d/>
+    <dgm:txPr/>
+    <dgm:style>
+      <a:lnRef idx="2">
+        <a:scrgbClr r="0" g="0" b="0"/>
+      </a:lnRef>
+      <a:fillRef idx="1">
+        <a:scrgbClr r="0" g="0" b="0"/>
+      </a:fillRef>
+      <a:effectRef idx="0">
+        <a:scrgbClr r="0" g="0" b="0"/>
+      </a:effectRef>
+      <a:fontRef idx="minor">
+        <a:schemeClr val="tx1"/>
+      </a:fontRef>
+    </dgm:style>
+  </dgm:styleLbl>
+  <dgm:styleLbl name="alignNode1">
+    <dgm:scene3d>
+      <a:camera prst="orthographicFront"/>
+      <a:lightRig rig="threePt" dir="t"/>
+    </dgm:scene3d>
+    <dgm:sp3d/>
+    <dgm:txPr/>
+    <dgm:style>
+      <a:lnRef idx="2">
+        <a:scrgbClr r="0" g="0" b="0"/>
+      </a:lnRef>
+      <a:fillRef idx="1">
+        <a:scrgbClr r="0" g="0" b="0"/>
+      </a:fillRef>
+      <a:effectRef idx="0">
+        <a:scrgbClr r="0" g="0" b="0"/>
+      </a:effectRef>
+      <a:fontRef idx="minor">
+        <a:schemeClr val="lt1"/>
+      </a:fontRef>
+    </dgm:style>
+  </dgm:styleLbl>
+  <dgm:styleLbl name="node1">
+    <dgm:scene3d>
+      <a:camera prst="orthographicFront"/>
+      <a:lightRig rig="threePt" dir="t"/>
+    </dgm:scene3d>
+    <dgm:sp3d/>
+    <dgm:txPr/>
+    <dgm:style>
+      <a:lnRef idx="2">
+        <a:scrgbClr r="0" g="0" b="0"/>
+      </a:lnRef>
+      <a:fillRef idx="1">
+        <a:scrgbClr r="0" g="0" b="0"/>
+      </a:fillRef>
+      <a:effectRef idx="0">
+        <a:scrgbClr r="0" g="0" b="0"/>
+      </a:effectRef>
+      <a:fontRef idx="minor">
+        <a:schemeClr val="lt1"/>
+      </a:fontRef>
+    </dgm:style>
+  </dgm:styleLbl>
+  <dgm:styleLbl name="node2">
+    <dgm:scene3d>
+      <a:camera prst="orthographicFront"/>
+      <a:lightRig rig="threePt" dir="t"/>
+    </dgm:scene3d>
+    <dgm:sp3d/>
+    <dgm:txPr/>
+    <dgm:style>
+      <a:lnRef idx="2">
+        <a:scrgbClr r="0" g="0" b="0"/>
+      </a:lnRef>
+      <a:fillRef idx="1">
+        <a:scrgbClr r="0" g="0" b="0"/>
+      </a:fillRef>
+      <a:effectRef idx="0">
+        <a:scrgbClr r="0" g="0" b="0"/>
+      </a:effectRef>
+      <a:fontRef idx="minor">
+        <a:schemeClr val="lt1"/>
+      </a:fontRef>
+    </dgm:style>
+  </dgm:styleLbl>
+  <dgm:styleLbl name="node3">
+    <dgm:scene3d>
+      <a:camera prst="orthographicFront"/>
+      <a:lightRig rig="threePt" dir="t"/>
+    </dgm:scene3d>
+    <dgm:sp3d/>
+    <dgm:txPr/>
+    <dgm:style>
+      <a:lnRef idx="2">
+        <a:scrgbClr r="0" g="0" b="0"/>
+      </a:lnRef>
+      <a:fillRef idx="1">
+        <a:scrgbClr r="0" g="0" b="0"/>
+      </a:fillRef>
+      <a:effectRef idx="0">
+        <a:scrgbClr r="0" g="0" b="0"/>
+      </a:effectRef>
+      <a:fontRef idx="minor">
+        <a:schemeClr val="lt1"/>
+      </a:fontRef>
+    </dgm:style>
+  </dgm:styleLbl>
+  <dgm:styleLbl name="node4">
+    <dgm:scene3d>
+      <a:camera prst="orthographicFront"/>
+      <a:lightRig rig="threePt" dir="t"/>
+    </dgm:scene3d>
+    <dgm:sp3d/>
+    <dgm:txPr/>
+    <dgm:style>
+      <a:lnRef idx="2">
+        <a:scrgbClr r="0" g="0" b="0"/>
+      </a:lnRef>
+      <a:fillRef idx="1">
+        <a:scrgbClr r="0" g="0" b="0"/>
+      </a:fillRef>
+      <a:effectRef idx="0">
+        <a:scrgbClr r="0" g="0" b="0"/>
+      </a:effectRef>
+      <a:fontRef idx="minor">
+        <a:schemeClr val="lt1"/>
+      </a:fontRef>
+    </dgm:style>
+  </dgm:styleLbl>
+  <dgm:styleLbl name="fgImgPlace1">
+    <dgm:scene3d>
+      <a:camera prst="orthographicFront"/>
+      <a:lightRig rig="threePt" dir="t"/>
+    </dgm:scene3d>
+    <dgm:sp3d/>
+    <dgm:txPr/>
+    <dgm:style>
+      <a:lnRef idx="2">
+        <a:scrgbClr r="0" g="0" b="0"/>
+      </a:lnRef>
+      <a:fillRef idx="1">
+        <a:scrgbClr r="0" g="0" b="0"/>
+      </a:fillRef>
+      <a:effectRef idx="0">
+        <a:scrgbClr r="0" g="0" b="0"/>
+      </a:effectRef>
+      <a:fontRef idx="minor"/>
+    </dgm:style>
+  </dgm:styleLbl>
+  <dgm:styleLbl name="alignImgPlace1">
+    <dgm:scene3d>
+      <a:camera prst="orthographicFront"/>
+      <a:lightRig rig="threePt" dir="t"/>
+    </dgm:scene3d>
+    <dgm:sp3d/>
+    <dgm:txPr/>
+    <dgm:style>
+      <a:lnRef idx="2">
+        <a:scrgbClr r="0" g="0" b="0"/>
+      </a:lnRef>
+      <a:fillRef idx="1">
+        <a:scrgbClr r="0" g="0" b="0"/>
+      </a:fillRef>
+      <a:effectRef idx="0">
+        <a:scrgbClr r="0" g="0" b="0"/>
+      </a:effectRef>
+      <a:fontRef idx="minor"/>
+    </dgm:style>
+  </dgm:styleLbl>
+  <dgm:styleLbl name="bgImgPlace1">
+    <dgm:scene3d>
+      <a:camera prst="orthographicFront"/>
+      <a:lightRig rig="threePt" dir="t"/>
+    </dgm:scene3d>
+    <dgm:sp3d/>
+    <dgm:txPr/>
+    <dgm:style>
+      <a:lnRef idx="2">
+        <a:scrgbClr r="0" g="0" b="0"/>
+      </a:lnRef>
+      <a:fillRef idx="1">
+        <a:scrgbClr r="0" g="0" b="0"/>
+      </a:fillRef>
+      <a:effectRef idx="0">
+        <a:scrgbClr r="0" g="0" b="0"/>
+      </a:effectRef>
+      <a:fontRef idx="minor"/>
+    </dgm:style>
+  </dgm:styleLbl>
+  <dgm:styleLbl name="sibTrans2D1">
+    <dgm:scene3d>
+      <a:camera prst="orthographicFront"/>
+      <a:lightRig rig="threePt" dir="t"/>
+    </dgm:scene3d>
+    <dgm:sp3d/>
+    <dgm:txPr/>
+    <dgm:style>
+      <a:lnRef idx="0">
+        <a:scrgbClr r="0" g="0" b="0"/>
+      </a:lnRef>
+      <a:fillRef idx="1">
+        <a:scrgbClr r="0" g="0" b="0"/>
+      </a:fillRef>
+      <a:effectRef idx="0">
+        <a:scrgbClr r="0" g="0" b="0"/>
+      </a:effectRef>
+      <a:fontRef idx="minor">
+        <a:schemeClr val="lt1"/>
+      </a:fontRef>
+    </dgm:style>
+  </dgm:styleLbl>
+  <dgm:styleLbl name="fgSibTrans2D1">
+    <dgm:scene3d>
+      <a:camera prst="orthographicFront"/>
+      <a:lightRig rig="threePt" dir="t"/>
+    </dgm:scene3d>
+    <dgm:sp3d/>
+    <dgm:txPr/>
+    <dgm:style>
+      <a:lnRef idx="0">
+        <a:scrgbClr r="0" g="0" b="0"/>
+      </a:lnRef>
+      <a:fillRef idx="1">
+        <a:scrgbClr r="0" g="0" b="0"/>
+      </a:fillRef>
+      <a:effectRef idx="0">
+        <a:scrgbClr r="0" g="0" b="0"/>
+      </a:effectRef>
+      <a:fontRef idx="minor">
+        <a:schemeClr val="lt1"/>
+      </a:fontRef>
+    </dgm:style>
+  </dgm:styleLbl>
+  <dgm:styleLbl name="bgSibTrans2D1">
+    <dgm:scene3d>
+      <a:camera prst="orthographicFront"/>
+      <a:lightRig rig="threePt" dir="t"/>
+    </dgm:scene3d>
+    <dgm:sp3d/>
+    <dgm:txPr/>
+    <dgm:style>
+      <a:lnRef idx="0">
+        <a:scrgbClr r="0" g="0" b="0"/>
+      </a:lnRef>
+      <a:fillRef idx="1">
+        <a:scrgbClr r="0" g="0" b="0"/>
+      </a:fillRef>
+      <a:effectRef idx="0">
+        <a:scrgbClr r="0" g="0" b="0"/>
+      </a:effectRef>
+      <a:fontRef idx="minor">
+        <a:schemeClr val="lt1"/>
+      </a:fontRef>
+    </dgm:style>
+  </dgm:styleLbl>
+  <dgm:styleLbl name="sibTrans1D1">
+    <dgm:scene3d>
+      <a:camera prst="orthographicFront"/>
+      <a:lightRig rig="threePt" dir="t"/>
+    </dgm:scene3d>
+    <dgm:sp3d/>
+    <dgm:txPr/>
+    <dgm:style>
+      <a:lnRef idx="1">
+        <a:scrgbClr r="0" g="0" b="0"/>
+      </a:lnRef>
+      <a:fillRef idx="0">
+        <a:scrgbClr r="0" g="0" b="0"/>
+      </a:fillRef>
+      <a:effectRef idx="0">
+        <a:scrgbClr r="0" g="0" b="0"/>
+      </a:effectRef>
+      <a:fontRef idx="minor"/>
+    </dgm:style>
+  </dgm:styleLbl>
+  <dgm:styleLbl name="callout">
+    <dgm:scene3d>
+      <a:camera prst="orthographicFront"/>
+      <a:lightRig rig="threePt" dir="t"/>
+    </dgm:scene3d>
+    <dgm:sp3d/>
+    <dgm:txPr/>
+    <dgm:style>
+      <a:lnRef idx="2">
+        <a:scrgbClr r="0" g="0" b="0"/>
+      </a:lnRef>
+      <a:fillRef idx="1">
+        <a:scrgbClr r="0" g="0" b="0"/>
+      </a:fillRef>
+      <a:effectRef idx="0">
+        <a:scrgbClr r="0" g="0" b="0"/>
+      </a:effectRef>
+      <a:fontRef idx="minor"/>
+    </dgm:style>
+  </dgm:styleLbl>
+  <dgm:styleLbl name="asst0">
+    <dgm:scene3d>
+      <a:camera prst="orthographicFront"/>
+      <a:lightRig rig="threePt" dir="t"/>
+    </dgm:scene3d>
+    <dgm:sp3d/>
+    <dgm:txPr/>
+    <dgm:style>
+      <a:lnRef idx="2">
+        <a:scrgbClr r="0" g="0" b="0"/>
+      </a:lnRef>
+      <a:fillRef idx="1">
+        <a:scrgbClr r="0" g="0" b="0"/>
+      </a:fillRef>
+      <a:effectRef idx="0">
+        <a:scrgbClr r="0" g="0" b="0"/>
+      </a:effectRef>
+      <a:fontRef idx="minor">
+        <a:schemeClr val="lt1"/>
+      </a:fontRef>
+    </dgm:style>
+  </dgm:styleLbl>
+  <dgm:styleLbl name="asst1">
+    <dgm:scene3d>
+      <a:camera prst="orthographicFront"/>
+      <a:lightRig rig="threePt" dir="t"/>
+    </dgm:scene3d>
+    <dgm:sp3d/>
+    <dgm:txPr/>
+    <dgm:style>
+      <a:lnRef idx="2">
+        <a:scrgbClr r="0" g="0" b="0"/>
+      </a:lnRef>
+      <a:fillRef idx="1">
+        <a:scrgbClr r="0" g="0" b="0"/>
+      </a:fillRef>
+      <a:effectRef idx="0">
+        <a:scrgbClr r="0" g="0" b="0"/>
+      </a:effectRef>
+      <a:fontRef idx="minor">
+        <a:schemeClr val="lt1"/>
+      </a:fontRef>
+    </dgm:style>
+  </dgm:styleLbl>
+  <dgm:styleLbl name="asst2">
+    <dgm:scene3d>
+      <a:camera prst="orthographicFront"/>
+      <a:lightRig rig="threePt" dir="t"/>
+    </dgm:scene3d>
+    <dgm:sp3d/>
+    <dgm:txPr/>
+    <dgm:style>
+      <a:lnRef idx="2">
+        <a:scrgbClr r="0" g="0" b="0"/>
+      </a:lnRef>
+      <a:fillRef idx="1">
+        <a:scrgbClr r="0" g="0" b="0"/>
+      </a:fillRef>
+      <a:effectRef idx="0">
+        <a:scrgbClr r="0" g="0" b="0"/>
+      </a:effectRef>
+      <a:fontRef idx="minor">
+        <a:schemeClr val="lt1"/>
+      </a:fontRef>
+    </dgm:style>
+  </dgm:styleLbl>
+  <dgm:styleLbl name="asst3">
+    <dgm:scene3d>
+      <a:camera prst="orthographicFront"/>
+      <a:lightRig rig="threePt" dir="t"/>
+    </dgm:scene3d>
+    <dgm:sp3d/>
+    <dgm:txPr/>
+    <dgm:style>
+      <a:lnRef idx="2">
+        <a:scrgbClr r="0" g="0" b="0"/>
+      </a:lnRef>
+      <a:fillRef idx="1">
+        <a:scrgbClr r="0" g="0" b="0"/>
+      </a:fillRef>
+      <a:effectRef idx="0">
+        <a:scrgbClr r="0" g="0" b="0"/>
+      </a:effectRef>
+      <a:fontRef idx="minor">
+        <a:schemeClr val="lt1"/>
+      </a:fontRef>
+    </dgm:style>
+  </dgm:styleLbl>
+  <dgm:styleLbl name="asst4">
+    <dgm:scene3d>
+      <a:camera prst="orthographicFront"/>
+      <a:lightRig rig="threePt" dir="t"/>
+    </dgm:scene3d>
+    <dgm:sp3d/>
+    <dgm:txPr/>
+    <dgm:style>
+      <a:lnRef idx="2">
+        <a:scrgbClr r="0" g="0" b="0"/>
+      </a:lnRef>
+      <a:fillRef idx="1">
+        <a:scrgbClr r="0" g="0" b="0"/>
+      </a:fillRef>
+      <a:effectRef idx="0">
+        <a:scrgbClr r="0" g="0" b="0"/>
+      </a:effectRef>
+      <a:fontRef idx="minor">
+        <a:schemeClr val="lt1"/>
+      </a:fontRef>
+    </dgm:style>
+  </dgm:styleLbl>
+  <dgm:styleLbl name="parChTrans2D1">
+    <dgm:scene3d>
+      <a:camera prst="orthographicFront"/>
+      <a:lightRig rig="threePt" dir="t"/>
+    </dgm:scene3d>
+    <dgm:sp3d/>
+    <dgm:txPr/>
+    <dgm:style>
+      <a:lnRef idx="2">
+        <a:scrgbClr r="0" g="0" b="0"/>
+      </a:lnRef>
+      <a:fillRef idx="1">
+        <a:scrgbClr r="0" g="0" b="0"/>
+      </a:fillRef>
+      <a:effectRef idx="0">
+        <a:scrgbClr r="0" g="0" b="0"/>
+      </a:effectRef>
+      <a:fontRef idx="minor">
+        <a:schemeClr val="lt1"/>
+      </a:fontRef>
+    </dgm:style>
+  </dgm:styleLbl>
+  <dgm:styleLbl name="parChTrans2D2">
+    <dgm:scene3d>
+      <a:camera prst="orthographicFront"/>
+      <a:lightRig rig="threePt" dir="t"/>
+    </dgm:scene3d>
+    <dgm:sp3d/>
+    <dgm:txPr/>
+    <dgm:style>
+      <a:lnRef idx="2">
+        <a:scrgbClr r="0" g="0" b="0"/>
+      </a:lnRef>
+      <a:fillRef idx="1">
+        <a:scrgbClr r="0" g="0" b="0"/>
+      </a:fillRef>
+      <a:effectRef idx="0">
+        <a:scrgbClr r="0" g="0" b="0"/>
+      </a:effectRef>
+      <a:fontRef idx="minor">
+        <a:schemeClr val="lt1"/>
+      </a:fontRef>
+    </dgm:style>
+  </dgm:styleLbl>
+  <dgm:styleLbl name="parChTrans2D3">
+    <dgm:scene3d>
+      <a:camera prst="orthographicFront"/>
+      <a:lightRig rig="threePt" dir="t"/>
+    </dgm:scene3d>
+    <dgm:sp3d/>
+    <dgm:txPr/>
+    <dgm:style>
+      <a:lnRef idx="2">
+        <a:scrgbClr r="0" g="0" b="0"/>
+      </a:lnRef>
+      <a:fillRef idx="1">
+        <a:scrgbClr r="0" g="0" b="0"/>
+      </a:fillRef>
+      <a:effectRef idx="0">
+        <a:scrgbClr r="0" g="0" b="0"/>
+      </a:effectRef>
+      <a:fontRef idx="minor">
+        <a:schemeClr val="lt1"/>
+      </a:fontRef>
+    </dgm:style>
+  </dgm:styleLbl>
+  <dgm:styleLbl name="parChTrans2D4">
+    <dgm:scene3d>
+      <a:camera prst="orthographicFront"/>
+      <a:lightRig rig="threePt" dir="t"/>
+    </dgm:scene3d>
+    <dgm:sp3d/>
+    <dgm:txPr/>
+    <dgm:style>
+      <a:lnRef idx="2">
+        <a:scrgbClr r="0" g="0" b="0"/>
+      </a:lnRef>
+      <a:fillRef idx="1">
+        <a:scrgbClr r="0" g="0" b="0"/>
+      </a:fillRef>
+      <a:effectRef idx="0">
+        <a:scrgbClr r="0" g="0" b="0"/>
+      </a:effectRef>
+      <a:fontRef idx="minor">
+        <a:schemeClr val="lt1"/>
+      </a:fontRef>
+    </dgm:style>
+  </dgm:styleLbl>
+  <dgm:styleLbl name="parChTrans1D1">
+    <dgm:scene3d>
+      <a:camera prst="orthographicFront"/>
+      <a:lightRig rig="threePt" dir="t"/>
+    </dgm:scene3d>
+    <dgm:sp3d/>
+    <dgm:txPr/>
+    <dgm:style>
+      <a:lnRef idx="2">
+        <a:scrgbClr r="0" g="0" b="0"/>
+      </a:lnRef>
+      <a:fillRef idx="0">
+        <a:scrgbClr r="0" g="0" b="0"/>
+      </a:fillRef>
+      <a:effectRef idx="0">
+        <a:scrgbClr r="0" g="0" b="0"/>
+      </a:effectRef>
+      <a:fontRef idx="minor"/>
+    </dgm:style>
+  </dgm:styleLbl>
+  <dgm:styleLbl name="parChTrans1D2">
+    <dgm:scene3d>
+      <a:camera prst="orthographicFront"/>
+      <a:lightRig rig="threePt" dir="t"/>
+    </dgm:scene3d>
+    <dgm:sp3d/>
+    <dgm:txPr/>
+    <dgm:style>
+      <a:lnRef idx="2">
+        <a:scrgbClr r="0" g="0" b="0"/>
+      </a:lnRef>
+      <a:fillRef idx="0">
+        <a:scrgbClr r="0" g="0" b="0"/>
+      </a:fillRef>
+      <a:effectRef idx="0">
+        <a:scrgbClr r="0" g="0" b="0"/>
+      </a:effectRef>
+      <a:fontRef idx="minor"/>
+    </dgm:style>
+  </dgm:styleLbl>
+  <dgm:styleLbl name="parChTrans1D3">
+    <dgm:scene3d>
+      <a:camera prst="orthographicFront"/>
+      <a:lightRig rig="threePt" dir="t"/>
+    </dgm:scene3d>
+    <dgm:sp3d/>
+    <dgm:txPr/>
+    <dgm:style>
+      <a:lnRef idx="2">
+        <a:scrgbClr r="0" g="0" b="0"/>
+      </a:lnRef>
+      <a:fillRef idx="0">
+        <a:scrgbClr r="0" g="0" b="0"/>
+      </a:fillRef>
+      <a:effectRef idx="0">
+        <a:scrgbClr r="0" g="0" b="0"/>
+      </a:effectRef>
+      <a:fontRef idx="minor"/>
+    </dgm:style>
+  </dgm:styleLbl>
+  <dgm:styleLbl name="parChTrans1D4">
+    <dgm:scene3d>
+      <a:camera prst="orthographicFront"/>
+      <a:lightRig rig="threePt" dir="t"/>
+    </dgm:scene3d>
+    <dgm:sp3d/>
+    <dgm:txPr/>
+    <dgm:style>
+      <a:lnRef idx="2">
+        <a:scrgbClr r="0" g="0" b="0"/>
+      </a:lnRef>
+      <a:fillRef idx="0">
+        <a:scrgbClr r="0" g="0" b="0"/>
+      </a:fillRef>
+      <a:effectRef idx="0">
+        <a:scrgbClr r="0" g="0" b="0"/>
+      </a:effectRef>
+      <a:fontRef idx="minor"/>
+    </dgm:style>
+  </dgm:styleLbl>
+  <dgm:styleLbl name="fgAcc1">
+    <dgm:scene3d>
+      <a:camera prst="orthographicFront"/>
+      <a:lightRig rig="threePt" dir="t"/>
+    </dgm:scene3d>
+    <dgm:sp3d/>
+    <dgm:txPr/>
+    <dgm:style>
+      <a:lnRef idx="2">
+        <a:scrgbClr r="0" g="0" b="0"/>
+      </a:lnRef>
+      <a:fillRef idx="1">
+        <a:scrgbClr r="0" g="0" b="0"/>
+      </a:fillRef>
+      <a:effectRef idx="0">
+        <a:scrgbClr r="0" g="0" b="0"/>
+      </a:effectRef>
+      <a:fontRef idx="minor"/>
+    </dgm:style>
+  </dgm:styleLbl>
+  <dgm:styleLbl name="conFgAcc1">
+    <dgm:scene3d>
+      <a:camera prst="orthographicFront"/>
+      <a:lightRig rig="threePt" dir="t"/>
+    </dgm:scene3d>
+    <dgm:sp3d/>
+    <dgm:txPr/>
+    <dgm:style>
+      <a:lnRef idx="2">
+        <a:scrgbClr r="0" g="0" b="0"/>
+      </a:lnRef>
+      <a:fillRef idx="1">
+        <a:scrgbClr r="0" g="0" b="0"/>
+      </a:fillRef>
+      <a:effectRef idx="0">
+        <a:scrgbClr r="0" g="0" b="0"/>
+      </a:effectRef>
+      <a:fontRef idx="minor"/>
+    </dgm:style>
+  </dgm:styleLbl>
+  <dgm:styleLbl name="alignAcc1">
+    <dgm:scene3d>
+      <a:camera prst="orthographicFront"/>
+      <a:lightRig rig="threePt" dir="t"/>
+    </dgm:scene3d>
+    <dgm:sp3d/>
+    <dgm:txPr/>
+    <dgm:style>
+      <a:lnRef idx="2">
+        <a:scrgbClr r="0" g="0" b="0"/>
+      </a:lnRef>
+      <a:fillRef idx="1">
+        <a:scrgbClr r="0" g="0" b="0"/>
+      </a:fillRef>
+      <a:effectRef idx="0">
+        <a:scrgbClr r="0" g="0" b="0"/>
+      </a:effectRef>
+      <a:fontRef idx="minor"/>
+    </dgm:style>
+  </dgm:styleLbl>
+  <dgm:styleLbl name="trAlignAcc1">
+    <dgm:scene3d>
+      <a:camera prst="orthographicFront"/>
+      <a:lightRig rig="threePt" dir="t"/>
+    </dgm:scene3d>
+    <dgm:sp3d/>
+    <dgm:txPr/>
+    <dgm:style>
+      <a:lnRef idx="1">
+        <a:scrgbClr r="0" g="0" b="0"/>
+      </a:lnRef>
+      <a:fillRef idx="1">
+        <a:scrgbClr r="0" g="0" b="0"/>
+      </a:fillRef>
+      <a:effectRef idx="0">
+        <a:scrgbClr r="0" g="0" b="0"/>
+      </a:effectRef>
+      <a:fontRef idx="minor"/>
+    </dgm:style>
+  </dgm:styleLbl>
+  <dgm:styleLbl name="bgAcc1">
+    <dgm:scene3d>
+      <a:camera prst="orthographicFront"/>
+      <a:lightRig rig="threePt" dir="t"/>
+    </dgm:scene3d>
+    <dgm:sp3d/>
+    <dgm:txPr/>
+    <dgm:style>
+      <a:lnRef idx="2">
+        <a:scrgbClr r="0" g="0" b="0"/>
+      </a:lnRef>
+      <a:fillRef idx="1">
+        <a:scrgbClr r="0" g="0" b="0"/>
+      </a:fillRef>
+      <a:effectRef idx="0">
+        <a:scrgbClr r="0" g="0" b="0"/>
+      </a:effectRef>
+      <a:fontRef idx="minor"/>
+    </dgm:style>
+  </dgm:styleLbl>
+  <dgm:styleLbl name="solidFgAcc1">
+    <dgm:scene3d>
+      <a:camera prst="orthographicFront"/>
+      <a:lightRig rig="threePt" dir="t"/>
+    </dgm:scene3d>
+    <dgm:sp3d/>
+    <dgm:txPr/>
+    <dgm:style>
+      <a:lnRef idx="2">
+        <a:scrgbClr r="0" g="0" b="0"/>
+      </a:lnRef>
+      <a:fillRef idx="1">
+        <a:scrgbClr r="0" g="0" b="0"/>
+      </a:fillRef>
+      <a:effectRef idx="0">
+        <a:scrgbClr r="0" g="0" b="0"/>
+      </a:effectRef>
+      <a:fontRef idx="minor"/>
+    </dgm:style>
+  </dgm:styleLbl>
+  <dgm:styleLbl name="solidAlignAcc1">
+    <dgm:scene3d>
+      <a:camera prst="orthographicFront"/>
+      <a:lightRig rig="threePt" dir="t"/>
+    </dgm:scene3d>
+    <dgm:sp3d/>
+    <dgm:txPr/>
+    <dgm:style>
+      <a:lnRef idx="2">
+        <a:scrgbClr r="0" g="0" b="0"/>
+      </a:lnRef>
+      <a:fillRef idx="1">
+        <a:scrgbClr r="0" g="0" b="0"/>
+      </a:fillRef>
+      <a:effectRef idx="0">
+        <a:scrgbClr r="0" g="0" b="0"/>
+      </a:effectRef>
+      <a:fontRef idx="minor"/>
+    </dgm:style>
+  </dgm:styleLbl>
+  <dgm:styleLbl name="solidBgAcc1">
+    <dgm:scene3d>
+      <a:camera prst="orthographicFront"/>
+      <a:lightRig rig="threePt" dir="t"/>
+    </dgm:scene3d>
+    <dgm:sp3d/>
+    <dgm:txPr/>
+    <dgm:style>
+      <a:lnRef idx="2">
+        <a:scrgbClr r="0" g="0" b="0"/>
+      </a:lnRef>
+      <a:fillRef idx="1">
+        <a:scrgbClr r="0" g="0" b="0"/>
+      </a:fillRef>
+      <a:effectRef idx="0">
+        <a:scrgbClr r="0" g="0" b="0"/>
+      </a:effectRef>
+      <a:fontRef idx="minor"/>
+    </dgm:style>
+  </dgm:styleLbl>
+  <dgm:styleLbl name="fgAccFollowNode1">
+    <dgm:scene3d>
+      <a:camera prst="orthographicFront"/>
+      <a:lightRig rig="threePt" dir="t"/>
+    </dgm:scene3d>
+    <dgm:sp3d/>
+    <dgm:txPr/>
+    <dgm:style>
+      <a:lnRef idx="2">
+        <a:scrgbClr r="0" g="0" b="0"/>
+      </a:lnRef>
+      <a:fillRef idx="1">
+        <a:scrgbClr r="0" g="0" b="0"/>
+      </a:fillRef>
+      <a:effectRef idx="0">
+        <a:scrgbClr r="0" g="0" b="0"/>
+      </a:effectRef>
+      <a:fontRef idx="minor"/>
+    </dgm:style>
+  </dgm:styleLbl>
+  <dgm:styleLbl name="alignAccFollowNode1">
+    <dgm:scene3d>
+      <a:camera prst="orthographicFront"/>
+      <a:lightRig rig="threePt" dir="t"/>
+    </dgm:scene3d>
+    <dgm:sp3d/>
+    <dgm:txPr/>
+    <dgm:style>
+      <a:lnRef idx="2">
+        <a:scrgbClr r="0" g="0" b="0"/>
+      </a:lnRef>
+      <a:fillRef idx="1">
+        <a:scrgbClr r="0" g="0" b="0"/>
+      </a:fillRef>
+      <a:effectRef idx="0">
+        <a:scrgbClr r="0" g="0" b="0"/>
+      </a:effectRef>
+      <a:fontRef idx="minor"/>
+    </dgm:style>
+  </dgm:styleLbl>
+  <dgm:styleLbl name="bgAccFollowNode1">
+    <dgm:scene3d>
+      <a:camera prst="orthographicFront"/>
+      <a:lightRig rig="threePt" dir="t"/>
+    </dgm:scene3d>
+    <dgm:sp3d/>
+    <dgm:txPr/>
+    <dgm:style>
+      <a:lnRef idx="2">
+        <a:scrgbClr r="0" g="0" b="0"/>
+      </a:lnRef>
+      <a:fillRef idx="1">
+        <a:scrgbClr r="0" g="0" b="0"/>
+      </a:fillRef>
+      <a:effectRef idx="0">
+        <a:scrgbClr r="0" g="0" b="0"/>
+      </a:effectRef>
+      <a:fontRef idx="minor"/>
+    </dgm:style>
+  </dgm:styleLbl>
+  <dgm:styleLbl name="fgAcc0">
+    <dgm:scene3d>
+      <a:camera prst="orthographicFront"/>
+      <a:lightRig rig="threePt" dir="t"/>
+    </dgm:scene3d>
+    <dgm:sp3d/>
+    <dgm:txPr/>
+    <dgm:style>
+      <a:lnRef idx="2">
+        <a:scrgbClr r="0" g="0" b="0"/>
+      </a:lnRef>
+      <a:fillRef idx="1">
+        <a:scrgbClr r="0" g="0" b="0"/>
+      </a:fillRef>
+      <a:effectRef idx="0">
+        <a:scrgbClr r="0" g="0" b="0"/>
+      </a:effectRef>
+      <a:fontRef idx="minor"/>
+    </dgm:style>
+  </dgm:styleLbl>
+  <dgm:styleLbl name="fgAcc2">
+    <dgm:scene3d>
+      <a:camera prst="orthographicFront"/>
+      <a:lightRig rig="threePt" dir="t"/>
+    </dgm:scene3d>
+    <dgm:sp3d/>
+    <dgm:txPr/>
+    <dgm:style>
+      <a:lnRef idx="2">
+        <a:scrgbClr r="0" g="0" b="0"/>
+      </a:lnRef>
+      <a:fillRef idx="1">
+        <a:scrgbClr r="0" g="0" b="0"/>
+      </a:fillRef>
+      <a:effectRef idx="0">
+        <a:scrgbClr r="0" g="0" b="0"/>
+      </a:effectRef>
+      <a:fontRef idx="minor"/>
+    </dgm:style>
+  </dgm:styleLbl>
+  <dgm:styleLbl name="fgAcc3">
+    <dgm:scene3d>
+      <a:camera prst="orthographicFront"/>
+      <a:lightRig rig="threePt" dir="t"/>
+    </dgm:scene3d>
+    <dgm:sp3d/>
+    <dgm:txPr/>
+    <dgm:style>
+      <a:lnRef idx="2">
+        <a:scrgbClr r="0" g="0" b="0"/>
+      </a:lnRef>
+      <a:fillRef idx="1">
+        <a:scrgbClr r="0" g="0" b="0"/>
+      </a:fillRef>
+      <a:effectRef idx="0">
+        <a:scrgbClr r="0" g="0" b="0"/>
+      </a:effectRef>
+      <a:fontRef idx="minor"/>
+    </dgm:style>
+  </dgm:styleLbl>
+  <dgm:styleLbl name="fgAcc4">
+    <dgm:scene3d>
+      <a:camera prst="orthographicFront"/>
+      <a:lightRig rig="threePt" dir="t"/>
+    </dgm:scene3d>
+    <dgm:sp3d/>
+    <dgm:txPr/>
+    <dgm:style>
+      <a:lnRef idx="2">
+        <a:scrgbClr r="0" g="0" b="0"/>
+      </a:lnRef>
+      <a:fillRef idx="1">
+        <a:scrgbClr r="0" g="0" b="0"/>
+      </a:fillRef>
+      <a:effectRef idx="0">
+        <a:scrgbClr r="0" g="0" b="0"/>
+      </a:effectRef>
+      <a:fontRef idx="minor"/>
+    </dgm:style>
+  </dgm:styleLbl>
+  <dgm:styleLbl name="bgShp">
+    <dgm:scene3d>
+      <a:camera prst="orthographicFront"/>
+      <a:lightRig rig="threePt" dir="t"/>
+    </dgm:scene3d>
+    <dgm:sp3d/>
+    <dgm:txPr/>
+    <dgm:style>
+      <a:lnRef idx="0">
+        <a:scrgbClr r="0" g="0" b="0"/>
+      </a:lnRef>
+      <a:fillRef idx="1">
+        <a:scrgbClr r="0" g="0" b="0"/>
+      </a:fillRef>
+      <a:effectRef idx="0">
+        <a:scrgbClr r="0" g="0" b="0"/>
+      </a:effectRef>
+      <a:fontRef idx="minor"/>
+    </dgm:style>
+  </dgm:styleLbl>
+  <dgm:styleLbl name="dkBgShp">
+    <dgm:scene3d>
+      <a:camera prst="orthographicFront"/>
+      <a:lightRig rig="threePt" dir="t"/>
+    </dgm:scene3d>
+    <dgm:sp3d/>
+    <dgm:txPr/>
+    <dgm:style>
+      <a:lnRef idx="0">
+        <a:scrgbClr r="0" g="0" b="0"/>
+      </a:lnRef>
+      <a:fillRef idx="1">
+        <a:scrgbClr r="0" g="0" b="0"/>
+      </a:fillRef>
+      <a:effectRef idx="0">
+        <a:scrgbClr r="0" g="0" b="0"/>
+      </a:effectRef>
+      <a:fontRef idx="minor"/>
+    </dgm:style>
+  </dgm:styleLbl>
+  <dgm:styleLbl name="trBgShp">
+    <dgm:scene3d>
+      <a:camera prst="orthographicFront"/>
+      <a:lightRig rig="threePt" dir="t"/>
+    </dgm:scene3d>
+    <dgm:sp3d/>
+    <dgm:txPr/>
+    <dgm:style>
+      <a:lnRef idx="0">
+        <a:scrgbClr r="0" g="0" b="0"/>
+      </a:lnRef>
+      <a:fillRef idx="1">
+        <a:scrgbClr r="0" g="0" b="0"/>
+      </a:fillRef>
+      <a:effectRef idx="0">
+        <a:scrgbClr r="0" g="0" b="0"/>
+      </a:effectRef>
+      <a:fontRef idx="minor"/>
+    </dgm:style>
+  </dgm:styleLbl>
+  <dgm:styleLbl name="fgShp">
+    <dgm:scene3d>
+      <a:camera prst="orthographicFront"/>
+      <a:lightRig rig="threePt" dir="t"/>
+    </dgm:scene3d>
+    <dgm:sp3d/>
+    <dgm:txPr/>
+    <dgm:style>
+      <a:lnRef idx="2">
+        <a:scrgbClr r="0" g="0" b="0"/>
+      </a:lnRef>
+      <a:fillRef idx="1">
+        <a:scrgbClr r="0" g="0" b="0"/>
+      </a:fillRef>
+      <a:effectRef idx="0">
+        <a:scrgbClr r="0" g="0" b="0"/>
+      </a:effectRef>
+      <a:fontRef idx="minor"/>
+    </dgm:style>
+  </dgm:styleLbl>
+  <dgm:styleLbl name="revTx">
+    <dgm:scene3d>
+      <a:camera prst="orthographicFront"/>
+      <a:lightRig rig="threePt" dir="t"/>
+    </dgm:scene3d>
+    <dgm:sp3d/>
+    <dgm:txPr/>
+    <dgm:style>
+      <a:lnRef idx="0">
+        <a:scrgbClr r="0" g="0" b="0"/>
+      </a:lnRef>
+      <a:fillRef idx="0">
+        <a:scrgbClr r="0" g="0" b="0"/>
+      </a:fillRef>
+      <a:effectRef idx="0">
+        <a:scrgbClr r="0" g="0" b="0"/>
+      </a:effectRef>
+      <a:fontRef idx="minor"/>
+    </dgm:style>
+  </dgm:styleLbl>
+</dgm:styleDef>
+</file>
+
 <file path=ppt/diagrams/quickStyle2.xml><?xml version="1.0" encoding="utf-8"?>
 <dgm:styleDef xmlns:dgm="http://schemas.openxmlformats.org/drawingml/2006/diagram" xmlns:a="http://schemas.openxmlformats.org/drawingml/2006/main" uniqueId="urn:microsoft.com/office/officeart/2005/8/quickstyle/simple1">
   <dgm:title val=""/>
@@ -30248,7 +32358,7 @@
           <a:p>
             <a:fld id="{78BE235D-35EF-4DDC-B38A-20AF4175DF32}" type="datetimeFigureOut">
               <a:rPr kumimoji="1" lang="ja-JP" altLang="en-US" smtClean="0"/>
-              <a:t>2013/9/29</a:t>
+              <a:t>2013/10/18</a:t>
             </a:fld>
             <a:endParaRPr kumimoji="1" lang="ja-JP" altLang="en-US"/>
           </a:p>
@@ -30677,6 +32787,94 @@
           <a:lstStyle/>
           <a:p>
             <a:r>
+              <a:rPr kumimoji="1" lang="ja-JP" altLang="en-US" dirty="0" smtClean="0"/>
+              <a:t>これを機にマイホーム将棋生活をはじめよう</a:t>
+            </a:r>
+            <a:endParaRPr kumimoji="1" lang="ja-JP" altLang="en-US" dirty="0"/>
+          </a:p>
+        </p:txBody>
+      </p:sp>
+      <p:sp>
+        <p:nvSpPr>
+          <p:cNvPr id="4" name="スライド番号プレースホルダー 3"/>
+          <p:cNvSpPr>
+            <a:spLocks noGrp="1"/>
+          </p:cNvSpPr>
+          <p:nvPr>
+            <p:ph type="sldNum" sz="quarter" idx="10"/>
+          </p:nvPr>
+        </p:nvSpPr>
+        <p:spPr/>
+        <p:txBody>
+          <a:bodyPr/>
+          <a:lstStyle/>
+          <a:p>
+            <a:fld id="{766B256E-8A59-462D-8F91-0479EACADCD1}" type="slidenum">
+              <a:rPr kumimoji="1" lang="ja-JP" altLang="en-US" smtClean="0"/>
+              <a:t>7</a:t>
+            </a:fld>
+            <a:endParaRPr kumimoji="1" lang="ja-JP" altLang="en-US"/>
+          </a:p>
+        </p:txBody>
+      </p:sp>
+    </p:spTree>
+    <p:extLst>
+      <p:ext uri="{BB962C8B-B14F-4D97-AF65-F5344CB8AC3E}">
+        <p14:creationId xmlns:p14="http://schemas.microsoft.com/office/powerpoint/2010/main" val="1211470375"/>
+      </p:ext>
+    </p:extLst>
+  </p:cSld>
+  <p:clrMapOvr>
+    <a:masterClrMapping/>
+  </p:clrMapOvr>
+</p:notes>
+</file>
+
+<file path=ppt/notesSlides/notesSlide3.xml><?xml version="1.0" encoding="utf-8"?>
+<p:notes xmlns:a="http://schemas.openxmlformats.org/drawingml/2006/main" xmlns:r="http://schemas.openxmlformats.org/officeDocument/2006/relationships" xmlns:p="http://schemas.openxmlformats.org/presentationml/2006/main">
+  <p:cSld>
+    <p:spTree>
+      <p:nvGrpSpPr>
+        <p:cNvPr id="1" name=""/>
+        <p:cNvGrpSpPr/>
+        <p:nvPr/>
+      </p:nvGrpSpPr>
+      <p:grpSpPr>
+        <a:xfrm>
+          <a:off x="0" y="0"/>
+          <a:ext cx="0" cy="0"/>
+          <a:chOff x="0" y="0"/>
+          <a:chExt cx="0" cy="0"/>
+        </a:xfrm>
+      </p:grpSpPr>
+      <p:sp>
+        <p:nvSpPr>
+          <p:cNvPr id="2" name="スライド イメージ プレースホルダー 1"/>
+          <p:cNvSpPr>
+            <a:spLocks noGrp="1" noRot="1" noChangeAspect="1"/>
+          </p:cNvSpPr>
+          <p:nvPr>
+            <p:ph type="sldImg"/>
+          </p:nvPr>
+        </p:nvSpPr>
+        <p:spPr/>
+      </p:sp>
+      <p:sp>
+        <p:nvSpPr>
+          <p:cNvPr id="3" name="ノート プレースホルダー 2"/>
+          <p:cNvSpPr>
+            <a:spLocks noGrp="1"/>
+          </p:cNvSpPr>
+          <p:nvPr>
+            <p:ph type="body" idx="1"/>
+          </p:nvPr>
+        </p:nvSpPr>
+        <p:spPr/>
+        <p:txBody>
+          <a:bodyPr/>
+          <a:lstStyle/>
+          <a:p>
+            <a:r>
               <a:rPr kumimoji="1" lang="en-US" altLang="ja-JP" dirty="0" smtClean="0"/>
               <a:t>7</a:t>
             </a:r>
@@ -30713,7 +32911,7 @@
           <a:p>
             <a:fld id="{766B256E-8A59-462D-8F91-0479EACADCD1}" type="slidenum">
               <a:rPr kumimoji="1" lang="ja-JP" altLang="en-US" smtClean="0"/>
-              <a:t>22</a:t>
+              <a:t>24</a:t>
             </a:fld>
             <a:endParaRPr kumimoji="1" lang="ja-JP" altLang="en-US"/>
           </a:p>
@@ -30913,7 +33111,7 @@
           <a:p>
             <a:fld id="{8ACE41F9-F1FD-4193-93ED-1A6B12840B1F}" type="datetimeFigureOut">
               <a:rPr kumimoji="1" lang="ja-JP" altLang="en-US" smtClean="0"/>
-              <a:t>2013/9/29</a:t>
+              <a:t>2013/10/18</a:t>
             </a:fld>
             <a:endParaRPr kumimoji="1" lang="ja-JP" altLang="en-US"/>
           </a:p>
@@ -31115,7 +33313,7 @@
           <a:p>
             <a:fld id="{8ACE41F9-F1FD-4193-93ED-1A6B12840B1F}" type="datetimeFigureOut">
               <a:rPr kumimoji="1" lang="ja-JP" altLang="en-US" smtClean="0"/>
-              <a:t>2013/9/29</a:t>
+              <a:t>2013/10/18</a:t>
             </a:fld>
             <a:endParaRPr kumimoji="1" lang="ja-JP" altLang="en-US"/>
           </a:p>
@@ -31327,7 +33525,7 @@
           <a:p>
             <a:fld id="{8ACE41F9-F1FD-4193-93ED-1A6B12840B1F}" type="datetimeFigureOut">
               <a:rPr kumimoji="1" lang="ja-JP" altLang="en-US" smtClean="0"/>
-              <a:t>2013/9/29</a:t>
+              <a:t>2013/10/18</a:t>
             </a:fld>
             <a:endParaRPr kumimoji="1" lang="ja-JP" altLang="en-US"/>
           </a:p>
@@ -31529,7 +33727,7 @@
           <a:p>
             <a:fld id="{8ACE41F9-F1FD-4193-93ED-1A6B12840B1F}" type="datetimeFigureOut">
               <a:rPr kumimoji="1" lang="ja-JP" altLang="en-US" smtClean="0"/>
-              <a:t>2013/9/29</a:t>
+              <a:t>2013/10/18</a:t>
             </a:fld>
             <a:endParaRPr kumimoji="1" lang="ja-JP" altLang="en-US"/>
           </a:p>
@@ -31775,7 +33973,7 @@
           <a:p>
             <a:fld id="{8ACE41F9-F1FD-4193-93ED-1A6B12840B1F}" type="datetimeFigureOut">
               <a:rPr kumimoji="1" lang="ja-JP" altLang="en-US" smtClean="0"/>
-              <a:t>2013/9/29</a:t>
+              <a:t>2013/10/18</a:t>
             </a:fld>
             <a:endParaRPr kumimoji="1" lang="ja-JP" altLang="en-US"/>
           </a:p>
@@ -32127,7 +34325,7 @@
           <a:p>
             <a:fld id="{8ACE41F9-F1FD-4193-93ED-1A6B12840B1F}" type="datetimeFigureOut">
               <a:rPr kumimoji="1" lang="ja-JP" altLang="en-US" smtClean="0"/>
-              <a:t>2013/9/29</a:t>
+              <a:t>2013/10/18</a:t>
             </a:fld>
             <a:endParaRPr kumimoji="1" lang="ja-JP" altLang="en-US"/>
           </a:p>
@@ -32613,7 +34811,7 @@
           <a:p>
             <a:fld id="{8ACE41F9-F1FD-4193-93ED-1A6B12840B1F}" type="datetimeFigureOut">
               <a:rPr kumimoji="1" lang="ja-JP" altLang="en-US" smtClean="0"/>
-              <a:t>2013/9/29</a:t>
+              <a:t>2013/10/18</a:t>
             </a:fld>
             <a:endParaRPr kumimoji="1" lang="ja-JP" altLang="en-US"/>
           </a:p>
@@ -32731,7 +34929,7 @@
           <a:p>
             <a:fld id="{8ACE41F9-F1FD-4193-93ED-1A6B12840B1F}" type="datetimeFigureOut">
               <a:rPr kumimoji="1" lang="ja-JP" altLang="en-US" smtClean="0"/>
-              <a:t>2013/9/29</a:t>
+              <a:t>2013/10/18</a:t>
             </a:fld>
             <a:endParaRPr kumimoji="1" lang="ja-JP" altLang="en-US"/>
           </a:p>
@@ -32826,7 +35024,7 @@
           <a:p>
             <a:fld id="{8ACE41F9-F1FD-4193-93ED-1A6B12840B1F}" type="datetimeFigureOut">
               <a:rPr kumimoji="1" lang="ja-JP" altLang="en-US" smtClean="0"/>
-              <a:t>2013/9/29</a:t>
+              <a:t>2013/10/18</a:t>
             </a:fld>
             <a:endParaRPr kumimoji="1" lang="ja-JP" altLang="en-US"/>
           </a:p>
@@ -33135,7 +35333,7 @@
           <a:p>
             <a:fld id="{8ACE41F9-F1FD-4193-93ED-1A6B12840B1F}" type="datetimeFigureOut">
               <a:rPr kumimoji="1" lang="ja-JP" altLang="en-US" smtClean="0"/>
-              <a:t>2013/9/29</a:t>
+              <a:t>2013/10/18</a:t>
             </a:fld>
             <a:endParaRPr kumimoji="1" lang="ja-JP" altLang="en-US"/>
           </a:p>
@@ -33388,7 +35586,7 @@
           <a:p>
             <a:fld id="{8ACE41F9-F1FD-4193-93ED-1A6B12840B1F}" type="datetimeFigureOut">
               <a:rPr kumimoji="1" lang="ja-JP" altLang="en-US" smtClean="0"/>
-              <a:t>2013/9/29</a:t>
+              <a:t>2013/10/18</a:t>
             </a:fld>
             <a:endParaRPr kumimoji="1" lang="ja-JP" altLang="en-US"/>
           </a:p>
@@ -33633,7 +35831,7 @@
           <a:p>
             <a:fld id="{8ACE41F9-F1FD-4193-93ED-1A6B12840B1F}" type="datetimeFigureOut">
               <a:rPr kumimoji="1" lang="ja-JP" altLang="en-US" smtClean="0"/>
-              <a:t>2013/9/29</a:t>
+              <a:t>2013/10/18</a:t>
             </a:fld>
             <a:endParaRPr kumimoji="1" lang="ja-JP" altLang="en-US"/>
           </a:p>
@@ -34130,6 +36328,107 @@
           <a:chExt cx="0" cy="0"/>
         </a:xfrm>
       </p:grpSpPr>
+      <p:sp>
+        <p:nvSpPr>
+          <p:cNvPr id="2" name="タイトル 1"/>
+          <p:cNvSpPr>
+            <a:spLocks noGrp="1"/>
+          </p:cNvSpPr>
+          <p:nvPr>
+            <p:ph type="title"/>
+          </p:nvPr>
+        </p:nvSpPr>
+        <p:spPr/>
+        <p:txBody>
+          <a:bodyPr/>
+          <a:lstStyle/>
+          <a:p>
+            <a:r>
+              <a:rPr kumimoji="1" lang="ja-JP" altLang="en-US" dirty="0" smtClean="0">
+                <a:latin typeface="メイリオ" pitchFamily="50" charset="-128"/>
+                <a:ea typeface="メイリオ" pitchFamily="50" charset="-128"/>
+                <a:cs typeface="メイリオ" pitchFamily="50" charset="-128"/>
+              </a:rPr>
+              <a:t>相居飛車戦</a:t>
+            </a:r>
+            <a:r>
+              <a:rPr lang="ja-JP" altLang="en-US" dirty="0" smtClean="0">
+                <a:latin typeface="メイリオ" pitchFamily="50" charset="-128"/>
+                <a:ea typeface="メイリオ" pitchFamily="50" charset="-128"/>
+                <a:cs typeface="メイリオ" pitchFamily="50" charset="-128"/>
+              </a:rPr>
+              <a:t>の種類</a:t>
+            </a:r>
+            <a:endParaRPr kumimoji="1" lang="ja-JP" altLang="en-US" dirty="0">
+              <a:latin typeface="メイリオ" pitchFamily="50" charset="-128"/>
+              <a:ea typeface="メイリオ" pitchFamily="50" charset="-128"/>
+              <a:cs typeface="メイリオ" pitchFamily="50" charset="-128"/>
+            </a:endParaRPr>
+          </a:p>
+        </p:txBody>
+      </p:sp>
+      <p:graphicFrame>
+        <p:nvGraphicFramePr>
+          <p:cNvPr id="4" name="コンテンツ プレースホルダー 3"/>
+          <p:cNvGraphicFramePr>
+            <a:graphicFrameLocks noGrp="1"/>
+          </p:cNvGraphicFramePr>
+          <p:nvPr>
+            <p:ph idx="1"/>
+            <p:extLst>
+              <p:ext uri="{D42A27DB-BD31-4B8C-83A1-F6EECF244321}">
+                <p14:modId xmlns:p14="http://schemas.microsoft.com/office/powerpoint/2010/main" val="2481185985"/>
+              </p:ext>
+            </p:extLst>
+          </p:nvPr>
+        </p:nvGraphicFramePr>
+        <p:xfrm>
+          <a:off x="457200" y="1600200"/>
+          <a:ext cx="8229600" cy="4525963"/>
+        </p:xfrm>
+        <a:graphic>
+          <a:graphicData uri="http://schemas.openxmlformats.org/drawingml/2006/diagram">
+            <dgm:relIds xmlns:dgm="http://schemas.openxmlformats.org/drawingml/2006/diagram" xmlns:r="http://schemas.openxmlformats.org/officeDocument/2006/relationships" r:dm="rId2" r:lo="rId3" r:qs="rId4" r:cs="rId5"/>
+          </a:graphicData>
+        </a:graphic>
+      </p:graphicFrame>
+    </p:spTree>
+    <p:extLst>
+      <p:ext uri="{BB962C8B-B14F-4D97-AF65-F5344CB8AC3E}">
+        <p14:creationId xmlns:p14="http://schemas.microsoft.com/office/powerpoint/2010/main" val="173819026"/>
+      </p:ext>
+    </p:extLst>
+  </p:cSld>
+  <p:clrMapOvr>
+    <a:masterClrMapping/>
+  </p:clrMapOvr>
+  <p:timing>
+    <p:tnLst>
+      <p:par>
+        <p:cTn id="1" dur="indefinite" restart="never" nodeType="tmRoot"/>
+      </p:par>
+    </p:tnLst>
+  </p:timing>
+</p:sld>
+</file>
+
+<file path=ppt/slides/slide11.xml><?xml version="1.0" encoding="utf-8"?>
+<p:sld xmlns:a="http://schemas.openxmlformats.org/drawingml/2006/main" xmlns:r="http://schemas.openxmlformats.org/officeDocument/2006/relationships" xmlns:p="http://schemas.openxmlformats.org/presentationml/2006/main">
+  <p:cSld>
+    <p:spTree>
+      <p:nvGrpSpPr>
+        <p:cNvPr id="1" name=""/>
+        <p:cNvGrpSpPr/>
+        <p:nvPr/>
+      </p:nvGrpSpPr>
+      <p:grpSpPr>
+        <a:xfrm>
+          <a:off x="0" y="0"/>
+          <a:ext cx="0" cy="0"/>
+          <a:chOff x="0" y="0"/>
+          <a:chExt cx="0" cy="0"/>
+        </a:xfrm>
+      </p:grpSpPr>
       <p:graphicFrame>
         <p:nvGraphicFramePr>
           <p:cNvPr id="6" name="図表 5"/>
@@ -34597,7 +36896,7 @@
 </p:sld>
 </file>
 
-<file path=ppt/slides/slide11.xml><?xml version="1.0" encoding="utf-8"?>
+<file path=ppt/slides/slide12.xml><?xml version="1.0" encoding="utf-8"?>
 <p:sld xmlns:a="http://schemas.openxmlformats.org/drawingml/2006/main" xmlns:r="http://schemas.openxmlformats.org/officeDocument/2006/relationships" xmlns:p="http://schemas.openxmlformats.org/presentationml/2006/main">
   <p:cSld>
     <p:spTree>
@@ -35042,7 +37341,7 @@
 </p:sld>
 </file>
 
-<file path=ppt/slides/slide12.xml><?xml version="1.0" encoding="utf-8"?>
+<file path=ppt/slides/slide13.xml><?xml version="1.0" encoding="utf-8"?>
 <p:sld xmlns:a="http://schemas.openxmlformats.org/drawingml/2006/main" xmlns:r="http://schemas.openxmlformats.org/officeDocument/2006/relationships" xmlns:p="http://schemas.openxmlformats.org/presentationml/2006/main">
   <p:cSld>
     <p:spTree>
@@ -35492,7 +37791,7 @@
 </p:sld>
 </file>
 
-<file path=ppt/slides/slide13.xml><?xml version="1.0" encoding="utf-8"?>
+<file path=ppt/slides/slide14.xml><?xml version="1.0" encoding="utf-8"?>
 <p:sld xmlns:a="http://schemas.openxmlformats.org/drawingml/2006/main" xmlns:r="http://schemas.openxmlformats.org/officeDocument/2006/relationships" xmlns:p="http://schemas.openxmlformats.org/presentationml/2006/main">
   <p:cSld>
     <p:spTree>
@@ -35952,7 +38251,503 @@
 </p:sld>
 </file>
 
-<file path=ppt/slides/slide14.xml><?xml version="1.0" encoding="utf-8"?>
+<file path=ppt/slides/slide15.xml><?xml version="1.0" encoding="utf-8"?>
+<p:sld xmlns:a="http://schemas.openxmlformats.org/drawingml/2006/main" xmlns:r="http://schemas.openxmlformats.org/officeDocument/2006/relationships" xmlns:p="http://schemas.openxmlformats.org/presentationml/2006/main">
+  <p:cSld>
+    <p:spTree>
+      <p:nvGrpSpPr>
+        <p:cNvPr id="1" name=""/>
+        <p:cNvGrpSpPr/>
+        <p:nvPr/>
+      </p:nvGrpSpPr>
+      <p:grpSpPr>
+        <a:xfrm>
+          <a:off x="0" y="0"/>
+          <a:ext cx="0" cy="0"/>
+          <a:chOff x="0" y="0"/>
+          <a:chExt cx="0" cy="0"/>
+        </a:xfrm>
+      </p:grpSpPr>
+      <p:sp>
+        <p:nvSpPr>
+          <p:cNvPr id="5" name="タイトル 4"/>
+          <p:cNvSpPr>
+            <a:spLocks noGrp="1"/>
+          </p:cNvSpPr>
+          <p:nvPr>
+            <p:ph type="title"/>
+          </p:nvPr>
+        </p:nvSpPr>
+        <p:spPr/>
+        <p:txBody>
+          <a:bodyPr>
+            <a:normAutofit/>
+          </a:bodyPr>
+          <a:lstStyle/>
+          <a:p>
+            <a:r>
+              <a:rPr kumimoji="1" lang="en-US" altLang="ja-JP" dirty="0" smtClean="0">
+                <a:latin typeface="メイリオ" panose="020B0604030504040204" pitchFamily="50" charset="-128"/>
+                <a:ea typeface="メイリオ" panose="020B0604030504040204" pitchFamily="50" charset="-128"/>
+                <a:cs typeface="メイリオ" panose="020B0604030504040204" pitchFamily="50" charset="-128"/>
+              </a:rPr>
+              <a:t>4</a:t>
+            </a:r>
+            <a:r>
+              <a:rPr kumimoji="1" lang="ja-JP" altLang="en-US" dirty="0" smtClean="0">
+                <a:latin typeface="メイリオ" panose="020B0604030504040204" pitchFamily="50" charset="-128"/>
+                <a:ea typeface="メイリオ" panose="020B0604030504040204" pitchFamily="50" charset="-128"/>
+                <a:cs typeface="メイリオ" panose="020B0604030504040204" pitchFamily="50" charset="-128"/>
+              </a:rPr>
+              <a:t>戦型の傾向（個人的見解）</a:t>
+            </a:r>
+            <a:endParaRPr kumimoji="1" lang="ja-JP" altLang="en-US" dirty="0">
+              <a:latin typeface="メイリオ" panose="020B0604030504040204" pitchFamily="50" charset="-128"/>
+              <a:ea typeface="メイリオ" panose="020B0604030504040204" pitchFamily="50" charset="-128"/>
+              <a:cs typeface="メイリオ" panose="020B0604030504040204" pitchFamily="50" charset="-128"/>
+            </a:endParaRPr>
+          </a:p>
+        </p:txBody>
+      </p:sp>
+      <p:graphicFrame>
+        <p:nvGraphicFramePr>
+          <p:cNvPr id="6" name="図表 5"/>
+          <p:cNvGraphicFramePr/>
+          <p:nvPr>
+            <p:extLst>
+              <p:ext uri="{D42A27DB-BD31-4B8C-83A1-F6EECF244321}">
+                <p14:modId xmlns:p14="http://schemas.microsoft.com/office/powerpoint/2010/main" val="3787454060"/>
+              </p:ext>
+            </p:extLst>
+          </p:nvPr>
+        </p:nvGraphicFramePr>
+        <p:xfrm>
+          <a:off x="1043608" y="1916832"/>
+          <a:ext cx="7128792" cy="4248472"/>
+        </p:xfrm>
+        <a:graphic>
+          <a:graphicData uri="http://schemas.openxmlformats.org/drawingml/2006/diagram">
+            <dgm:relIds xmlns:dgm="http://schemas.openxmlformats.org/drawingml/2006/diagram" xmlns:r="http://schemas.openxmlformats.org/officeDocument/2006/relationships" r:dm="rId2" r:lo="rId3" r:qs="rId4" r:cs="rId5"/>
+          </a:graphicData>
+        </a:graphic>
+      </p:graphicFrame>
+      <p:sp>
+        <p:nvSpPr>
+          <p:cNvPr id="7" name="テキスト ボックス 6"/>
+          <p:cNvSpPr txBox="1"/>
+          <p:nvPr/>
+        </p:nvSpPr>
+        <p:spPr>
+          <a:xfrm>
+            <a:off x="6876256" y="3831431"/>
+            <a:ext cx="1152128" cy="461665"/>
+          </a:xfrm>
+          <a:prstGeom prst="rect">
+            <a:avLst/>
+          </a:prstGeom>
+          <a:noFill/>
+        </p:spPr>
+        <p:txBody>
+          <a:bodyPr wrap="square" rtlCol="0">
+            <a:spAutoFit/>
+          </a:bodyPr>
+          <a:lstStyle/>
+          <a:p>
+            <a:r>
+              <a:rPr kumimoji="1" lang="ja-JP" altLang="en-US" sz="2400" dirty="0" smtClean="0">
+                <a:latin typeface="メイリオ" panose="020B0604030504040204" pitchFamily="50" charset="-128"/>
+                <a:ea typeface="メイリオ" panose="020B0604030504040204" pitchFamily="50" charset="-128"/>
+                <a:cs typeface="メイリオ" panose="020B0604030504040204" pitchFamily="50" charset="-128"/>
+              </a:rPr>
+              <a:t>重装備</a:t>
+            </a:r>
+            <a:endParaRPr kumimoji="1" lang="ja-JP" altLang="en-US" sz="2400" dirty="0">
+              <a:latin typeface="メイリオ" panose="020B0604030504040204" pitchFamily="50" charset="-128"/>
+              <a:ea typeface="メイリオ" panose="020B0604030504040204" pitchFamily="50" charset="-128"/>
+              <a:cs typeface="メイリオ" panose="020B0604030504040204" pitchFamily="50" charset="-128"/>
+            </a:endParaRPr>
+          </a:p>
+        </p:txBody>
+      </p:sp>
+      <p:sp>
+        <p:nvSpPr>
+          <p:cNvPr id="8" name="テキスト ボックス 7"/>
+          <p:cNvSpPr txBox="1"/>
+          <p:nvPr/>
+        </p:nvSpPr>
+        <p:spPr>
+          <a:xfrm>
+            <a:off x="1187624" y="3861048"/>
+            <a:ext cx="1152128" cy="461665"/>
+          </a:xfrm>
+          <a:prstGeom prst="rect">
+            <a:avLst/>
+          </a:prstGeom>
+          <a:noFill/>
+        </p:spPr>
+        <p:txBody>
+          <a:bodyPr wrap="square" rtlCol="0">
+            <a:spAutoFit/>
+          </a:bodyPr>
+          <a:lstStyle/>
+          <a:p>
+            <a:r>
+              <a:rPr kumimoji="1" lang="ja-JP" altLang="en-US" sz="2400" dirty="0" smtClean="0">
+                <a:latin typeface="メイリオ" panose="020B0604030504040204" pitchFamily="50" charset="-128"/>
+                <a:ea typeface="メイリオ" panose="020B0604030504040204" pitchFamily="50" charset="-128"/>
+                <a:cs typeface="メイリオ" panose="020B0604030504040204" pitchFamily="50" charset="-128"/>
+              </a:rPr>
+              <a:t>紙装甲</a:t>
+            </a:r>
+            <a:endParaRPr kumimoji="1" lang="ja-JP" altLang="en-US" sz="2400" dirty="0">
+              <a:latin typeface="メイリオ" panose="020B0604030504040204" pitchFamily="50" charset="-128"/>
+              <a:ea typeface="メイリオ" panose="020B0604030504040204" pitchFamily="50" charset="-128"/>
+              <a:cs typeface="メイリオ" panose="020B0604030504040204" pitchFamily="50" charset="-128"/>
+            </a:endParaRPr>
+          </a:p>
+        </p:txBody>
+      </p:sp>
+      <p:sp>
+        <p:nvSpPr>
+          <p:cNvPr id="10" name="テキスト ボックス 9"/>
+          <p:cNvSpPr txBox="1"/>
+          <p:nvPr/>
+        </p:nvSpPr>
+        <p:spPr>
+          <a:xfrm>
+            <a:off x="3964872" y="1455167"/>
+            <a:ext cx="1296144" cy="461665"/>
+          </a:xfrm>
+          <a:prstGeom prst="rect">
+            <a:avLst/>
+          </a:prstGeom>
+          <a:noFill/>
+        </p:spPr>
+        <p:txBody>
+          <a:bodyPr wrap="square" rtlCol="0">
+            <a:spAutoFit/>
+          </a:bodyPr>
+          <a:lstStyle/>
+          <a:p>
+            <a:pPr algn="ctr"/>
+            <a:r>
+              <a:rPr kumimoji="1" lang="ja-JP" altLang="en-US" sz="2400" dirty="0" smtClean="0">
+                <a:latin typeface="メイリオ" panose="020B0604030504040204" pitchFamily="50" charset="-128"/>
+                <a:ea typeface="メイリオ" panose="020B0604030504040204" pitchFamily="50" charset="-128"/>
+                <a:cs typeface="メイリオ" panose="020B0604030504040204" pitchFamily="50" charset="-128"/>
+              </a:rPr>
+              <a:t>直線的</a:t>
+            </a:r>
+            <a:endParaRPr kumimoji="1" lang="ja-JP" altLang="en-US" sz="2400" dirty="0">
+              <a:latin typeface="メイリオ" panose="020B0604030504040204" pitchFamily="50" charset="-128"/>
+              <a:ea typeface="メイリオ" panose="020B0604030504040204" pitchFamily="50" charset="-128"/>
+              <a:cs typeface="メイリオ" panose="020B0604030504040204" pitchFamily="50" charset="-128"/>
+            </a:endParaRPr>
+          </a:p>
+        </p:txBody>
+      </p:sp>
+      <p:sp>
+        <p:nvSpPr>
+          <p:cNvPr id="11" name="テキスト ボックス 10"/>
+          <p:cNvSpPr txBox="1"/>
+          <p:nvPr/>
+        </p:nvSpPr>
+        <p:spPr>
+          <a:xfrm>
+            <a:off x="3783680" y="6279703"/>
+            <a:ext cx="1656184" cy="461665"/>
+          </a:xfrm>
+          <a:prstGeom prst="rect">
+            <a:avLst/>
+          </a:prstGeom>
+          <a:noFill/>
+        </p:spPr>
+        <p:txBody>
+          <a:bodyPr wrap="square" rtlCol="0">
+            <a:spAutoFit/>
+          </a:bodyPr>
+          <a:lstStyle/>
+          <a:p>
+            <a:pPr algn="ctr"/>
+            <a:r>
+              <a:rPr kumimoji="1" lang="ja-JP" altLang="en-US" sz="2400" dirty="0" smtClean="0">
+                <a:latin typeface="メイリオ" panose="020B0604030504040204" pitchFamily="50" charset="-128"/>
+                <a:ea typeface="メイリオ" panose="020B0604030504040204" pitchFamily="50" charset="-128"/>
+                <a:cs typeface="メイリオ" panose="020B0604030504040204" pitchFamily="50" charset="-128"/>
+              </a:rPr>
+              <a:t>手が広い</a:t>
+            </a:r>
+            <a:endParaRPr kumimoji="1" lang="ja-JP" altLang="en-US" sz="2400" dirty="0">
+              <a:latin typeface="メイリオ" panose="020B0604030504040204" pitchFamily="50" charset="-128"/>
+              <a:ea typeface="メイリオ" panose="020B0604030504040204" pitchFamily="50" charset="-128"/>
+              <a:cs typeface="メイリオ" panose="020B0604030504040204" pitchFamily="50" charset="-128"/>
+            </a:endParaRPr>
+          </a:p>
+        </p:txBody>
+      </p:sp>
+      <p:sp>
+        <p:nvSpPr>
+          <p:cNvPr id="12" name="テキスト ボックス 11"/>
+          <p:cNvSpPr txBox="1"/>
+          <p:nvPr/>
+        </p:nvSpPr>
+        <p:spPr>
+          <a:xfrm>
+            <a:off x="2627784" y="2132856"/>
+            <a:ext cx="1155896" cy="369332"/>
+          </a:xfrm>
+          <a:prstGeom prst="rect">
+            <a:avLst/>
+          </a:prstGeom>
+          <a:solidFill>
+            <a:srgbClr val="FF5050"/>
+          </a:solidFill>
+        </p:spPr>
+        <p:txBody>
+          <a:bodyPr wrap="square" rtlCol="0">
+            <a:spAutoFit/>
+          </a:bodyPr>
+          <a:lstStyle/>
+          <a:p>
+            <a:r>
+              <a:rPr kumimoji="1" lang="ja-JP" altLang="en-US" dirty="0" smtClean="0">
+                <a:solidFill>
+                  <a:schemeClr val="bg1"/>
+                </a:solidFill>
+                <a:latin typeface="メイリオ" panose="020B0604030504040204" pitchFamily="50" charset="-128"/>
+                <a:ea typeface="メイリオ" panose="020B0604030504040204" pitchFamily="50" charset="-128"/>
+                <a:cs typeface="メイリオ" panose="020B0604030504040204" pitchFamily="50" charset="-128"/>
+              </a:rPr>
+              <a:t>横歩取り</a:t>
+            </a:r>
+            <a:endParaRPr kumimoji="1" lang="ja-JP" altLang="en-US" dirty="0">
+              <a:solidFill>
+                <a:schemeClr val="bg1"/>
+              </a:solidFill>
+              <a:latin typeface="メイリオ" panose="020B0604030504040204" pitchFamily="50" charset="-128"/>
+              <a:ea typeface="メイリオ" panose="020B0604030504040204" pitchFamily="50" charset="-128"/>
+              <a:cs typeface="メイリオ" panose="020B0604030504040204" pitchFamily="50" charset="-128"/>
+            </a:endParaRPr>
+          </a:p>
+        </p:txBody>
+      </p:sp>
+      <p:sp>
+        <p:nvSpPr>
+          <p:cNvPr id="13" name="テキスト ボックス 12"/>
+          <p:cNvSpPr txBox="1"/>
+          <p:nvPr/>
+        </p:nvSpPr>
+        <p:spPr>
+          <a:xfrm>
+            <a:off x="3763924" y="3347700"/>
+            <a:ext cx="1155896" cy="369332"/>
+          </a:xfrm>
+          <a:prstGeom prst="rect">
+            <a:avLst/>
+          </a:prstGeom>
+          <a:solidFill>
+            <a:srgbClr val="00B050"/>
+          </a:solidFill>
+        </p:spPr>
+        <p:txBody>
+          <a:bodyPr wrap="square" rtlCol="0">
+            <a:spAutoFit/>
+          </a:bodyPr>
+          <a:lstStyle/>
+          <a:p>
+            <a:r>
+              <a:rPr kumimoji="1" lang="ja-JP" altLang="en-US" dirty="0" smtClean="0">
+                <a:solidFill>
+                  <a:schemeClr val="bg1"/>
+                </a:solidFill>
+                <a:latin typeface="メイリオ" panose="020B0604030504040204" pitchFamily="50" charset="-128"/>
+                <a:ea typeface="メイリオ" panose="020B0604030504040204" pitchFamily="50" charset="-128"/>
+                <a:cs typeface="メイリオ" panose="020B0604030504040204" pitchFamily="50" charset="-128"/>
+              </a:rPr>
+              <a:t>角換わり</a:t>
+            </a:r>
+            <a:endParaRPr kumimoji="1" lang="ja-JP" altLang="en-US" dirty="0">
+              <a:solidFill>
+                <a:schemeClr val="bg1"/>
+              </a:solidFill>
+              <a:latin typeface="メイリオ" panose="020B0604030504040204" pitchFamily="50" charset="-128"/>
+              <a:ea typeface="メイリオ" panose="020B0604030504040204" pitchFamily="50" charset="-128"/>
+              <a:cs typeface="メイリオ" panose="020B0604030504040204" pitchFamily="50" charset="-128"/>
+            </a:endParaRPr>
+          </a:p>
+        </p:txBody>
+      </p:sp>
+      <p:sp>
+        <p:nvSpPr>
+          <p:cNvPr id="14" name="テキスト ボックス 13"/>
+          <p:cNvSpPr txBox="1"/>
+          <p:nvPr/>
+        </p:nvSpPr>
+        <p:spPr>
+          <a:xfrm>
+            <a:off x="2987824" y="5301208"/>
+            <a:ext cx="1155896" cy="369332"/>
+          </a:xfrm>
+          <a:prstGeom prst="rect">
+            <a:avLst/>
+          </a:prstGeom>
+          <a:solidFill>
+            <a:srgbClr val="FFC000"/>
+          </a:solidFill>
+        </p:spPr>
+        <p:txBody>
+          <a:bodyPr wrap="square" rtlCol="0">
+            <a:spAutoFit/>
+          </a:bodyPr>
+          <a:lstStyle/>
+          <a:p>
+            <a:r>
+              <a:rPr kumimoji="1" lang="ja-JP" altLang="en-US" dirty="0" smtClean="0">
+                <a:solidFill>
+                  <a:schemeClr val="bg1"/>
+                </a:solidFill>
+                <a:latin typeface="メイリオ" panose="020B0604030504040204" pitchFamily="50" charset="-128"/>
+                <a:ea typeface="メイリオ" panose="020B0604030504040204" pitchFamily="50" charset="-128"/>
+                <a:cs typeface="メイリオ" panose="020B0604030504040204" pitchFamily="50" charset="-128"/>
+              </a:rPr>
+              <a:t>相掛かり</a:t>
+            </a:r>
+            <a:endParaRPr kumimoji="1" lang="ja-JP" altLang="en-US" dirty="0">
+              <a:solidFill>
+                <a:schemeClr val="bg1"/>
+              </a:solidFill>
+              <a:latin typeface="メイリオ" panose="020B0604030504040204" pitchFamily="50" charset="-128"/>
+              <a:ea typeface="メイリオ" panose="020B0604030504040204" pitchFamily="50" charset="-128"/>
+              <a:cs typeface="メイリオ" panose="020B0604030504040204" pitchFamily="50" charset="-128"/>
+            </a:endParaRPr>
+          </a:p>
+        </p:txBody>
+      </p:sp>
+      <p:sp>
+        <p:nvSpPr>
+          <p:cNvPr id="15" name="テキスト ボックス 14"/>
+          <p:cNvSpPr txBox="1"/>
+          <p:nvPr/>
+        </p:nvSpPr>
+        <p:spPr>
+          <a:xfrm>
+            <a:off x="5700603" y="4797152"/>
+            <a:ext cx="1155896" cy="369332"/>
+          </a:xfrm>
+          <a:prstGeom prst="rect">
+            <a:avLst/>
+          </a:prstGeom>
+          <a:solidFill>
+            <a:schemeClr val="tx2">
+              <a:lumMod val="60000"/>
+              <a:lumOff val="40000"/>
+            </a:schemeClr>
+          </a:solidFill>
+        </p:spPr>
+        <p:txBody>
+          <a:bodyPr wrap="square" rtlCol="0">
+            <a:spAutoFit/>
+          </a:bodyPr>
+          <a:lstStyle/>
+          <a:p>
+            <a:pPr algn="ctr"/>
+            <a:r>
+              <a:rPr kumimoji="1" lang="ja-JP" altLang="en-US" dirty="0" smtClean="0">
+                <a:solidFill>
+                  <a:schemeClr val="bg1"/>
+                </a:solidFill>
+                <a:latin typeface="メイリオ" panose="020B0604030504040204" pitchFamily="50" charset="-128"/>
+                <a:ea typeface="メイリオ" panose="020B0604030504040204" pitchFamily="50" charset="-128"/>
+                <a:cs typeface="メイリオ" panose="020B0604030504040204" pitchFamily="50" charset="-128"/>
+              </a:rPr>
+              <a:t>相矢倉</a:t>
+            </a:r>
+            <a:endParaRPr kumimoji="1" lang="ja-JP" altLang="en-US" dirty="0">
+              <a:solidFill>
+                <a:schemeClr val="bg1"/>
+              </a:solidFill>
+              <a:latin typeface="メイリオ" panose="020B0604030504040204" pitchFamily="50" charset="-128"/>
+              <a:ea typeface="メイリオ" panose="020B0604030504040204" pitchFamily="50" charset="-128"/>
+              <a:cs typeface="メイリオ" panose="020B0604030504040204" pitchFamily="50" charset="-128"/>
+            </a:endParaRPr>
+          </a:p>
+        </p:txBody>
+      </p:sp>
+      <p:sp>
+        <p:nvSpPr>
+          <p:cNvPr id="16" name="テキスト ボックス 15"/>
+          <p:cNvSpPr txBox="1"/>
+          <p:nvPr/>
+        </p:nvSpPr>
+        <p:spPr>
+          <a:xfrm>
+            <a:off x="5000280" y="3347700"/>
+            <a:ext cx="1155896" cy="369332"/>
+          </a:xfrm>
+          <a:prstGeom prst="rect">
+            <a:avLst/>
+          </a:prstGeom>
+          <a:solidFill>
+            <a:schemeClr val="tx2">
+              <a:lumMod val="60000"/>
+              <a:lumOff val="40000"/>
+            </a:schemeClr>
+          </a:solidFill>
+        </p:spPr>
+        <p:txBody>
+          <a:bodyPr wrap="square" rtlCol="0">
+            <a:spAutoFit/>
+          </a:bodyPr>
+          <a:lstStyle/>
+          <a:p>
+            <a:pPr algn="ctr"/>
+            <a:r>
+              <a:rPr lang="ja-JP" altLang="en-US" dirty="0">
+                <a:solidFill>
+                  <a:schemeClr val="bg1"/>
+                </a:solidFill>
+                <a:latin typeface="メイリオ" panose="020B0604030504040204" pitchFamily="50" charset="-128"/>
+                <a:ea typeface="メイリオ" panose="020B0604030504040204" pitchFamily="50" charset="-128"/>
+                <a:cs typeface="メイリオ" panose="020B0604030504040204" pitchFamily="50" charset="-128"/>
+              </a:rPr>
+              <a:t>急戦</a:t>
+            </a:r>
+            <a:r>
+              <a:rPr kumimoji="1" lang="ja-JP" altLang="en-US" dirty="0" smtClean="0">
+                <a:solidFill>
+                  <a:schemeClr val="bg1"/>
+                </a:solidFill>
+                <a:latin typeface="メイリオ" panose="020B0604030504040204" pitchFamily="50" charset="-128"/>
+                <a:ea typeface="メイリオ" panose="020B0604030504040204" pitchFamily="50" charset="-128"/>
+                <a:cs typeface="メイリオ" panose="020B0604030504040204" pitchFamily="50" charset="-128"/>
+              </a:rPr>
+              <a:t>矢倉</a:t>
+            </a:r>
+            <a:endParaRPr kumimoji="1" lang="ja-JP" altLang="en-US" dirty="0">
+              <a:solidFill>
+                <a:schemeClr val="bg1"/>
+              </a:solidFill>
+              <a:latin typeface="メイリオ" panose="020B0604030504040204" pitchFamily="50" charset="-128"/>
+              <a:ea typeface="メイリオ" panose="020B0604030504040204" pitchFamily="50" charset="-128"/>
+              <a:cs typeface="メイリオ" panose="020B0604030504040204" pitchFamily="50" charset="-128"/>
+            </a:endParaRPr>
+          </a:p>
+        </p:txBody>
+      </p:sp>
+    </p:spTree>
+    <p:extLst>
+      <p:ext uri="{BB962C8B-B14F-4D97-AF65-F5344CB8AC3E}">
+        <p14:creationId xmlns:p14="http://schemas.microsoft.com/office/powerpoint/2010/main" val="3588423741"/>
+      </p:ext>
+    </p:extLst>
+  </p:cSld>
+  <p:clrMapOvr>
+    <a:masterClrMapping/>
+  </p:clrMapOvr>
+</p:sld>
+</file>
+
+<file path=ppt/slides/slide16.xml><?xml version="1.0" encoding="utf-8"?>
 <p:sld xmlns:a="http://schemas.openxmlformats.org/drawingml/2006/main" xmlns:r="http://schemas.openxmlformats.org/officeDocument/2006/relationships" xmlns:p="http://schemas.openxmlformats.org/presentationml/2006/main">
   <p:cSld>
     <p:spTree>
@@ -36958,7 +39753,7 @@
 </p:sld>
 </file>
 
-<file path=ppt/slides/slide15.xml><?xml version="1.0" encoding="utf-8"?>
+<file path=ppt/slides/slide17.xml><?xml version="1.0" encoding="utf-8"?>
 <p:sld xmlns:a="http://schemas.openxmlformats.org/drawingml/2006/main" xmlns:r="http://schemas.openxmlformats.org/officeDocument/2006/relationships" xmlns:p="http://schemas.openxmlformats.org/presentationml/2006/main">
   <p:cSld>
     <p:spTree>
@@ -37528,7 +40323,7 @@
 </p:sld>
 </file>
 
-<file path=ppt/slides/slide16.xml><?xml version="1.0" encoding="utf-8"?>
+<file path=ppt/slides/slide18.xml><?xml version="1.0" encoding="utf-8"?>
 <p:sld xmlns:a="http://schemas.openxmlformats.org/drawingml/2006/main" xmlns:r="http://schemas.openxmlformats.org/officeDocument/2006/relationships" xmlns:p="http://schemas.openxmlformats.org/presentationml/2006/main">
   <p:cSld>
     <p:spTree>
@@ -37552,7 +40347,7 @@
           <p:nvPr>
             <p:extLst>
               <p:ext uri="{D42A27DB-BD31-4B8C-83A1-F6EECF244321}">
-                <p14:modId xmlns:p14="http://schemas.microsoft.com/office/powerpoint/2010/main" val="139415947"/>
+                <p14:modId xmlns:p14="http://schemas.microsoft.com/office/powerpoint/2010/main" val="231761257"/>
               </p:ext>
             </p:extLst>
           </p:nvPr>
@@ -38042,7 +40837,7 @@
 </p:sld>
 </file>
 
-<file path=ppt/slides/slide17.xml><?xml version="1.0" encoding="utf-8"?>
+<file path=ppt/slides/slide19.xml><?xml version="1.0" encoding="utf-8"?>
 <p:sld xmlns:a="http://schemas.openxmlformats.org/drawingml/2006/main" xmlns:r="http://schemas.openxmlformats.org/officeDocument/2006/relationships" xmlns:p="http://schemas.openxmlformats.org/presentationml/2006/main">
   <p:cSld>
     <p:spTree>
@@ -38453,7 +41248,220 @@
 </p:sld>
 </file>
 
-<file path=ppt/slides/slide18.xml><?xml version="1.0" encoding="utf-8"?>
+<file path=ppt/slides/slide2.xml><?xml version="1.0" encoding="utf-8"?>
+<p:sld xmlns:a="http://schemas.openxmlformats.org/drawingml/2006/main" xmlns:r="http://schemas.openxmlformats.org/officeDocument/2006/relationships" xmlns:p="http://schemas.openxmlformats.org/presentationml/2006/main">
+  <p:cSld>
+    <p:spTree>
+      <p:nvGrpSpPr>
+        <p:cNvPr id="1" name=""/>
+        <p:cNvGrpSpPr/>
+        <p:nvPr/>
+      </p:nvGrpSpPr>
+      <p:grpSpPr>
+        <a:xfrm>
+          <a:off x="0" y="0"/>
+          <a:ext cx="0" cy="0"/>
+          <a:chOff x="0" y="0"/>
+          <a:chExt cx="0" cy="0"/>
+        </a:xfrm>
+      </p:grpSpPr>
+      <p:sp>
+        <p:nvSpPr>
+          <p:cNvPr id="2" name="タイトル 1"/>
+          <p:cNvSpPr>
+            <a:spLocks noGrp="1"/>
+          </p:cNvSpPr>
+          <p:nvPr>
+            <p:ph type="title"/>
+          </p:nvPr>
+        </p:nvSpPr>
+        <p:spPr/>
+        <p:txBody>
+          <a:bodyPr/>
+          <a:lstStyle/>
+          <a:p>
+            <a:r>
+              <a:rPr kumimoji="1" lang="ja-JP" altLang="en-US" dirty="0" smtClean="0">
+                <a:latin typeface="メイリオ" pitchFamily="50" charset="-128"/>
+                <a:ea typeface="メイリオ" pitchFamily="50" charset="-128"/>
+                <a:cs typeface="メイリオ" pitchFamily="50" charset="-128"/>
+              </a:rPr>
+              <a:t>初心者の人は考えます</a:t>
+            </a:r>
+            <a:endParaRPr kumimoji="1" lang="ja-JP" altLang="en-US" dirty="0">
+              <a:latin typeface="メイリオ" pitchFamily="50" charset="-128"/>
+              <a:ea typeface="メイリオ" pitchFamily="50" charset="-128"/>
+              <a:cs typeface="メイリオ" pitchFamily="50" charset="-128"/>
+            </a:endParaRPr>
+          </a:p>
+        </p:txBody>
+      </p:sp>
+      <p:sp>
+        <p:nvSpPr>
+          <p:cNvPr id="3" name="コンテンツ プレースホルダー 2"/>
+          <p:cNvSpPr>
+            <a:spLocks noGrp="1"/>
+          </p:cNvSpPr>
+          <p:nvPr>
+            <p:ph idx="1"/>
+          </p:nvPr>
+        </p:nvSpPr>
+        <p:spPr/>
+        <p:txBody>
+          <a:bodyPr>
+            <a:normAutofit/>
+          </a:bodyPr>
+          <a:lstStyle/>
+          <a:p>
+            <a:r>
+              <a:rPr kumimoji="1" lang="ja-JP" altLang="en-US" dirty="0" smtClean="0">
+                <a:latin typeface="メイリオ" pitchFamily="50" charset="-128"/>
+                <a:ea typeface="メイリオ" pitchFamily="50" charset="-128"/>
+                <a:cs typeface="メイリオ" pitchFamily="50" charset="-128"/>
+              </a:rPr>
+              <a:t>居飛車にも興味はあるけど</a:t>
+            </a:r>
+            <a:r>
+              <a:rPr kumimoji="1" lang="en-US" altLang="ja-JP" dirty="0" smtClean="0">
+                <a:latin typeface="メイリオ" pitchFamily="50" charset="-128"/>
+                <a:ea typeface="メイリオ" pitchFamily="50" charset="-128"/>
+                <a:cs typeface="メイリオ" pitchFamily="50" charset="-128"/>
+              </a:rPr>
+              <a:t/>
+            </a:r>
+            <a:br>
+              <a:rPr kumimoji="1" lang="en-US" altLang="ja-JP" dirty="0" smtClean="0">
+                <a:latin typeface="メイリオ" pitchFamily="50" charset="-128"/>
+                <a:ea typeface="メイリオ" pitchFamily="50" charset="-128"/>
+                <a:cs typeface="メイリオ" pitchFamily="50" charset="-128"/>
+              </a:rPr>
+            </a:br>
+            <a:r>
+              <a:rPr kumimoji="1" lang="ja-JP" altLang="en-US" dirty="0" smtClean="0">
+                <a:latin typeface="メイリオ" pitchFamily="50" charset="-128"/>
+                <a:ea typeface="メイリオ" pitchFamily="50" charset="-128"/>
+                <a:cs typeface="メイリオ" pitchFamily="50" charset="-128"/>
+              </a:rPr>
+              <a:t>何をやっていいかわからない</a:t>
+            </a:r>
+            <a:endParaRPr kumimoji="1" lang="en-US" altLang="ja-JP" dirty="0" smtClean="0">
+              <a:latin typeface="メイリオ" pitchFamily="50" charset="-128"/>
+              <a:ea typeface="メイリオ" pitchFamily="50" charset="-128"/>
+              <a:cs typeface="メイリオ" pitchFamily="50" charset="-128"/>
+            </a:endParaRPr>
+          </a:p>
+          <a:p>
+            <a:r>
+              <a:rPr lang="ja-JP" altLang="en-US" dirty="0" smtClean="0">
+                <a:latin typeface="メイリオ" pitchFamily="50" charset="-128"/>
+                <a:ea typeface="メイリオ" pitchFamily="50" charset="-128"/>
+                <a:cs typeface="メイリオ" pitchFamily="50" charset="-128"/>
+              </a:rPr>
+              <a:t>矢倉、角換わりなど種類があって</a:t>
+            </a:r>
+            <a:r>
+              <a:rPr lang="en-US" altLang="ja-JP" dirty="0" smtClean="0">
+                <a:latin typeface="メイリオ" pitchFamily="50" charset="-128"/>
+                <a:ea typeface="メイリオ" pitchFamily="50" charset="-128"/>
+                <a:cs typeface="メイリオ" pitchFamily="50" charset="-128"/>
+              </a:rPr>
+              <a:t/>
+            </a:r>
+            <a:br>
+              <a:rPr lang="en-US" altLang="ja-JP" dirty="0" smtClean="0">
+                <a:latin typeface="メイリオ" pitchFamily="50" charset="-128"/>
+                <a:ea typeface="メイリオ" pitchFamily="50" charset="-128"/>
+                <a:cs typeface="メイリオ" pitchFamily="50" charset="-128"/>
+              </a:rPr>
+            </a:br>
+            <a:r>
+              <a:rPr lang="ja-JP" altLang="en-US" dirty="0" smtClean="0">
+                <a:latin typeface="メイリオ" pitchFamily="50" charset="-128"/>
+                <a:ea typeface="メイリオ" pitchFamily="50" charset="-128"/>
+                <a:cs typeface="メイリオ" pitchFamily="50" charset="-128"/>
+              </a:rPr>
+              <a:t>ハードルが高そう</a:t>
+            </a:r>
+            <a:endParaRPr lang="en-US" altLang="ja-JP" dirty="0" smtClean="0">
+              <a:latin typeface="メイリオ" pitchFamily="50" charset="-128"/>
+              <a:ea typeface="メイリオ" pitchFamily="50" charset="-128"/>
+              <a:cs typeface="メイリオ" pitchFamily="50" charset="-128"/>
+            </a:endParaRPr>
+          </a:p>
+          <a:p>
+            <a:r>
+              <a:rPr kumimoji="1" lang="ja-JP" altLang="en-US" dirty="0">
+                <a:latin typeface="メイリオ" pitchFamily="50" charset="-128"/>
+                <a:ea typeface="メイリオ" pitchFamily="50" charset="-128"/>
+                <a:cs typeface="メイリオ" pitchFamily="50" charset="-128"/>
+              </a:rPr>
+              <a:t>振り飛車のほうが</a:t>
+            </a:r>
+            <a:r>
+              <a:rPr kumimoji="1" lang="ja-JP" altLang="en-US" dirty="0" smtClean="0">
+                <a:latin typeface="メイリオ" pitchFamily="50" charset="-128"/>
+                <a:ea typeface="メイリオ" pitchFamily="50" charset="-128"/>
+                <a:cs typeface="メイリオ" pitchFamily="50" charset="-128"/>
+              </a:rPr>
+              <a:t>簡単？</a:t>
+            </a:r>
+            <a:endParaRPr kumimoji="1" lang="en-US" altLang="ja-JP" dirty="0" smtClean="0">
+              <a:latin typeface="メイリオ" pitchFamily="50" charset="-128"/>
+              <a:ea typeface="メイリオ" pitchFamily="50" charset="-128"/>
+              <a:cs typeface="メイリオ" pitchFamily="50" charset="-128"/>
+            </a:endParaRPr>
+          </a:p>
+          <a:p>
+            <a:pPr marL="0" indent="0">
+              <a:buNone/>
+            </a:pPr>
+            <a:endParaRPr lang="en-US" altLang="ja-JP" dirty="0">
+              <a:latin typeface="メイリオ" pitchFamily="50" charset="-128"/>
+              <a:ea typeface="メイリオ" pitchFamily="50" charset="-128"/>
+              <a:cs typeface="メイリオ" pitchFamily="50" charset="-128"/>
+            </a:endParaRPr>
+          </a:p>
+          <a:p>
+            <a:pPr marL="0" indent="0">
+              <a:buNone/>
+            </a:pPr>
+            <a:r>
+              <a:rPr kumimoji="1" lang="ja-JP" altLang="en-US" sz="4000" b="1" dirty="0" smtClean="0">
+                <a:latin typeface="メイリオ" pitchFamily="50" charset="-128"/>
+                <a:ea typeface="メイリオ" pitchFamily="50" charset="-128"/>
+                <a:cs typeface="メイリオ" pitchFamily="50" charset="-128"/>
+              </a:rPr>
+              <a:t>⇒その疑問、解消します！！！</a:t>
+            </a:r>
+            <a:endParaRPr kumimoji="1" lang="ja-JP" altLang="en-US" b="1" dirty="0">
+              <a:latin typeface="メイリオ" pitchFamily="50" charset="-128"/>
+              <a:ea typeface="メイリオ" pitchFamily="50" charset="-128"/>
+              <a:cs typeface="メイリオ" pitchFamily="50" charset="-128"/>
+            </a:endParaRPr>
+          </a:p>
+        </p:txBody>
+      </p:sp>
+    </p:spTree>
+    <p:extLst>
+      <p:ext uri="{BB962C8B-B14F-4D97-AF65-F5344CB8AC3E}">
+        <p14:creationId xmlns:p14="http://schemas.microsoft.com/office/powerpoint/2010/main" val="27173077"/>
+      </p:ext>
+    </p:extLst>
+  </p:cSld>
+  <p:clrMapOvr>
+    <a:masterClrMapping/>
+  </p:clrMapOvr>
+  <p:timing>
+    <p:tnLst>
+      <p:par>
+        <p:cTn id="1" dur="indefinite" restart="never" nodeType="tmRoot"/>
+      </p:par>
+    </p:tnLst>
+  </p:timing>
+</p:sld>
+</file>
+
+<file path=ppt/slides/slide20.xml><?xml version="1.0" encoding="utf-8"?>
 <p:sld xmlns:a="http://schemas.openxmlformats.org/drawingml/2006/main" xmlns:r="http://schemas.openxmlformats.org/officeDocument/2006/relationships" xmlns:p="http://schemas.openxmlformats.org/presentationml/2006/main">
   <p:cSld>
     <p:spTree>
@@ -39001,7 +42009,7 @@
 </p:sld>
 </file>
 
-<file path=ppt/slides/slide19.xml><?xml version="1.0" encoding="utf-8"?>
+<file path=ppt/slides/slide21.xml><?xml version="1.0" encoding="utf-8"?>
 <p:sld xmlns:a="http://schemas.openxmlformats.org/drawingml/2006/main" xmlns:r="http://schemas.openxmlformats.org/officeDocument/2006/relationships" xmlns:p="http://schemas.openxmlformats.org/presentationml/2006/main">
   <p:cSld>
     <p:spTree>
@@ -39543,220 +42551,7 @@
 </p:sld>
 </file>
 
-<file path=ppt/slides/slide2.xml><?xml version="1.0" encoding="utf-8"?>
-<p:sld xmlns:a="http://schemas.openxmlformats.org/drawingml/2006/main" xmlns:r="http://schemas.openxmlformats.org/officeDocument/2006/relationships" xmlns:p="http://schemas.openxmlformats.org/presentationml/2006/main">
-  <p:cSld>
-    <p:spTree>
-      <p:nvGrpSpPr>
-        <p:cNvPr id="1" name=""/>
-        <p:cNvGrpSpPr/>
-        <p:nvPr/>
-      </p:nvGrpSpPr>
-      <p:grpSpPr>
-        <a:xfrm>
-          <a:off x="0" y="0"/>
-          <a:ext cx="0" cy="0"/>
-          <a:chOff x="0" y="0"/>
-          <a:chExt cx="0" cy="0"/>
-        </a:xfrm>
-      </p:grpSpPr>
-      <p:sp>
-        <p:nvSpPr>
-          <p:cNvPr id="2" name="タイトル 1"/>
-          <p:cNvSpPr>
-            <a:spLocks noGrp="1"/>
-          </p:cNvSpPr>
-          <p:nvPr>
-            <p:ph type="title"/>
-          </p:nvPr>
-        </p:nvSpPr>
-        <p:spPr/>
-        <p:txBody>
-          <a:bodyPr/>
-          <a:lstStyle/>
-          <a:p>
-            <a:r>
-              <a:rPr kumimoji="1" lang="ja-JP" altLang="en-US" dirty="0" smtClean="0">
-                <a:latin typeface="メイリオ" pitchFamily="50" charset="-128"/>
-                <a:ea typeface="メイリオ" pitchFamily="50" charset="-128"/>
-                <a:cs typeface="メイリオ" pitchFamily="50" charset="-128"/>
-              </a:rPr>
-              <a:t>初心者の人は考えます</a:t>
-            </a:r>
-            <a:endParaRPr kumimoji="1" lang="ja-JP" altLang="en-US" dirty="0">
-              <a:latin typeface="メイリオ" pitchFamily="50" charset="-128"/>
-              <a:ea typeface="メイリオ" pitchFamily="50" charset="-128"/>
-              <a:cs typeface="メイリオ" pitchFamily="50" charset="-128"/>
-            </a:endParaRPr>
-          </a:p>
-        </p:txBody>
-      </p:sp>
-      <p:sp>
-        <p:nvSpPr>
-          <p:cNvPr id="3" name="コンテンツ プレースホルダー 2"/>
-          <p:cNvSpPr>
-            <a:spLocks noGrp="1"/>
-          </p:cNvSpPr>
-          <p:nvPr>
-            <p:ph idx="1"/>
-          </p:nvPr>
-        </p:nvSpPr>
-        <p:spPr/>
-        <p:txBody>
-          <a:bodyPr>
-            <a:normAutofit/>
-          </a:bodyPr>
-          <a:lstStyle/>
-          <a:p>
-            <a:r>
-              <a:rPr kumimoji="1" lang="ja-JP" altLang="en-US" dirty="0" smtClean="0">
-                <a:latin typeface="メイリオ" pitchFamily="50" charset="-128"/>
-                <a:ea typeface="メイリオ" pitchFamily="50" charset="-128"/>
-                <a:cs typeface="メイリオ" pitchFamily="50" charset="-128"/>
-              </a:rPr>
-              <a:t>居飛車にも興味はあるけど</a:t>
-            </a:r>
-            <a:r>
-              <a:rPr kumimoji="1" lang="en-US" altLang="ja-JP" dirty="0" smtClean="0">
-                <a:latin typeface="メイリオ" pitchFamily="50" charset="-128"/>
-                <a:ea typeface="メイリオ" pitchFamily="50" charset="-128"/>
-                <a:cs typeface="メイリオ" pitchFamily="50" charset="-128"/>
-              </a:rPr>
-              <a:t/>
-            </a:r>
-            <a:br>
-              <a:rPr kumimoji="1" lang="en-US" altLang="ja-JP" dirty="0" smtClean="0">
-                <a:latin typeface="メイリオ" pitchFamily="50" charset="-128"/>
-                <a:ea typeface="メイリオ" pitchFamily="50" charset="-128"/>
-                <a:cs typeface="メイリオ" pitchFamily="50" charset="-128"/>
-              </a:rPr>
-            </a:br>
-            <a:r>
-              <a:rPr kumimoji="1" lang="ja-JP" altLang="en-US" dirty="0" smtClean="0">
-                <a:latin typeface="メイリオ" pitchFamily="50" charset="-128"/>
-                <a:ea typeface="メイリオ" pitchFamily="50" charset="-128"/>
-                <a:cs typeface="メイリオ" pitchFamily="50" charset="-128"/>
-              </a:rPr>
-              <a:t>何をやっていいかわからない</a:t>
-            </a:r>
-            <a:endParaRPr kumimoji="1" lang="en-US" altLang="ja-JP" dirty="0" smtClean="0">
-              <a:latin typeface="メイリオ" pitchFamily="50" charset="-128"/>
-              <a:ea typeface="メイリオ" pitchFamily="50" charset="-128"/>
-              <a:cs typeface="メイリオ" pitchFamily="50" charset="-128"/>
-            </a:endParaRPr>
-          </a:p>
-          <a:p>
-            <a:r>
-              <a:rPr lang="ja-JP" altLang="en-US" dirty="0" smtClean="0">
-                <a:latin typeface="メイリオ" pitchFamily="50" charset="-128"/>
-                <a:ea typeface="メイリオ" pitchFamily="50" charset="-128"/>
-                <a:cs typeface="メイリオ" pitchFamily="50" charset="-128"/>
-              </a:rPr>
-              <a:t>矢倉、角換わりなど種類があって</a:t>
-            </a:r>
-            <a:r>
-              <a:rPr lang="en-US" altLang="ja-JP" dirty="0" smtClean="0">
-                <a:latin typeface="メイリオ" pitchFamily="50" charset="-128"/>
-                <a:ea typeface="メイリオ" pitchFamily="50" charset="-128"/>
-                <a:cs typeface="メイリオ" pitchFamily="50" charset="-128"/>
-              </a:rPr>
-              <a:t/>
-            </a:r>
-            <a:br>
-              <a:rPr lang="en-US" altLang="ja-JP" dirty="0" smtClean="0">
-                <a:latin typeface="メイリオ" pitchFamily="50" charset="-128"/>
-                <a:ea typeface="メイリオ" pitchFamily="50" charset="-128"/>
-                <a:cs typeface="メイリオ" pitchFamily="50" charset="-128"/>
-              </a:rPr>
-            </a:br>
-            <a:r>
-              <a:rPr lang="ja-JP" altLang="en-US" dirty="0" smtClean="0">
-                <a:latin typeface="メイリオ" pitchFamily="50" charset="-128"/>
-                <a:ea typeface="メイリオ" pitchFamily="50" charset="-128"/>
-                <a:cs typeface="メイリオ" pitchFamily="50" charset="-128"/>
-              </a:rPr>
-              <a:t>ハードルが高そう</a:t>
-            </a:r>
-            <a:endParaRPr lang="en-US" altLang="ja-JP" dirty="0" smtClean="0">
-              <a:latin typeface="メイリオ" pitchFamily="50" charset="-128"/>
-              <a:ea typeface="メイリオ" pitchFamily="50" charset="-128"/>
-              <a:cs typeface="メイリオ" pitchFamily="50" charset="-128"/>
-            </a:endParaRPr>
-          </a:p>
-          <a:p>
-            <a:r>
-              <a:rPr kumimoji="1" lang="ja-JP" altLang="en-US" dirty="0">
-                <a:latin typeface="メイリオ" pitchFamily="50" charset="-128"/>
-                <a:ea typeface="メイリオ" pitchFamily="50" charset="-128"/>
-                <a:cs typeface="メイリオ" pitchFamily="50" charset="-128"/>
-              </a:rPr>
-              <a:t>振り飛車のほうが</a:t>
-            </a:r>
-            <a:r>
-              <a:rPr kumimoji="1" lang="ja-JP" altLang="en-US" dirty="0" smtClean="0">
-                <a:latin typeface="メイリオ" pitchFamily="50" charset="-128"/>
-                <a:ea typeface="メイリオ" pitchFamily="50" charset="-128"/>
-                <a:cs typeface="メイリオ" pitchFamily="50" charset="-128"/>
-              </a:rPr>
-              <a:t>簡単？</a:t>
-            </a:r>
-            <a:endParaRPr kumimoji="1" lang="en-US" altLang="ja-JP" dirty="0" smtClean="0">
-              <a:latin typeface="メイリオ" pitchFamily="50" charset="-128"/>
-              <a:ea typeface="メイリオ" pitchFamily="50" charset="-128"/>
-              <a:cs typeface="メイリオ" pitchFamily="50" charset="-128"/>
-            </a:endParaRPr>
-          </a:p>
-          <a:p>
-            <a:pPr marL="0" indent="0">
-              <a:buNone/>
-            </a:pPr>
-            <a:endParaRPr lang="en-US" altLang="ja-JP" dirty="0">
-              <a:latin typeface="メイリオ" pitchFamily="50" charset="-128"/>
-              <a:ea typeface="メイリオ" pitchFamily="50" charset="-128"/>
-              <a:cs typeface="メイリオ" pitchFamily="50" charset="-128"/>
-            </a:endParaRPr>
-          </a:p>
-          <a:p>
-            <a:pPr marL="0" indent="0">
-              <a:buNone/>
-            </a:pPr>
-            <a:r>
-              <a:rPr kumimoji="1" lang="ja-JP" altLang="en-US" sz="4000" b="1" dirty="0" smtClean="0">
-                <a:latin typeface="メイリオ" pitchFamily="50" charset="-128"/>
-                <a:ea typeface="メイリオ" pitchFamily="50" charset="-128"/>
-                <a:cs typeface="メイリオ" pitchFamily="50" charset="-128"/>
-              </a:rPr>
-              <a:t>⇒その疑問、解消します！！！</a:t>
-            </a:r>
-            <a:endParaRPr kumimoji="1" lang="ja-JP" altLang="en-US" b="1" dirty="0">
-              <a:latin typeface="メイリオ" pitchFamily="50" charset="-128"/>
-              <a:ea typeface="メイリオ" pitchFamily="50" charset="-128"/>
-              <a:cs typeface="メイリオ" pitchFamily="50" charset="-128"/>
-            </a:endParaRPr>
-          </a:p>
-        </p:txBody>
-      </p:sp>
-    </p:spTree>
-    <p:extLst>
-      <p:ext uri="{BB962C8B-B14F-4D97-AF65-F5344CB8AC3E}">
-        <p14:creationId xmlns:p14="http://schemas.microsoft.com/office/powerpoint/2010/main" val="27173077"/>
-      </p:ext>
-    </p:extLst>
-  </p:cSld>
-  <p:clrMapOvr>
-    <a:masterClrMapping/>
-  </p:clrMapOvr>
-  <p:timing>
-    <p:tnLst>
-      <p:par>
-        <p:cTn id="1" dur="indefinite" restart="never" nodeType="tmRoot"/>
-      </p:par>
-    </p:tnLst>
-  </p:timing>
-</p:sld>
-</file>
-
-<file path=ppt/slides/slide20.xml><?xml version="1.0" encoding="utf-8"?>
+<file path=ppt/slides/slide22.xml><?xml version="1.0" encoding="utf-8"?>
 <p:sld xmlns:a="http://schemas.openxmlformats.org/drawingml/2006/main" xmlns:r="http://schemas.openxmlformats.org/officeDocument/2006/relationships" xmlns:p="http://schemas.openxmlformats.org/presentationml/2006/main">
   <p:cSld>
     <p:spTree>
@@ -39849,15 +42644,7 @@
                 <a:ea typeface="メイリオ" pitchFamily="50" charset="-128"/>
                 <a:cs typeface="メイリオ" pitchFamily="50" charset="-128"/>
               </a:rPr>
-              <a:t>２</a:t>
-            </a:r>
-            <a:r>
-              <a:rPr lang="ja-JP" altLang="en-US" sz="2400" dirty="0" smtClean="0">
-                <a:latin typeface="メイリオ" pitchFamily="50" charset="-128"/>
-                <a:ea typeface="メイリオ" pitchFamily="50" charset="-128"/>
-                <a:cs typeface="メイリオ" pitchFamily="50" charset="-128"/>
-              </a:rPr>
-              <a:t>．なんだかんだ</a:t>
+              <a:t>２．なんだかんだ</a:t>
             </a:r>
             <a:r>
               <a:rPr lang="ja-JP" altLang="en-US" sz="2400" dirty="0" err="1" smtClean="0">
@@ -39873,15 +42660,7 @@
                 <a:ea typeface="メイリオ" pitchFamily="50" charset="-128"/>
                 <a:cs typeface="メイリオ" pitchFamily="50" charset="-128"/>
               </a:rPr>
-              <a:t>矢倉と角換わりは</a:t>
-            </a:r>
-            <a:r>
-              <a:rPr lang="ja-JP" altLang="en-US" sz="2400" dirty="0" smtClean="0">
-                <a:latin typeface="メイリオ" pitchFamily="50" charset="-128"/>
-                <a:ea typeface="メイリオ" pitchFamily="50" charset="-128"/>
-                <a:cs typeface="メイリオ" pitchFamily="50" charset="-128"/>
-              </a:rPr>
-              <a:t>必修</a:t>
+              <a:t>矢倉と角換わりは必修</a:t>
             </a:r>
             <a:endParaRPr lang="en-US" altLang="ja-JP" sz="2400" dirty="0" smtClean="0">
               <a:latin typeface="メイリオ" pitchFamily="50" charset="-128"/>
@@ -39896,23 +42675,7 @@
                 <a:ea typeface="メイリオ" pitchFamily="50" charset="-128"/>
                 <a:cs typeface="メイリオ" pitchFamily="50" charset="-128"/>
               </a:rPr>
-              <a:t>３</a:t>
-            </a:r>
-            <a:r>
-              <a:rPr lang="ja-JP" altLang="en-US" sz="2400" dirty="0" smtClean="0">
-                <a:latin typeface="メイリオ" pitchFamily="50" charset="-128"/>
-                <a:ea typeface="メイリオ" pitchFamily="50" charset="-128"/>
-                <a:cs typeface="メイリオ" pitchFamily="50" charset="-128"/>
-              </a:rPr>
-              <a:t>．横歩と相掛かりのうち好きな方を</a:t>
-            </a:r>
-            <a:r>
-              <a:rPr lang="ja-JP" altLang="en-US" sz="2400" dirty="0" smtClean="0">
-                <a:latin typeface="メイリオ" pitchFamily="50" charset="-128"/>
-                <a:ea typeface="メイリオ" pitchFamily="50" charset="-128"/>
-                <a:cs typeface="メイリオ" pitchFamily="50" charset="-128"/>
-              </a:rPr>
-              <a:t>選ぶ</a:t>
+              <a:t>３．横歩と相掛かりのうち好きな方を選ぶ</a:t>
             </a:r>
             <a:endParaRPr lang="en-US" altLang="ja-JP" sz="2400" dirty="0" smtClean="0">
               <a:latin typeface="メイリオ" pitchFamily="50" charset="-128"/>
@@ -40048,7 +42811,7 @@
 </p:sld>
 </file>
 
-<file path=ppt/slides/slide21.xml><?xml version="1.0" encoding="utf-8"?>
+<file path=ppt/slides/slide23.xml><?xml version="1.0" encoding="utf-8"?>
 <p:sld xmlns:a="http://schemas.openxmlformats.org/drawingml/2006/main" xmlns:r="http://schemas.openxmlformats.org/officeDocument/2006/relationships" xmlns:p="http://schemas.openxmlformats.org/presentationml/2006/main">
   <p:cSld>
     <p:spTree>
@@ -40606,7 +43369,7 @@
 </p:sld>
 </file>
 
-<file path=ppt/slides/slide22.xml><?xml version="1.0" encoding="utf-8"?>
+<file path=ppt/slides/slide24.xml><?xml version="1.0" encoding="utf-8"?>
 <p:sld xmlns:a="http://schemas.openxmlformats.org/drawingml/2006/main" xmlns:r="http://schemas.openxmlformats.org/officeDocument/2006/relationships" xmlns:p="http://schemas.openxmlformats.org/presentationml/2006/main">
   <p:cSld>
     <p:spTree>
@@ -44232,6 +46995,504 @@
       </p:grpSpPr>
       <p:sp>
         <p:nvSpPr>
+          <p:cNvPr id="4" name="タイトル 3"/>
+          <p:cNvSpPr>
+            <a:spLocks noGrp="1"/>
+          </p:cNvSpPr>
+          <p:nvPr>
+            <p:ph type="title"/>
+          </p:nvPr>
+        </p:nvSpPr>
+        <p:spPr/>
+        <p:txBody>
+          <a:bodyPr/>
+          <a:lstStyle/>
+          <a:p>
+            <a:r>
+              <a:rPr lang="ja-JP" altLang="en-US" dirty="0">
+                <a:latin typeface="メイリオ" panose="020B0604030504040204" pitchFamily="50" charset="-128"/>
+                <a:ea typeface="メイリオ" panose="020B0604030504040204" pitchFamily="50" charset="-128"/>
+                <a:cs typeface="メイリオ" panose="020B0604030504040204" pitchFamily="50" charset="-128"/>
+              </a:rPr>
+              <a:t>だいたいこんな感じ</a:t>
+            </a:r>
+            <a:endParaRPr kumimoji="1" lang="ja-JP" altLang="en-US" dirty="0">
+              <a:latin typeface="メイリオ" panose="020B0604030504040204" pitchFamily="50" charset="-128"/>
+              <a:ea typeface="メイリオ" panose="020B0604030504040204" pitchFamily="50" charset="-128"/>
+              <a:cs typeface="メイリオ" panose="020B0604030504040204" pitchFamily="50" charset="-128"/>
+            </a:endParaRPr>
+          </a:p>
+        </p:txBody>
+      </p:sp>
+      <p:sp>
+        <p:nvSpPr>
+          <p:cNvPr id="8" name="コンテンツ プレースホルダー 7"/>
+          <p:cNvSpPr>
+            <a:spLocks noGrp="1"/>
+          </p:cNvSpPr>
+          <p:nvPr>
+            <p:ph sz="quarter" idx="4"/>
+          </p:nvPr>
+        </p:nvSpPr>
+        <p:spPr>
+          <a:xfrm>
+            <a:off x="4645025" y="1268760"/>
+            <a:ext cx="4041775" cy="1858561"/>
+          </a:xfrm>
+        </p:spPr>
+        <p:txBody>
+          <a:bodyPr/>
+          <a:lstStyle/>
+          <a:p>
+            <a:pPr marL="0" indent="0">
+              <a:buNone/>
+            </a:pPr>
+            <a:endParaRPr kumimoji="1" lang="en-US" altLang="ja-JP" dirty="0" smtClean="0"/>
+          </a:p>
+          <a:p>
+            <a:pPr marL="0" indent="0">
+              <a:buNone/>
+            </a:pPr>
+            <a:endParaRPr lang="en-US" altLang="ja-JP" dirty="0"/>
+          </a:p>
+          <a:p>
+            <a:pPr marL="0" indent="0">
+              <a:buNone/>
+            </a:pPr>
+            <a:endParaRPr kumimoji="1" lang="ja-JP" altLang="en-US" dirty="0"/>
+          </a:p>
+        </p:txBody>
+      </p:sp>
+      <p:sp>
+        <p:nvSpPr>
+          <p:cNvPr id="9" name="コンテンツ プレースホルダー 8"/>
+          <p:cNvSpPr>
+            <a:spLocks noGrp="1"/>
+          </p:cNvSpPr>
+          <p:nvPr>
+            <p:ph sz="half" idx="2"/>
+          </p:nvPr>
+        </p:nvSpPr>
+        <p:spPr>
+          <a:xfrm>
+            <a:off x="457200" y="1268760"/>
+            <a:ext cx="4040188" cy="1858561"/>
+          </a:xfrm>
+        </p:spPr>
+        <p:txBody>
+          <a:bodyPr/>
+          <a:lstStyle/>
+          <a:p>
+            <a:endParaRPr kumimoji="1" lang="en-US" altLang="ja-JP" dirty="0" smtClean="0"/>
+          </a:p>
+          <a:p>
+            <a:endParaRPr lang="en-US" altLang="ja-JP" dirty="0"/>
+          </a:p>
+          <a:p>
+            <a:endParaRPr kumimoji="1" lang="en-US" altLang="ja-JP" dirty="0" smtClean="0"/>
+          </a:p>
+          <a:p>
+            <a:endParaRPr lang="en-US" altLang="ja-JP" dirty="0"/>
+          </a:p>
+          <a:p>
+            <a:endParaRPr kumimoji="1" lang="ja-JP" altLang="en-US" dirty="0"/>
+          </a:p>
+        </p:txBody>
+      </p:sp>
+      <p:pic>
+        <p:nvPicPr>
+          <p:cNvPr id="1030" name="Picture 6" descr="C:\Users\work\AppData\Local\Microsoft\Windows\Temporary Internet Files\Content.IE5\VLSM1CA9\MC900445214[1].wmf"/>
+          <p:cNvPicPr>
+            <a:picLocks noChangeAspect="1" noChangeArrowheads="1"/>
+          </p:cNvPicPr>
+          <p:nvPr/>
+        </p:nvPicPr>
+        <p:blipFill>
+          <a:blip r:embed="rId3" cstate="print">
+            <a:extLst>
+              <a:ext uri="{28A0092B-C50C-407E-A947-70E740481C1C}">
+                <a14:useLocalDpi xmlns:a14="http://schemas.microsoft.com/office/drawing/2010/main" val="0"/>
+              </a:ext>
+            </a:extLst>
+          </a:blip>
+          <a:srcRect/>
+          <a:stretch>
+            <a:fillRect/>
+          </a:stretch>
+        </p:blipFill>
+        <p:spPr bwMode="auto">
+          <a:xfrm>
+            <a:off x="5508104" y="1330368"/>
+            <a:ext cx="1654150" cy="1684325"/>
+          </a:xfrm>
+          <a:prstGeom prst="rect">
+            <a:avLst/>
+          </a:prstGeom>
+          <a:noFill/>
+          <a:extLst>
+            <a:ext uri="{909E8E84-426E-40DD-AFC4-6F175D3DCCD1}">
+              <a14:hiddenFill xmlns:a14="http://schemas.microsoft.com/office/drawing/2010/main">
+                <a:solidFill>
+                  <a:srgbClr val="FFFFFF"/>
+                </a:solidFill>
+              </a14:hiddenFill>
+            </a:ext>
+          </a:extLst>
+        </p:spPr>
+      </p:pic>
+      <p:pic>
+        <p:nvPicPr>
+          <p:cNvPr id="1032" name="Picture 8" descr="C:\Users\work\AppData\Local\Microsoft\Windows\Temporary Internet Files\Content.IE5\LBP3VPIX\MC900433839[1].png"/>
+          <p:cNvPicPr>
+            <a:picLocks noChangeAspect="1" noChangeArrowheads="1"/>
+          </p:cNvPicPr>
+          <p:nvPr/>
+        </p:nvPicPr>
+        <p:blipFill>
+          <a:blip r:embed="rId4">
+            <a:extLst>
+              <a:ext uri="{28A0092B-C50C-407E-A947-70E740481C1C}">
+                <a14:useLocalDpi xmlns:a14="http://schemas.microsoft.com/office/drawing/2010/main" val="0"/>
+              </a:ext>
+            </a:extLst>
+          </a:blip>
+          <a:srcRect/>
+          <a:stretch>
+            <a:fillRect/>
+          </a:stretch>
+        </p:blipFill>
+        <p:spPr bwMode="auto">
+          <a:xfrm>
+            <a:off x="2023348" y="1298749"/>
+            <a:ext cx="1828572" cy="1828572"/>
+          </a:xfrm>
+          <a:prstGeom prst="rect">
+            <a:avLst/>
+          </a:prstGeom>
+          <a:noFill/>
+          <a:extLst>
+            <a:ext uri="{909E8E84-426E-40DD-AFC4-6F175D3DCCD1}">
+              <a14:hiddenFill xmlns:a14="http://schemas.microsoft.com/office/drawing/2010/main">
+                <a:solidFill>
+                  <a:srgbClr val="FFFFFF"/>
+                </a:solidFill>
+              </a14:hiddenFill>
+            </a:ext>
+          </a:extLst>
+        </p:spPr>
+      </p:pic>
+      <p:graphicFrame>
+        <p:nvGraphicFramePr>
+          <p:cNvPr id="10" name="表 9"/>
+          <p:cNvGraphicFramePr>
+            <a:graphicFrameLocks noGrp="1"/>
+          </p:cNvGraphicFramePr>
+          <p:nvPr>
+            <p:extLst>
+              <p:ext uri="{D42A27DB-BD31-4B8C-83A1-F6EECF244321}">
+                <p14:modId xmlns:p14="http://schemas.microsoft.com/office/powerpoint/2010/main" val="1056107210"/>
+              </p:ext>
+            </p:extLst>
+          </p:nvPr>
+        </p:nvGraphicFramePr>
+        <p:xfrm>
+          <a:off x="755576" y="3426589"/>
+          <a:ext cx="7776864" cy="1849120"/>
+        </p:xfrm>
+        <a:graphic>
+          <a:graphicData uri="http://schemas.openxmlformats.org/drawingml/2006/table">
+            <a:tbl>
+              <a:tblPr firstRow="1" bandRow="1">
+                <a:tableStyleId>{5C22544A-7EE6-4342-B048-85BDC9FD1C3A}</a:tableStyleId>
+              </a:tblPr>
+              <a:tblGrid>
+                <a:gridCol w="3888432"/>
+                <a:gridCol w="3888432"/>
+              </a:tblGrid>
+              <a:tr h="320432">
+                <a:tc>
+                  <a:txBody>
+                    <a:bodyPr/>
+                    <a:lstStyle/>
+                    <a:p>
+                      <a:pPr algn="ctr"/>
+                      <a:r>
+                        <a:rPr kumimoji="1" lang="ja-JP" altLang="en-US" dirty="0" smtClean="0">
+                          <a:latin typeface="メイリオ" panose="020B0604030504040204" pitchFamily="50" charset="-128"/>
+                          <a:ea typeface="メイリオ" panose="020B0604030504040204" pitchFamily="50" charset="-128"/>
+                          <a:cs typeface="メイリオ" panose="020B0604030504040204" pitchFamily="50" charset="-128"/>
+                        </a:rPr>
+                        <a:t>居飛車</a:t>
+                      </a:r>
+                      <a:endParaRPr kumimoji="1" lang="ja-JP" altLang="en-US" dirty="0">
+                        <a:latin typeface="メイリオ" panose="020B0604030504040204" pitchFamily="50" charset="-128"/>
+                        <a:ea typeface="メイリオ" panose="020B0604030504040204" pitchFamily="50" charset="-128"/>
+                        <a:cs typeface="メイリオ" panose="020B0604030504040204" pitchFamily="50" charset="-128"/>
+                      </a:endParaRPr>
+                    </a:p>
+                  </a:txBody>
+                  <a:tcPr/>
+                </a:tc>
+                <a:tc>
+                  <a:txBody>
+                    <a:bodyPr/>
+                    <a:lstStyle/>
+                    <a:p>
+                      <a:pPr algn="ctr"/>
+                      <a:r>
+                        <a:rPr kumimoji="1" lang="ja-JP" altLang="en-US" dirty="0" smtClean="0">
+                          <a:latin typeface="メイリオ" panose="020B0604030504040204" pitchFamily="50" charset="-128"/>
+                          <a:ea typeface="メイリオ" panose="020B0604030504040204" pitchFamily="50" charset="-128"/>
+                          <a:cs typeface="メイリオ" panose="020B0604030504040204" pitchFamily="50" charset="-128"/>
+                        </a:rPr>
+                        <a:t>振り飛車</a:t>
+                      </a:r>
+                      <a:endParaRPr kumimoji="1" lang="ja-JP" altLang="en-US" dirty="0">
+                        <a:latin typeface="メイリオ" panose="020B0604030504040204" pitchFamily="50" charset="-128"/>
+                        <a:ea typeface="メイリオ" panose="020B0604030504040204" pitchFamily="50" charset="-128"/>
+                        <a:cs typeface="メイリオ" panose="020B0604030504040204" pitchFamily="50" charset="-128"/>
+                      </a:endParaRPr>
+                    </a:p>
+                  </a:txBody>
+                  <a:tcPr/>
+                </a:tc>
+              </a:tr>
+              <a:tr h="370840">
+                <a:tc>
+                  <a:txBody>
+                    <a:bodyPr/>
+                    <a:lstStyle/>
+                    <a:p>
+                      <a:pPr algn="ctr"/>
+                      <a:r>
+                        <a:rPr kumimoji="1" lang="ja-JP" altLang="en-US" dirty="0" smtClean="0">
+                          <a:latin typeface="メイリオ" panose="020B0604030504040204" pitchFamily="50" charset="-128"/>
+                          <a:ea typeface="メイリオ" panose="020B0604030504040204" pitchFamily="50" charset="-128"/>
+                          <a:cs typeface="メイリオ" panose="020B0604030504040204" pitchFamily="50" charset="-128"/>
+                        </a:rPr>
+                        <a:t>一戸建て住宅</a:t>
+                      </a:r>
+                      <a:endParaRPr kumimoji="1" lang="ja-JP" altLang="en-US" dirty="0">
+                        <a:latin typeface="メイリオ" panose="020B0604030504040204" pitchFamily="50" charset="-128"/>
+                        <a:ea typeface="メイリオ" panose="020B0604030504040204" pitchFamily="50" charset="-128"/>
+                        <a:cs typeface="メイリオ" panose="020B0604030504040204" pitchFamily="50" charset="-128"/>
+                      </a:endParaRPr>
+                    </a:p>
+                  </a:txBody>
+                  <a:tcPr/>
+                </a:tc>
+                <a:tc>
+                  <a:txBody>
+                    <a:bodyPr/>
+                    <a:lstStyle/>
+                    <a:p>
+                      <a:pPr algn="ctr"/>
+                      <a:r>
+                        <a:rPr kumimoji="1" lang="ja-JP" altLang="en-US" dirty="0" smtClean="0">
+                          <a:latin typeface="メイリオ" panose="020B0604030504040204" pitchFamily="50" charset="-128"/>
+                          <a:ea typeface="メイリオ" panose="020B0604030504040204" pitchFamily="50" charset="-128"/>
+                          <a:cs typeface="メイリオ" panose="020B0604030504040204" pitchFamily="50" charset="-128"/>
+                        </a:rPr>
+                        <a:t>賃貸マンション</a:t>
+                      </a:r>
+                      <a:endParaRPr kumimoji="1" lang="ja-JP" altLang="en-US" dirty="0">
+                        <a:latin typeface="メイリオ" panose="020B0604030504040204" pitchFamily="50" charset="-128"/>
+                        <a:ea typeface="メイリオ" panose="020B0604030504040204" pitchFamily="50" charset="-128"/>
+                        <a:cs typeface="メイリオ" panose="020B0604030504040204" pitchFamily="50" charset="-128"/>
+                      </a:endParaRPr>
+                    </a:p>
+                  </a:txBody>
+                  <a:tcPr/>
+                </a:tc>
+              </a:tr>
+              <a:tr h="370840">
+                <a:tc>
+                  <a:txBody>
+                    <a:bodyPr/>
+                    <a:lstStyle/>
+                    <a:p>
+                      <a:pPr algn="ctr"/>
+                      <a:r>
+                        <a:rPr kumimoji="1" lang="ja-JP" altLang="en-US" dirty="0" smtClean="0">
+                          <a:latin typeface="メイリオ" panose="020B0604030504040204" pitchFamily="50" charset="-128"/>
+                          <a:ea typeface="メイリオ" panose="020B0604030504040204" pitchFamily="50" charset="-128"/>
+                          <a:cs typeface="メイリオ" panose="020B0604030504040204" pitchFamily="50" charset="-128"/>
+                        </a:rPr>
+                        <a:t>初期費用高め</a:t>
+                      </a:r>
+                      <a:endParaRPr kumimoji="1" lang="ja-JP" altLang="en-US" dirty="0">
+                        <a:latin typeface="メイリオ" panose="020B0604030504040204" pitchFamily="50" charset="-128"/>
+                        <a:ea typeface="メイリオ" panose="020B0604030504040204" pitchFamily="50" charset="-128"/>
+                        <a:cs typeface="メイリオ" panose="020B0604030504040204" pitchFamily="50" charset="-128"/>
+                      </a:endParaRPr>
+                    </a:p>
+                  </a:txBody>
+                  <a:tcPr/>
+                </a:tc>
+                <a:tc>
+                  <a:txBody>
+                    <a:bodyPr/>
+                    <a:lstStyle/>
+                    <a:p>
+                      <a:pPr algn="ctr"/>
+                      <a:r>
+                        <a:rPr kumimoji="1" lang="ja-JP" altLang="en-US" dirty="0" smtClean="0">
+                          <a:latin typeface="メイリオ" panose="020B0604030504040204" pitchFamily="50" charset="-128"/>
+                          <a:ea typeface="メイリオ" panose="020B0604030504040204" pitchFamily="50" charset="-128"/>
+                          <a:cs typeface="メイリオ" panose="020B0604030504040204" pitchFamily="50" charset="-128"/>
+                        </a:rPr>
+                        <a:t>敷金・礼金</a:t>
+                      </a:r>
+                      <a:r>
+                        <a:rPr kumimoji="1" lang="en-US" altLang="ja-JP" dirty="0" smtClean="0">
+                          <a:latin typeface="メイリオ" panose="020B0604030504040204" pitchFamily="50" charset="-128"/>
+                          <a:ea typeface="メイリオ" panose="020B0604030504040204" pitchFamily="50" charset="-128"/>
+                          <a:cs typeface="メイリオ" panose="020B0604030504040204" pitchFamily="50" charset="-128"/>
+                        </a:rPr>
+                        <a:t>0</a:t>
+                      </a:r>
+                      <a:endParaRPr kumimoji="1" lang="ja-JP" altLang="en-US" dirty="0">
+                        <a:latin typeface="メイリオ" panose="020B0604030504040204" pitchFamily="50" charset="-128"/>
+                        <a:ea typeface="メイリオ" panose="020B0604030504040204" pitchFamily="50" charset="-128"/>
+                        <a:cs typeface="メイリオ" panose="020B0604030504040204" pitchFamily="50" charset="-128"/>
+                      </a:endParaRPr>
+                    </a:p>
+                  </a:txBody>
+                  <a:tcPr/>
+                </a:tc>
+              </a:tr>
+              <a:tr h="370840">
+                <a:tc>
+                  <a:txBody>
+                    <a:bodyPr/>
+                    <a:lstStyle/>
+                    <a:p>
+                      <a:pPr algn="ctr"/>
+                      <a:r>
+                        <a:rPr kumimoji="1" lang="ja-JP" altLang="en-US" dirty="0" smtClean="0">
+                          <a:latin typeface="メイリオ" panose="020B0604030504040204" pitchFamily="50" charset="-128"/>
+                          <a:ea typeface="メイリオ" panose="020B0604030504040204" pitchFamily="50" charset="-128"/>
+                          <a:cs typeface="メイリオ" panose="020B0604030504040204" pitchFamily="50" charset="-128"/>
+                        </a:rPr>
+                        <a:t>一生住める頑丈な家</a:t>
+                      </a:r>
+                      <a:endParaRPr kumimoji="1" lang="ja-JP" altLang="en-US" dirty="0">
+                        <a:latin typeface="メイリオ" panose="020B0604030504040204" pitchFamily="50" charset="-128"/>
+                        <a:ea typeface="メイリオ" panose="020B0604030504040204" pitchFamily="50" charset="-128"/>
+                        <a:cs typeface="メイリオ" panose="020B0604030504040204" pitchFamily="50" charset="-128"/>
+                      </a:endParaRPr>
+                    </a:p>
+                  </a:txBody>
+                  <a:tcPr/>
+                </a:tc>
+                <a:tc>
+                  <a:txBody>
+                    <a:bodyPr/>
+                    <a:lstStyle/>
+                    <a:p>
+                      <a:pPr algn="ctr"/>
+                      <a:r>
+                        <a:rPr kumimoji="1" lang="ja-JP" altLang="en-US" dirty="0" smtClean="0">
+                          <a:latin typeface="メイリオ" panose="020B0604030504040204" pitchFamily="50" charset="-128"/>
+                          <a:ea typeface="メイリオ" panose="020B0604030504040204" pitchFamily="50" charset="-128"/>
+                          <a:cs typeface="メイリオ" panose="020B0604030504040204" pitchFamily="50" charset="-128"/>
+                        </a:rPr>
+                        <a:t>定期的に引越したくなるマンション</a:t>
+                      </a:r>
+                      <a:endParaRPr kumimoji="1" lang="en-US" altLang="ja-JP" dirty="0" smtClean="0">
+                        <a:latin typeface="メイリオ" panose="020B0604030504040204" pitchFamily="50" charset="-128"/>
+                        <a:ea typeface="メイリオ" panose="020B0604030504040204" pitchFamily="50" charset="-128"/>
+                        <a:cs typeface="メイリオ" panose="020B0604030504040204" pitchFamily="50" charset="-128"/>
+                      </a:endParaRPr>
+                    </a:p>
+                  </a:txBody>
+                  <a:tcPr/>
+                </a:tc>
+              </a:tr>
+              <a:tr h="370840">
+                <a:tc>
+                  <a:txBody>
+                    <a:bodyPr/>
+                    <a:lstStyle/>
+                    <a:p>
+                      <a:pPr algn="ctr"/>
+                      <a:r>
+                        <a:rPr kumimoji="1" lang="ja-JP" altLang="en-US" dirty="0" smtClean="0">
+                          <a:latin typeface="メイリオ" panose="020B0604030504040204" pitchFamily="50" charset="-128"/>
+                          <a:ea typeface="メイリオ" panose="020B0604030504040204" pitchFamily="50" charset="-128"/>
+                          <a:cs typeface="メイリオ" panose="020B0604030504040204" pitchFamily="50" charset="-128"/>
+                        </a:rPr>
+                        <a:t>賃貸マンションへのハードル低</a:t>
+                      </a:r>
+                      <a:endParaRPr kumimoji="1" lang="ja-JP" altLang="en-US" dirty="0">
+                        <a:latin typeface="メイリオ" panose="020B0604030504040204" pitchFamily="50" charset="-128"/>
+                        <a:ea typeface="メイリオ" panose="020B0604030504040204" pitchFamily="50" charset="-128"/>
+                        <a:cs typeface="メイリオ" panose="020B0604030504040204" pitchFamily="50" charset="-128"/>
+                      </a:endParaRPr>
+                    </a:p>
+                  </a:txBody>
+                  <a:tcPr/>
+                </a:tc>
+                <a:tc>
+                  <a:txBody>
+                    <a:bodyPr/>
+                    <a:lstStyle/>
+                    <a:p>
+                      <a:pPr algn="ctr"/>
+                      <a:r>
+                        <a:rPr kumimoji="1" lang="ja-JP" altLang="en-US" dirty="0" smtClean="0">
+                          <a:latin typeface="メイリオ" panose="020B0604030504040204" pitchFamily="50" charset="-128"/>
+                          <a:ea typeface="メイリオ" panose="020B0604030504040204" pitchFamily="50" charset="-128"/>
+                          <a:cs typeface="メイリオ" panose="020B0604030504040204" pitchFamily="50" charset="-128"/>
+                        </a:rPr>
+                        <a:t>一戸建て住宅へのハードル高</a:t>
+                      </a:r>
+                      <a:endParaRPr kumimoji="1" lang="en-US" altLang="ja-JP" dirty="0" smtClean="0">
+                        <a:latin typeface="メイリオ" panose="020B0604030504040204" pitchFamily="50" charset="-128"/>
+                        <a:ea typeface="メイリオ" panose="020B0604030504040204" pitchFamily="50" charset="-128"/>
+                        <a:cs typeface="メイリオ" panose="020B0604030504040204" pitchFamily="50" charset="-128"/>
+                      </a:endParaRPr>
+                    </a:p>
+                  </a:txBody>
+                  <a:tcPr/>
+                </a:tc>
+              </a:tr>
+            </a:tbl>
+          </a:graphicData>
+        </a:graphic>
+      </p:graphicFrame>
+    </p:spTree>
+    <p:extLst>
+      <p:ext uri="{BB962C8B-B14F-4D97-AF65-F5344CB8AC3E}">
+        <p14:creationId xmlns:p14="http://schemas.microsoft.com/office/powerpoint/2010/main" val="1372871468"/>
+      </p:ext>
+    </p:extLst>
+  </p:cSld>
+  <p:clrMapOvr>
+    <a:masterClrMapping/>
+  </p:clrMapOvr>
+</p:sld>
+</file>
+
+<file path=ppt/slides/slide8.xml><?xml version="1.0" encoding="utf-8"?>
+<p:sld xmlns:a="http://schemas.openxmlformats.org/drawingml/2006/main" xmlns:r="http://schemas.openxmlformats.org/officeDocument/2006/relationships" xmlns:p="http://schemas.openxmlformats.org/presentationml/2006/main">
+  <p:cSld>
+    <p:spTree>
+      <p:nvGrpSpPr>
+        <p:cNvPr id="1" name=""/>
+        <p:cNvGrpSpPr/>
+        <p:nvPr/>
+      </p:nvGrpSpPr>
+      <p:grpSpPr>
+        <a:xfrm>
+          <a:off x="0" y="0"/>
+          <a:ext cx="0" cy="0"/>
+          <a:chOff x="0" y="0"/>
+          <a:chExt cx="0" cy="0"/>
+        </a:xfrm>
+      </p:grpSpPr>
+      <p:sp>
+        <p:nvSpPr>
           <p:cNvPr id="2" name="タイトル 1"/>
           <p:cNvSpPr>
             <a:spLocks noGrp="1"/>
@@ -44417,7 +47678,7 @@
 </p:sld>
 </file>
 
-<file path=ppt/slides/slide8.xml><?xml version="1.0" encoding="utf-8"?>
+<file path=ppt/slides/slide9.xml><?xml version="1.0" encoding="utf-8"?>
 <p:sld xmlns:a="http://schemas.openxmlformats.org/drawingml/2006/main" xmlns:r="http://schemas.openxmlformats.org/officeDocument/2006/relationships" xmlns:p="http://schemas.openxmlformats.org/presentationml/2006/main">
   <p:cSld>
     <p:spTree>
@@ -44494,107 +47755,6 @@
     <p:extLst>
       <p:ext uri="{BB962C8B-B14F-4D97-AF65-F5344CB8AC3E}">
         <p14:creationId xmlns:p14="http://schemas.microsoft.com/office/powerpoint/2010/main" val="488728687"/>
-      </p:ext>
-    </p:extLst>
-  </p:cSld>
-  <p:clrMapOvr>
-    <a:masterClrMapping/>
-  </p:clrMapOvr>
-  <p:timing>
-    <p:tnLst>
-      <p:par>
-        <p:cTn id="1" dur="indefinite" restart="never" nodeType="tmRoot"/>
-      </p:par>
-    </p:tnLst>
-  </p:timing>
-</p:sld>
-</file>
-
-<file path=ppt/slides/slide9.xml><?xml version="1.0" encoding="utf-8"?>
-<p:sld xmlns:a="http://schemas.openxmlformats.org/drawingml/2006/main" xmlns:r="http://schemas.openxmlformats.org/officeDocument/2006/relationships" xmlns:p="http://schemas.openxmlformats.org/presentationml/2006/main">
-  <p:cSld>
-    <p:spTree>
-      <p:nvGrpSpPr>
-        <p:cNvPr id="1" name=""/>
-        <p:cNvGrpSpPr/>
-        <p:nvPr/>
-      </p:nvGrpSpPr>
-      <p:grpSpPr>
-        <a:xfrm>
-          <a:off x="0" y="0"/>
-          <a:ext cx="0" cy="0"/>
-          <a:chOff x="0" y="0"/>
-          <a:chExt cx="0" cy="0"/>
-        </a:xfrm>
-      </p:grpSpPr>
-      <p:sp>
-        <p:nvSpPr>
-          <p:cNvPr id="2" name="タイトル 1"/>
-          <p:cNvSpPr>
-            <a:spLocks noGrp="1"/>
-          </p:cNvSpPr>
-          <p:nvPr>
-            <p:ph type="title"/>
-          </p:nvPr>
-        </p:nvSpPr>
-        <p:spPr/>
-        <p:txBody>
-          <a:bodyPr/>
-          <a:lstStyle/>
-          <a:p>
-            <a:r>
-              <a:rPr kumimoji="1" lang="ja-JP" altLang="en-US" dirty="0" smtClean="0">
-                <a:latin typeface="メイリオ" pitchFamily="50" charset="-128"/>
-                <a:ea typeface="メイリオ" pitchFamily="50" charset="-128"/>
-                <a:cs typeface="メイリオ" pitchFamily="50" charset="-128"/>
-              </a:rPr>
-              <a:t>相居飛車戦</a:t>
-            </a:r>
-            <a:r>
-              <a:rPr lang="ja-JP" altLang="en-US" dirty="0" smtClean="0">
-                <a:latin typeface="メイリオ" pitchFamily="50" charset="-128"/>
-                <a:ea typeface="メイリオ" pitchFamily="50" charset="-128"/>
-                <a:cs typeface="メイリオ" pitchFamily="50" charset="-128"/>
-              </a:rPr>
-              <a:t>の種類</a:t>
-            </a:r>
-            <a:endParaRPr kumimoji="1" lang="ja-JP" altLang="en-US" dirty="0">
-              <a:latin typeface="メイリオ" pitchFamily="50" charset="-128"/>
-              <a:ea typeface="メイリオ" pitchFamily="50" charset="-128"/>
-              <a:cs typeface="メイリオ" pitchFamily="50" charset="-128"/>
-            </a:endParaRPr>
-          </a:p>
-        </p:txBody>
-      </p:sp>
-      <p:graphicFrame>
-        <p:nvGraphicFramePr>
-          <p:cNvPr id="4" name="コンテンツ プレースホルダー 3"/>
-          <p:cNvGraphicFramePr>
-            <a:graphicFrameLocks noGrp="1"/>
-          </p:cNvGraphicFramePr>
-          <p:nvPr>
-            <p:ph idx="1"/>
-            <p:extLst>
-              <p:ext uri="{D42A27DB-BD31-4B8C-83A1-F6EECF244321}">
-                <p14:modId xmlns:p14="http://schemas.microsoft.com/office/powerpoint/2010/main" val="2481185985"/>
-              </p:ext>
-            </p:extLst>
-          </p:nvPr>
-        </p:nvGraphicFramePr>
-        <p:xfrm>
-          <a:off x="457200" y="1600200"/>
-          <a:ext cx="8229600" cy="4525963"/>
-        </p:xfrm>
-        <a:graphic>
-          <a:graphicData uri="http://schemas.openxmlformats.org/drawingml/2006/diagram">
-            <dgm:relIds xmlns:dgm="http://schemas.openxmlformats.org/drawingml/2006/diagram" xmlns:r="http://schemas.openxmlformats.org/officeDocument/2006/relationships" r:dm="rId2" r:lo="rId3" r:qs="rId4" r:cs="rId5"/>
-          </a:graphicData>
-        </a:graphic>
-      </p:graphicFrame>
-    </p:spTree>
-    <p:extLst>
-      <p:ext uri="{BB962C8B-B14F-4D97-AF65-F5344CB8AC3E}">
-        <p14:creationId xmlns:p14="http://schemas.microsoft.com/office/powerpoint/2010/main" val="173819026"/>
       </p:ext>
     </p:extLst>
   </p:cSld>
